--- a/01_Python_Overview/2_Python-Install-virtualEnv-Conda-JupyterNotebook.pptx
+++ b/01_Python_Overview/2_Python-Install-virtualEnv-Conda-JupyterNotebook.pptx
@@ -282,7 +282,7 @@
           <a:p>
             <a:fld id="{67F04FAE-4FEB-4A85-9677-97C84EB7CF43}" type="datetimeFigureOut">
               <a:rPr lang="en-IN" smtClean="0"/>
-              <a:t>30-08-2025</a:t>
+              <a:t>25-12-2025</a:t>
             </a:fld>
             <a:endParaRPr lang="en-IN"/>
           </a:p>
@@ -482,7 +482,7 @@
           <a:p>
             <a:fld id="{67F04FAE-4FEB-4A85-9677-97C84EB7CF43}" type="datetimeFigureOut">
               <a:rPr lang="en-IN" smtClean="0"/>
-              <a:t>30-08-2025</a:t>
+              <a:t>25-12-2025</a:t>
             </a:fld>
             <a:endParaRPr lang="en-IN"/>
           </a:p>
@@ -692,7 +692,7 @@
           <a:p>
             <a:fld id="{67F04FAE-4FEB-4A85-9677-97C84EB7CF43}" type="datetimeFigureOut">
               <a:rPr lang="en-IN" smtClean="0"/>
-              <a:t>30-08-2025</a:t>
+              <a:t>25-12-2025</a:t>
             </a:fld>
             <a:endParaRPr lang="en-IN"/>
           </a:p>
@@ -892,7 +892,7 @@
           <a:p>
             <a:fld id="{67F04FAE-4FEB-4A85-9677-97C84EB7CF43}" type="datetimeFigureOut">
               <a:rPr lang="en-IN" smtClean="0"/>
-              <a:t>30-08-2025</a:t>
+              <a:t>25-12-2025</a:t>
             </a:fld>
             <a:endParaRPr lang="en-IN"/>
           </a:p>
@@ -1168,7 +1168,7 @@
           <a:p>
             <a:fld id="{67F04FAE-4FEB-4A85-9677-97C84EB7CF43}" type="datetimeFigureOut">
               <a:rPr lang="en-IN" smtClean="0"/>
-              <a:t>30-08-2025</a:t>
+              <a:t>25-12-2025</a:t>
             </a:fld>
             <a:endParaRPr lang="en-IN"/>
           </a:p>
@@ -1436,7 +1436,7 @@
           <a:p>
             <a:fld id="{67F04FAE-4FEB-4A85-9677-97C84EB7CF43}" type="datetimeFigureOut">
               <a:rPr lang="en-IN" smtClean="0"/>
-              <a:t>30-08-2025</a:t>
+              <a:t>25-12-2025</a:t>
             </a:fld>
             <a:endParaRPr lang="en-IN"/>
           </a:p>
@@ -1851,7 +1851,7 @@
           <a:p>
             <a:fld id="{67F04FAE-4FEB-4A85-9677-97C84EB7CF43}" type="datetimeFigureOut">
               <a:rPr lang="en-IN" smtClean="0"/>
-              <a:t>30-08-2025</a:t>
+              <a:t>25-12-2025</a:t>
             </a:fld>
             <a:endParaRPr lang="en-IN"/>
           </a:p>
@@ -1993,7 +1993,7 @@
           <a:p>
             <a:fld id="{67F04FAE-4FEB-4A85-9677-97C84EB7CF43}" type="datetimeFigureOut">
               <a:rPr lang="en-IN" smtClean="0"/>
-              <a:t>30-08-2025</a:t>
+              <a:t>25-12-2025</a:t>
             </a:fld>
             <a:endParaRPr lang="en-IN"/>
           </a:p>
@@ -2106,7 +2106,7 @@
           <a:p>
             <a:fld id="{67F04FAE-4FEB-4A85-9677-97C84EB7CF43}" type="datetimeFigureOut">
               <a:rPr lang="en-IN" smtClean="0"/>
-              <a:t>30-08-2025</a:t>
+              <a:t>25-12-2025</a:t>
             </a:fld>
             <a:endParaRPr lang="en-IN"/>
           </a:p>
@@ -2419,7 +2419,7 @@
           <a:p>
             <a:fld id="{67F04FAE-4FEB-4A85-9677-97C84EB7CF43}" type="datetimeFigureOut">
               <a:rPr lang="en-IN" smtClean="0"/>
-              <a:t>30-08-2025</a:t>
+              <a:t>25-12-2025</a:t>
             </a:fld>
             <a:endParaRPr lang="en-IN"/>
           </a:p>
@@ -2708,7 +2708,7 @@
           <a:p>
             <a:fld id="{67F04FAE-4FEB-4A85-9677-97C84EB7CF43}" type="datetimeFigureOut">
               <a:rPr lang="en-IN" smtClean="0"/>
-              <a:t>30-08-2025</a:t>
+              <a:t>25-12-2025</a:t>
             </a:fld>
             <a:endParaRPr lang="en-IN"/>
           </a:p>
@@ -2951,7 +2951,7 @@
           <a:p>
             <a:fld id="{67F04FAE-4FEB-4A85-9677-97C84EB7CF43}" type="datetimeFigureOut">
               <a:rPr lang="en-IN" smtClean="0"/>
-              <a:t>30-08-2025</a:t>
+              <a:t>25-12-2025</a:t>
             </a:fld>
             <a:endParaRPr lang="en-IN"/>
           </a:p>
@@ -3623,19 +3623,13 @@
             </a:pPr>
             <a:r>
               <a:rPr lang="en-IN" sz="1800" dirty="0"/>
-              <a:t>It would p</a:t>
-            </a:r>
-            <a:r>
-              <a:rPr lang="en-US" sz="1800" b="0" i="0" dirty="0" err="1">
-                <a:effectLst/>
-              </a:rPr>
-              <a:t>rovide</a:t>
+              <a:t>It would </a:t>
             </a:r>
             <a:r>
               <a:rPr lang="en-US" sz="1800" b="0" i="0" dirty="0">
                 <a:effectLst/>
               </a:rPr>
-              <a:t> features like syntax highlighting, code formatting, debugging, and integration with different Python interpreters. Also give us ability to create virtual environ.</a:t>
+              <a:t>provide features like syntax highlighting, code formatting, debugging, and integration with different Python interpreters. Also give us ability to create virtual environ.</a:t>
             </a:r>
             <a:endParaRPr lang="en-IN" sz="1800" b="1" dirty="0"/>
           </a:p>
@@ -3864,7 +3858,7 @@
             </a:r>
             <a:r>
               <a:rPr lang="en-IN" dirty="0"/>
-              <a:t> u want to use. </a:t>
+              <a:t> you want to use. </a:t>
             </a:r>
           </a:p>
           <a:p>
@@ -5505,7 +5499,11 @@
             </a:pPr>
             <a:r>
               <a:rPr lang="en-US" sz="1200" dirty="0"/>
-              <a:t>Do you want to change the execution policy? [Y] Yes [A] Yes to All [N] No [L] No to All [S] Suspend [?] Help (default is "N"): Y </a:t>
+              <a:t>Do you want to change the execution policy? [Y] Yes [A] Yes to All [N] No [L] No to All [S] Suspend [?] Help (default is "N"): </a:t>
+            </a:r>
+            <a:r>
+              <a:rPr lang="en-US" sz="1200" b="1" dirty="0"/>
+              <a:t>Y </a:t>
             </a:r>
           </a:p>
           <a:p>
@@ -5513,6 +5511,19 @@
               <a:buNone/>
             </a:pPr>
             <a:endParaRPr lang="en-US" sz="1200" dirty="0"/>
+          </a:p>
+          <a:p>
+            <a:pPr marL="0" indent="0">
+              <a:buNone/>
+            </a:pPr>
+            <a:r>
+              <a:rPr lang="en-US" sz="1200" dirty="0"/>
+              <a:t>Following is </a:t>
+            </a:r>
+            <a:r>
+              <a:rPr lang="en-US" sz="1200"/>
+              <a:t>NOT needed:</a:t>
+            </a:r>
           </a:p>
           <a:p>
             <a:pPr marL="0" indent="0">

--- a/01_Python_Overview/2_Python-Install-virtualEnv-Conda-JupyterNotebook.pptx
+++ b/01_Python_Overview/2_Python-Install-virtualEnv-Conda-JupyterNotebook.pptx
@@ -6,27 +6,18 @@
   </p:sldMasterIdLst>
   <p:sldIdLst>
     <p:sldId id="256" r:id="rId2"/>
-    <p:sldId id="265" r:id="rId3"/>
-    <p:sldId id="266" r:id="rId4"/>
-    <p:sldId id="267" r:id="rId5"/>
-    <p:sldId id="268" r:id="rId6"/>
-    <p:sldId id="282" r:id="rId7"/>
-    <p:sldId id="262" r:id="rId8"/>
-    <p:sldId id="263" r:id="rId9"/>
-    <p:sldId id="264" r:id="rId10"/>
-    <p:sldId id="269" r:id="rId11"/>
-    <p:sldId id="270" r:id="rId12"/>
-    <p:sldId id="276" r:id="rId13"/>
-    <p:sldId id="280" r:id="rId14"/>
-    <p:sldId id="279" r:id="rId15"/>
-    <p:sldId id="281" r:id="rId16"/>
-    <p:sldId id="273" r:id="rId17"/>
-    <p:sldId id="274" r:id="rId18"/>
-    <p:sldId id="275" r:id="rId19"/>
-    <p:sldId id="277" r:id="rId20"/>
-    <p:sldId id="278" r:id="rId21"/>
-    <p:sldId id="271" r:id="rId22"/>
-    <p:sldId id="272" r:id="rId23"/>
+    <p:sldId id="276" r:id="rId3"/>
+    <p:sldId id="280" r:id="rId4"/>
+    <p:sldId id="282" r:id="rId5"/>
+    <p:sldId id="279" r:id="rId6"/>
+    <p:sldId id="281" r:id="rId7"/>
+    <p:sldId id="273" r:id="rId8"/>
+    <p:sldId id="274" r:id="rId9"/>
+    <p:sldId id="275" r:id="rId10"/>
+    <p:sldId id="277" r:id="rId11"/>
+    <p:sldId id="278" r:id="rId12"/>
+    <p:sldId id="271" r:id="rId13"/>
+    <p:sldId id="272" r:id="rId14"/>
   </p:sldIdLst>
   <p:sldSz cx="12192000" cy="6858000"/>
   <p:notesSz cx="6858000" cy="9144000"/>
@@ -282,7 +273,7 @@
           <a:p>
             <a:fld id="{67F04FAE-4FEB-4A85-9677-97C84EB7CF43}" type="datetimeFigureOut">
               <a:rPr lang="en-IN" smtClean="0"/>
-              <a:t>25-12-2025</a:t>
+              <a:t>08-01-2026</a:t>
             </a:fld>
             <a:endParaRPr lang="en-IN"/>
           </a:p>
@@ -482,7 +473,7 @@
           <a:p>
             <a:fld id="{67F04FAE-4FEB-4A85-9677-97C84EB7CF43}" type="datetimeFigureOut">
               <a:rPr lang="en-IN" smtClean="0"/>
-              <a:t>25-12-2025</a:t>
+              <a:t>08-01-2026</a:t>
             </a:fld>
             <a:endParaRPr lang="en-IN"/>
           </a:p>
@@ -692,7 +683,7 @@
           <a:p>
             <a:fld id="{67F04FAE-4FEB-4A85-9677-97C84EB7CF43}" type="datetimeFigureOut">
               <a:rPr lang="en-IN" smtClean="0"/>
-              <a:t>25-12-2025</a:t>
+              <a:t>08-01-2026</a:t>
             </a:fld>
             <a:endParaRPr lang="en-IN"/>
           </a:p>
@@ -892,7 +883,7 @@
           <a:p>
             <a:fld id="{67F04FAE-4FEB-4A85-9677-97C84EB7CF43}" type="datetimeFigureOut">
               <a:rPr lang="en-IN" smtClean="0"/>
-              <a:t>25-12-2025</a:t>
+              <a:t>08-01-2026</a:t>
             </a:fld>
             <a:endParaRPr lang="en-IN"/>
           </a:p>
@@ -1168,7 +1159,7 @@
           <a:p>
             <a:fld id="{67F04FAE-4FEB-4A85-9677-97C84EB7CF43}" type="datetimeFigureOut">
               <a:rPr lang="en-IN" smtClean="0"/>
-              <a:t>25-12-2025</a:t>
+              <a:t>08-01-2026</a:t>
             </a:fld>
             <a:endParaRPr lang="en-IN"/>
           </a:p>
@@ -1436,7 +1427,7 @@
           <a:p>
             <a:fld id="{67F04FAE-4FEB-4A85-9677-97C84EB7CF43}" type="datetimeFigureOut">
               <a:rPr lang="en-IN" smtClean="0"/>
-              <a:t>25-12-2025</a:t>
+              <a:t>08-01-2026</a:t>
             </a:fld>
             <a:endParaRPr lang="en-IN"/>
           </a:p>
@@ -1851,7 +1842,7 @@
           <a:p>
             <a:fld id="{67F04FAE-4FEB-4A85-9677-97C84EB7CF43}" type="datetimeFigureOut">
               <a:rPr lang="en-IN" smtClean="0"/>
-              <a:t>25-12-2025</a:t>
+              <a:t>08-01-2026</a:t>
             </a:fld>
             <a:endParaRPr lang="en-IN"/>
           </a:p>
@@ -1993,7 +1984,7 @@
           <a:p>
             <a:fld id="{67F04FAE-4FEB-4A85-9677-97C84EB7CF43}" type="datetimeFigureOut">
               <a:rPr lang="en-IN" smtClean="0"/>
-              <a:t>25-12-2025</a:t>
+              <a:t>08-01-2026</a:t>
             </a:fld>
             <a:endParaRPr lang="en-IN"/>
           </a:p>
@@ -2106,7 +2097,7 @@
           <a:p>
             <a:fld id="{67F04FAE-4FEB-4A85-9677-97C84EB7CF43}" type="datetimeFigureOut">
               <a:rPr lang="en-IN" smtClean="0"/>
-              <a:t>25-12-2025</a:t>
+              <a:t>08-01-2026</a:t>
             </a:fld>
             <a:endParaRPr lang="en-IN"/>
           </a:p>
@@ -2419,7 +2410,7 @@
           <a:p>
             <a:fld id="{67F04FAE-4FEB-4A85-9677-97C84EB7CF43}" type="datetimeFigureOut">
               <a:rPr lang="en-IN" smtClean="0"/>
-              <a:t>25-12-2025</a:t>
+              <a:t>08-01-2026</a:t>
             </a:fld>
             <a:endParaRPr lang="en-IN"/>
           </a:p>
@@ -2708,7 +2699,7 @@
           <a:p>
             <a:fld id="{67F04FAE-4FEB-4A85-9677-97C84EB7CF43}" type="datetimeFigureOut">
               <a:rPr lang="en-IN" smtClean="0"/>
-              <a:t>25-12-2025</a:t>
+              <a:t>08-01-2026</a:t>
             </a:fld>
             <a:endParaRPr lang="en-IN"/>
           </a:p>
@@ -2951,7 +2942,7 @@
           <a:p>
             <a:fld id="{67F04FAE-4FEB-4A85-9677-97C84EB7CF43}" type="datetimeFigureOut">
               <a:rPr lang="en-IN" smtClean="0"/>
-              <a:t>25-12-2025</a:t>
+              <a:t>08-01-2026</a:t>
             </a:fld>
             <a:endParaRPr lang="en-IN"/>
           </a:p>
@@ -3398,23 +3389,18 @@
           <a:p>
             <a:r>
               <a:rPr lang="en-US" dirty="0"/>
-              <a:t>Python: Installation(python, </a:t>
-            </a:r>
-            <a:r>
-              <a:rPr lang="en-US" dirty="0" err="1"/>
-              <a:t>vscode</a:t>
-            </a:r>
-            <a:r>
+              <a:t>Python: Installation: </a:t>
+            </a:r>
+            <a:br>
               <a:rPr lang="en-US" dirty="0"/>
-              <a:t>, </a:t>
-            </a:r>
+            </a:br>
             <a:r>
               <a:rPr lang="en-US" dirty="0" err="1"/>
               <a:t>virtualEnv</a:t>
             </a:r>
             <a:r>
               <a:rPr lang="en-US" dirty="0"/>
-              <a:t>, anaconda)</a:t>
+              <a:t>, anaconda</a:t>
             </a:r>
             <a:endParaRPr lang="en-IN" dirty="0"/>
           </a:p>
@@ -3434,2658 +3420,6 @@
 </file>
 
 <file path=ppt/slides/slide10.xml><?xml version="1.0" encoding="utf-8"?>
-<p:sld xmlns:a="http://schemas.openxmlformats.org/drawingml/2006/main" xmlns:r="http://schemas.openxmlformats.org/officeDocument/2006/relationships" xmlns:p="http://schemas.openxmlformats.org/presentationml/2006/main">
-  <p:cSld>
-    <p:spTree>
-      <p:nvGrpSpPr>
-        <p:cNvPr id="1" name="">
-          <a:extLst>
-            <a:ext uri="{FF2B5EF4-FFF2-40B4-BE49-F238E27FC236}">
-              <a16:creationId xmlns:a16="http://schemas.microsoft.com/office/drawing/2014/main" id="{EAC55D9B-CDA3-11C2-786E-2CD932BA0AAA}"/>
-            </a:ext>
-          </a:extLst>
-        </p:cNvPr>
-        <p:cNvGrpSpPr/>
-        <p:nvPr/>
-      </p:nvGrpSpPr>
-      <p:grpSpPr>
-        <a:xfrm>
-          <a:off x="0" y="0"/>
-          <a:ext cx="0" cy="0"/>
-          <a:chOff x="0" y="0"/>
-          <a:chExt cx="0" cy="0"/>
-        </a:xfrm>
-      </p:grpSpPr>
-      <p:sp>
-        <p:nvSpPr>
-          <p:cNvPr id="2" name="Title 1">
-            <a:extLst>
-              <a:ext uri="{FF2B5EF4-FFF2-40B4-BE49-F238E27FC236}">
-                <a16:creationId xmlns:a16="http://schemas.microsoft.com/office/drawing/2014/main" id="{42CCAB85-9960-7806-27F9-13F68D020971}"/>
-              </a:ext>
-            </a:extLst>
-          </p:cNvPr>
-          <p:cNvSpPr>
-            <a:spLocks noGrp="1"/>
-          </p:cNvSpPr>
-          <p:nvPr>
-            <p:ph type="title"/>
-          </p:nvPr>
-        </p:nvSpPr>
-        <p:spPr>
-          <a:xfrm>
-            <a:off x="838200" y="197981"/>
-            <a:ext cx="10515600" cy="618101"/>
-          </a:xfrm>
-        </p:spPr>
-        <p:txBody>
-          <a:bodyPr>
-            <a:normAutofit fontScale="90000"/>
-          </a:bodyPr>
-          <a:lstStyle/>
-          <a:p>
-            <a:r>
-              <a:rPr lang="en-US" dirty="0"/>
-              <a:t>Installation of </a:t>
-            </a:r>
-            <a:r>
-              <a:rPr lang="en-US" dirty="0" err="1"/>
-              <a:t>VSCode</a:t>
-            </a:r>
-            <a:r>
-              <a:rPr lang="en-US" dirty="0"/>
-              <a:t> (p4)</a:t>
-            </a:r>
-            <a:endParaRPr lang="en-IN" dirty="0"/>
-          </a:p>
-        </p:txBody>
-      </p:sp>
-      <p:sp>
-        <p:nvSpPr>
-          <p:cNvPr id="3" name="Content Placeholder 2">
-            <a:extLst>
-              <a:ext uri="{FF2B5EF4-FFF2-40B4-BE49-F238E27FC236}">
-                <a16:creationId xmlns:a16="http://schemas.microsoft.com/office/drawing/2014/main" id="{229B6A63-FABB-6FB8-5B88-36F66F077AB0}"/>
-              </a:ext>
-            </a:extLst>
-          </p:cNvPr>
-          <p:cNvSpPr>
-            <a:spLocks noGrp="1"/>
-          </p:cNvSpPr>
-          <p:nvPr>
-            <p:ph idx="1"/>
-          </p:nvPr>
-        </p:nvSpPr>
-        <p:spPr>
-          <a:xfrm>
-            <a:off x="216309" y="980051"/>
-            <a:ext cx="3596739" cy="4405765"/>
-          </a:xfrm>
-        </p:spPr>
-        <p:txBody>
-          <a:bodyPr>
-            <a:normAutofit fontScale="92500" lnSpcReduction="10000"/>
-          </a:bodyPr>
-          <a:lstStyle/>
-          <a:p>
-            <a:pPr marL="0" indent="0">
-              <a:buNone/>
-            </a:pPr>
-            <a:r>
-              <a:rPr lang="en-IN" sz="1800" dirty="0"/>
-              <a:t>5. Now we install python extension.</a:t>
-            </a:r>
-          </a:p>
-          <a:p>
-            <a:pPr marL="0" indent="0">
-              <a:buNone/>
-            </a:pPr>
-            <a:r>
-              <a:rPr lang="en-IN" sz="1800" dirty="0"/>
-              <a:t>Click on LHS </a:t>
-            </a:r>
-            <a:r>
-              <a:rPr lang="en-IN" sz="1800" b="1" dirty="0"/>
-              <a:t>extension</a:t>
-            </a:r>
-            <a:r>
-              <a:rPr lang="en-IN" sz="1800" dirty="0"/>
-              <a:t> icon. </a:t>
-            </a:r>
-          </a:p>
-          <a:p>
-            <a:pPr marL="0" indent="0">
-              <a:buNone/>
-            </a:pPr>
-            <a:r>
-              <a:rPr lang="en-IN" sz="1800" dirty="0"/>
-              <a:t>Type </a:t>
-            </a:r>
-            <a:r>
-              <a:rPr lang="en-IN" sz="1800" b="1" dirty="0"/>
-              <a:t>python:</a:t>
-            </a:r>
-          </a:p>
-          <a:p>
-            <a:pPr marL="0" indent="0">
-              <a:buNone/>
-            </a:pPr>
-            <a:r>
-              <a:rPr lang="en-IN" sz="1800" dirty="0"/>
-              <a:t>Choose </a:t>
-            </a:r>
-          </a:p>
-          <a:p>
-            <a:pPr marL="342900" indent="-342900">
-              <a:buFont typeface="+mj-lt"/>
-              <a:buAutoNum type="arabicPeriod"/>
-            </a:pPr>
-            <a:r>
-              <a:rPr lang="en-IN" sz="1800" b="1" dirty="0"/>
-              <a:t>Python debugger by Microsoft</a:t>
-            </a:r>
-          </a:p>
-          <a:p>
-            <a:pPr marL="342900" indent="-342900">
-              <a:buFont typeface="+mj-lt"/>
-              <a:buAutoNum type="arabicPeriod"/>
-            </a:pPr>
-            <a:r>
-              <a:rPr lang="en-IN" sz="1800" b="1" dirty="0"/>
-              <a:t>Python by Microsoft</a:t>
-            </a:r>
-          </a:p>
-          <a:p>
-            <a:pPr marL="342900" indent="-342900">
-              <a:buFont typeface="+mj-lt"/>
-              <a:buAutoNum type="arabicPeriod"/>
-            </a:pPr>
-            <a:r>
-              <a:rPr lang="en-IN" sz="1800" b="1" dirty="0"/>
-              <a:t>Python environment by Microsoft</a:t>
-            </a:r>
-          </a:p>
-          <a:p>
-            <a:pPr marL="0" indent="0">
-              <a:buNone/>
-            </a:pPr>
-            <a:endParaRPr lang="en-IN" sz="1800" b="1" dirty="0"/>
-          </a:p>
-          <a:p>
-            <a:pPr marL="0" indent="0">
-              <a:buNone/>
-            </a:pPr>
-            <a:endParaRPr lang="en-IN" sz="1800" b="1" dirty="0"/>
-          </a:p>
-          <a:p>
-            <a:pPr marL="0" indent="0">
-              <a:buNone/>
-            </a:pPr>
-            <a:r>
-              <a:rPr lang="en-IN" sz="1800" dirty="0"/>
-              <a:t>It would </a:t>
-            </a:r>
-            <a:r>
-              <a:rPr lang="en-US" sz="1800" b="0" i="0" dirty="0">
-                <a:effectLst/>
-              </a:rPr>
-              <a:t>provide features like syntax highlighting, code formatting, debugging, and integration with different Python interpreters. Also give us ability to create virtual environ.</a:t>
-            </a:r>
-            <a:endParaRPr lang="en-IN" sz="1800" b="1" dirty="0"/>
-          </a:p>
-        </p:txBody>
-      </p:sp>
-      <p:pic>
-        <p:nvPicPr>
-          <p:cNvPr id="6" name="Picture 5">
-            <a:extLst>
-              <a:ext uri="{FF2B5EF4-FFF2-40B4-BE49-F238E27FC236}">
-                <a16:creationId xmlns:a16="http://schemas.microsoft.com/office/drawing/2014/main" id="{0F36E1E6-845A-7019-A4A4-DCE3DCC157FB}"/>
-              </a:ext>
-            </a:extLst>
-          </p:cNvPr>
-          <p:cNvPicPr>
-            <a:picLocks noChangeAspect="1"/>
-          </p:cNvPicPr>
-          <p:nvPr/>
-        </p:nvPicPr>
-        <p:blipFill>
-          <a:blip r:embed="rId2">
-            <a:extLst>
-              <a:ext uri="{28A0092B-C50C-407E-A947-70E740481C1C}">
-                <a14:useLocalDpi xmlns:a14="http://schemas.microsoft.com/office/drawing/2010/main" val="0"/>
-              </a:ext>
-            </a:extLst>
-          </a:blip>
-          <a:stretch>
-            <a:fillRect/>
-          </a:stretch>
-        </p:blipFill>
-        <p:spPr>
-          <a:xfrm>
-            <a:off x="4555973" y="1385863"/>
-            <a:ext cx="7514757" cy="4779845"/>
-          </a:xfrm>
-          <a:prstGeom prst="rect">
-            <a:avLst/>
-          </a:prstGeom>
-        </p:spPr>
-      </p:pic>
-    </p:spTree>
-    <p:extLst>
-      <p:ext uri="{BB962C8B-B14F-4D97-AF65-F5344CB8AC3E}">
-        <p14:creationId xmlns:p14="http://schemas.microsoft.com/office/powerpoint/2010/main" val="1083154968"/>
-      </p:ext>
-    </p:extLst>
-  </p:cSld>
-  <p:clrMapOvr>
-    <a:masterClrMapping/>
-  </p:clrMapOvr>
-</p:sld>
-</file>
-
-<file path=ppt/slides/slide11.xml><?xml version="1.0" encoding="utf-8"?>
-<p:sld xmlns:a="http://schemas.openxmlformats.org/drawingml/2006/main" xmlns:r="http://schemas.openxmlformats.org/officeDocument/2006/relationships" xmlns:p="http://schemas.openxmlformats.org/presentationml/2006/main">
-  <p:cSld>
-    <p:spTree>
-      <p:nvGrpSpPr>
-        <p:cNvPr id="1" name=""/>
-        <p:cNvGrpSpPr/>
-        <p:nvPr/>
-      </p:nvGrpSpPr>
-      <p:grpSpPr>
-        <a:xfrm>
-          <a:off x="0" y="0"/>
-          <a:ext cx="0" cy="0"/>
-          <a:chOff x="0" y="0"/>
-          <a:chExt cx="0" cy="0"/>
-        </a:xfrm>
-      </p:grpSpPr>
-      <p:sp>
-        <p:nvSpPr>
-          <p:cNvPr id="3" name="Content Placeholder 2">
-            <a:extLst>
-              <a:ext uri="{FF2B5EF4-FFF2-40B4-BE49-F238E27FC236}">
-                <a16:creationId xmlns:a16="http://schemas.microsoft.com/office/drawing/2014/main" id="{821CEA75-5DA3-2201-751B-BD7349CA4442}"/>
-              </a:ext>
-            </a:extLst>
-          </p:cNvPr>
-          <p:cNvSpPr>
-            <a:spLocks noGrp="1"/>
-          </p:cNvSpPr>
-          <p:nvPr>
-            <p:ph idx="1"/>
-          </p:nvPr>
-        </p:nvSpPr>
-        <p:spPr>
-          <a:xfrm>
-            <a:off x="838200" y="597578"/>
-            <a:ext cx="10515600" cy="3604334"/>
-          </a:xfrm>
-        </p:spPr>
-        <p:txBody>
-          <a:bodyPr>
-            <a:normAutofit fontScale="55000" lnSpcReduction="20000"/>
-          </a:bodyPr>
-          <a:lstStyle/>
-          <a:p>
-            <a:pPr marL="0" indent="0">
-              <a:buNone/>
-            </a:pPr>
-            <a:r>
-              <a:rPr lang="en-US" sz="3300" b="1" dirty="0"/>
-              <a:t>Create and activate virtual environment on </a:t>
-            </a:r>
-            <a:r>
-              <a:rPr lang="en-US" sz="3300" b="1" dirty="0" err="1"/>
-              <a:t>Vscode</a:t>
-            </a:r>
-            <a:endParaRPr lang="en-US" sz="3300" b="1" dirty="0"/>
-          </a:p>
-          <a:p>
-            <a:pPr marL="0" indent="0">
-              <a:buNone/>
-            </a:pPr>
-            <a:endParaRPr lang="en-US" sz="3300" b="1" dirty="0"/>
-          </a:p>
-          <a:p>
-            <a:pPr marL="0" indent="0">
-              <a:buNone/>
-            </a:pPr>
-            <a:r>
-              <a:rPr lang="en-US" dirty="0"/>
-              <a:t>1. Open </a:t>
-            </a:r>
-            <a:r>
-              <a:rPr lang="en-US" dirty="0" err="1"/>
-              <a:t>VSCode</a:t>
-            </a:r>
-            <a:r>
-              <a:rPr lang="en-US" dirty="0"/>
-              <a:t> and open required folder where you want your python files</a:t>
-            </a:r>
-          </a:p>
-          <a:p>
-            <a:pPr marL="0" indent="0">
-              <a:buNone/>
-            </a:pPr>
-            <a:r>
-              <a:rPr lang="en-US" dirty="0"/>
-              <a:t>2. </a:t>
-            </a:r>
-            <a:r>
-              <a:rPr lang="en-US" b="1" dirty="0"/>
-              <a:t> View</a:t>
-            </a:r>
-            <a:r>
-              <a:rPr lang="en-US" dirty="0"/>
-              <a:t> -&gt; </a:t>
-            </a:r>
-            <a:r>
-              <a:rPr lang="en-US" b="1" dirty="0"/>
-              <a:t>command palette</a:t>
-            </a:r>
-            <a:r>
-              <a:rPr lang="en-US" dirty="0"/>
-              <a:t> -&gt; type </a:t>
-            </a:r>
-            <a:r>
-              <a:rPr lang="en-US" b="1" dirty="0"/>
-              <a:t>python. </a:t>
-            </a:r>
-            <a:r>
-              <a:rPr lang="en-US" dirty="0"/>
-              <a:t> Here you will see an option </a:t>
-            </a:r>
-            <a:r>
-              <a:rPr lang="en-US" b="1" dirty="0"/>
-              <a:t>Python: Create environment. </a:t>
-            </a:r>
-            <a:r>
-              <a:rPr lang="en-US" dirty="0"/>
-              <a:t>Select this.</a:t>
-            </a:r>
-          </a:p>
-          <a:p>
-            <a:pPr marL="0" indent="0">
-              <a:buNone/>
-            </a:pPr>
-            <a:r>
-              <a:rPr lang="en-US" dirty="0"/>
-              <a:t>3. You will receive 2 options: </a:t>
-            </a:r>
-            <a:r>
-              <a:rPr lang="en-US" b="1" dirty="0" err="1"/>
-              <a:t>Venv</a:t>
-            </a:r>
-            <a:r>
-              <a:rPr lang="en-US" dirty="0"/>
-              <a:t> and </a:t>
-            </a:r>
-            <a:r>
-              <a:rPr lang="en-US" b="1" dirty="0"/>
-              <a:t>Conda</a:t>
-            </a:r>
-            <a:r>
-              <a:rPr lang="en-US" dirty="0"/>
-              <a:t>. I prefer </a:t>
-            </a:r>
-            <a:r>
-              <a:rPr lang="en-US" b="1" dirty="0" err="1"/>
-              <a:t>Venv</a:t>
-            </a:r>
-            <a:r>
-              <a:rPr lang="en-US" dirty="0"/>
-              <a:t>. Select </a:t>
-            </a:r>
-            <a:r>
-              <a:rPr lang="en-US" b="1" dirty="0" err="1"/>
-              <a:t>Venv</a:t>
-            </a:r>
-            <a:endParaRPr lang="en-US" b="1" dirty="0"/>
-          </a:p>
-          <a:p>
-            <a:pPr marL="0" indent="0">
-              <a:buNone/>
-            </a:pPr>
-            <a:r>
-              <a:rPr lang="en-IN" dirty="0"/>
-              <a:t>4. Then follow along the prompt and select python </a:t>
-            </a:r>
-            <a:r>
-              <a:rPr lang="en-IN" dirty="0" err="1"/>
-              <a:t>interpretor</a:t>
-            </a:r>
-            <a:r>
-              <a:rPr lang="en-IN" dirty="0"/>
-              <a:t> you want to use. </a:t>
-            </a:r>
-          </a:p>
-          <a:p>
-            <a:pPr marL="0" indent="0">
-              <a:buNone/>
-            </a:pPr>
-            <a:r>
-              <a:rPr lang="en-IN" dirty="0"/>
-              <a:t>5. Finally you would see a directory created </a:t>
-            </a:r>
-            <a:r>
-              <a:rPr lang="en-IN" b="1" dirty="0"/>
-              <a:t>.</a:t>
-            </a:r>
-            <a:r>
-              <a:rPr lang="en-IN" b="1" dirty="0" err="1"/>
-              <a:t>venv</a:t>
-            </a:r>
-            <a:r>
-              <a:rPr lang="en-IN" dirty="0"/>
-              <a:t> which holds all python packages/libraries/etc for your </a:t>
-            </a:r>
-            <a:r>
-              <a:rPr lang="en-IN" dirty="0" err="1"/>
-              <a:t>venv</a:t>
-            </a:r>
-            <a:endParaRPr lang="en-IN" dirty="0"/>
-          </a:p>
-          <a:p>
-            <a:pPr marL="0" indent="0">
-              <a:buNone/>
-            </a:pPr>
-            <a:r>
-              <a:rPr lang="en-IN" dirty="0"/>
-              <a:t>6. (OPTIONAL) To verify that the </a:t>
-            </a:r>
-            <a:r>
-              <a:rPr lang="en-IN" dirty="0" err="1"/>
-              <a:t>VSCode</a:t>
-            </a:r>
-            <a:r>
-              <a:rPr lang="en-IN" dirty="0"/>
-              <a:t> terminal is using virtual env python, not global, type command:</a:t>
-            </a:r>
-          </a:p>
-          <a:p>
-            <a:pPr marL="0" indent="0">
-              <a:buNone/>
-            </a:pPr>
-            <a:r>
-              <a:rPr lang="en-IN" sz="1900" dirty="0">
-                <a:latin typeface="Times New Roman" panose="02020603050405020304" pitchFamily="18" charset="0"/>
-                <a:cs typeface="Times New Roman" panose="02020603050405020304" pitchFamily="18" charset="0"/>
-              </a:rPr>
-              <a:t>&gt; </a:t>
-            </a:r>
-            <a:r>
-              <a:rPr lang="en-IN" sz="1900" b="1" dirty="0">
-                <a:latin typeface="Times New Roman" panose="02020603050405020304" pitchFamily="18" charset="0"/>
-                <a:cs typeface="Times New Roman" panose="02020603050405020304" pitchFamily="18" charset="0"/>
-              </a:rPr>
-              <a:t>Get-Command python</a:t>
-            </a:r>
-            <a:r>
-              <a:rPr lang="en-IN" sz="1900" dirty="0">
-                <a:latin typeface="Times New Roman" panose="02020603050405020304" pitchFamily="18" charset="0"/>
-                <a:cs typeface="Times New Roman" panose="02020603050405020304" pitchFamily="18" charset="0"/>
-              </a:rPr>
-              <a:t> ( For windows )</a:t>
-            </a:r>
-          </a:p>
-          <a:p>
-            <a:pPr marL="0" indent="0">
-              <a:buNone/>
-            </a:pPr>
-            <a:r>
-              <a:rPr lang="en-IN" sz="1900" dirty="0">
-                <a:latin typeface="Times New Roman" panose="02020603050405020304" pitchFamily="18" charset="0"/>
-                <a:cs typeface="Times New Roman" panose="02020603050405020304" pitchFamily="18" charset="0"/>
-              </a:rPr>
-              <a:t>&gt; </a:t>
-            </a:r>
-            <a:r>
-              <a:rPr lang="en-IN" sz="1900" b="1" dirty="0">
-                <a:latin typeface="Times New Roman" panose="02020603050405020304" pitchFamily="18" charset="0"/>
-                <a:cs typeface="Times New Roman" panose="02020603050405020304" pitchFamily="18" charset="0"/>
-              </a:rPr>
-              <a:t>which python</a:t>
-            </a:r>
-            <a:r>
-              <a:rPr lang="en-IN" sz="1900" dirty="0">
-                <a:latin typeface="Times New Roman" panose="02020603050405020304" pitchFamily="18" charset="0"/>
-                <a:cs typeface="Times New Roman" panose="02020603050405020304" pitchFamily="18" charset="0"/>
-              </a:rPr>
-              <a:t> (for Linux)</a:t>
-            </a:r>
-          </a:p>
-          <a:p>
-            <a:pPr marL="0" indent="0">
-              <a:buNone/>
-            </a:pPr>
-            <a:endParaRPr lang="en-IN" dirty="0"/>
-          </a:p>
-          <a:p>
-            <a:pPr marL="0" indent="0">
-              <a:buNone/>
-            </a:pPr>
-            <a:r>
-              <a:rPr lang="en-IN" dirty="0"/>
-              <a:t>This should display the path of python and it should show .</a:t>
-            </a:r>
-            <a:r>
-              <a:rPr lang="en-IN" dirty="0" err="1"/>
-              <a:t>venv</a:t>
-            </a:r>
-            <a:r>
-              <a:rPr lang="en-IN" dirty="0"/>
-              <a:t> in its path. In case you do not get this, just close terminal and open new terminal.</a:t>
-            </a:r>
-          </a:p>
-        </p:txBody>
-      </p:sp>
-    </p:spTree>
-    <p:extLst>
-      <p:ext uri="{BB962C8B-B14F-4D97-AF65-F5344CB8AC3E}">
-        <p14:creationId xmlns:p14="http://schemas.microsoft.com/office/powerpoint/2010/main" val="816206434"/>
-      </p:ext>
-    </p:extLst>
-  </p:cSld>
-  <p:clrMapOvr>
-    <a:masterClrMapping/>
-  </p:clrMapOvr>
-</p:sld>
-</file>
-
-<file path=ppt/slides/slide12.xml><?xml version="1.0" encoding="utf-8"?>
-<p:sld xmlns:a="http://schemas.openxmlformats.org/drawingml/2006/main" xmlns:r="http://schemas.openxmlformats.org/officeDocument/2006/relationships" xmlns:p="http://schemas.openxmlformats.org/presentationml/2006/main">
-  <p:cSld>
-    <p:spTree>
-      <p:nvGrpSpPr>
-        <p:cNvPr id="1" name=""/>
-        <p:cNvGrpSpPr/>
-        <p:nvPr/>
-      </p:nvGrpSpPr>
-      <p:grpSpPr>
-        <a:xfrm>
-          <a:off x="0" y="0"/>
-          <a:ext cx="0" cy="0"/>
-          <a:chOff x="0" y="0"/>
-          <a:chExt cx="0" cy="0"/>
-        </a:xfrm>
-      </p:grpSpPr>
-      <p:sp>
-        <p:nvSpPr>
-          <p:cNvPr id="2" name="Title 1"/>
-          <p:cNvSpPr>
-            <a:spLocks noGrp="1"/>
-          </p:cNvSpPr>
-          <p:nvPr>
-            <p:ph type="title"/>
-          </p:nvPr>
-        </p:nvSpPr>
-        <p:spPr>
-          <a:xfrm>
-            <a:off x="838200" y="365125"/>
-            <a:ext cx="10515600" cy="717951"/>
-          </a:xfrm>
-        </p:spPr>
-        <p:txBody>
-          <a:bodyPr/>
-          <a:lstStyle/>
-          <a:p>
-            <a:r>
-              <a:rPr lang="en-US" dirty="0"/>
-              <a:t>Common </a:t>
-            </a:r>
-            <a:r>
-              <a:rPr lang="en-US" dirty="0" err="1"/>
-              <a:t>venv</a:t>
-            </a:r>
-            <a:r>
-              <a:rPr lang="en-US" dirty="0"/>
-              <a:t> commands:</a:t>
-            </a:r>
-          </a:p>
-        </p:txBody>
-      </p:sp>
-      <p:sp>
-        <p:nvSpPr>
-          <p:cNvPr id="3" name="Content Placeholder 2"/>
-          <p:cNvSpPr>
-            <a:spLocks noGrp="1"/>
-          </p:cNvSpPr>
-          <p:nvPr>
-            <p:ph idx="1"/>
-          </p:nvPr>
-        </p:nvSpPr>
-        <p:spPr>
-          <a:xfrm>
-            <a:off x="838200" y="1825625"/>
-            <a:ext cx="10515600" cy="1947385"/>
-          </a:xfrm>
-        </p:spPr>
-        <p:txBody>
-          <a:bodyPr>
-            <a:normAutofit/>
-          </a:bodyPr>
-          <a:lstStyle/>
-          <a:p>
-            <a:r>
-              <a:rPr lang="en-US" sz="1800" dirty="0"/>
-              <a:t>.\.</a:t>
-            </a:r>
-            <a:r>
-              <a:rPr lang="en-US" sz="1800" dirty="0" err="1"/>
-              <a:t>venv</a:t>
-            </a:r>
-            <a:r>
-              <a:rPr lang="en-US" sz="1800" dirty="0"/>
-              <a:t>\Scripts\python.exe -m </a:t>
-            </a:r>
-            <a:r>
-              <a:rPr lang="en-US" sz="1800" dirty="0" err="1"/>
-              <a:t>jupyter</a:t>
-            </a:r>
-            <a:r>
-              <a:rPr lang="en-US" sz="1800" dirty="0"/>
-              <a:t> notebook  (To start </a:t>
-            </a:r>
-            <a:r>
-              <a:rPr lang="en-US" sz="1800" dirty="0" err="1"/>
-              <a:t>jupyter</a:t>
-            </a:r>
-            <a:r>
-              <a:rPr lang="en-US" sz="1800" dirty="0"/>
-              <a:t> n/b via virtual env)</a:t>
-            </a:r>
-          </a:p>
-          <a:p>
-            <a:r>
-              <a:rPr lang="en-US" sz="1800" dirty="0"/>
-              <a:t>.\.</a:t>
-            </a:r>
-            <a:r>
-              <a:rPr lang="en-US" sz="1800" dirty="0" err="1"/>
-              <a:t>venv</a:t>
-            </a:r>
-            <a:r>
-              <a:rPr lang="en-US" sz="1800" dirty="0"/>
-              <a:t>\Scripts\python.exe -m pip install </a:t>
-            </a:r>
-            <a:r>
-              <a:rPr lang="en-US" sz="1800" dirty="0" err="1"/>
-              <a:t>jupyter</a:t>
-            </a:r>
-            <a:r>
-              <a:rPr lang="en-US" sz="1800" dirty="0"/>
-              <a:t> (To install </a:t>
-            </a:r>
-            <a:r>
-              <a:rPr lang="en-US" sz="1800" dirty="0" err="1"/>
-              <a:t>jupyter</a:t>
-            </a:r>
-            <a:r>
-              <a:rPr lang="en-US" sz="1800" dirty="0"/>
-              <a:t> n</a:t>
-            </a:r>
-            <a:r>
-              <a:rPr lang="en-US" sz="1800"/>
-              <a:t>/b)</a:t>
-            </a:r>
-            <a:endParaRPr lang="en-US" sz="1800" dirty="0"/>
-          </a:p>
-          <a:p>
-            <a:r>
-              <a:rPr lang="en-US" sz="1800" dirty="0"/>
-              <a:t>.\.</a:t>
-            </a:r>
-            <a:r>
-              <a:rPr lang="en-US" sz="1800" dirty="0" err="1"/>
-              <a:t>venv</a:t>
-            </a:r>
-            <a:r>
-              <a:rPr lang="en-US" sz="1800" dirty="0"/>
-              <a:t>\Scripts\python.exe -m pip install &lt;package&gt;   (To install via virtual </a:t>
-            </a:r>
-            <a:r>
-              <a:rPr lang="en-US" sz="1800" dirty="0" err="1"/>
-              <a:t>env</a:t>
-            </a:r>
-            <a:r>
-              <a:rPr lang="en-US" sz="1800" dirty="0"/>
-              <a:t>)</a:t>
-            </a:r>
-          </a:p>
-          <a:p>
-            <a:r>
-              <a:rPr lang="en-US" sz="1800" dirty="0"/>
-              <a:t>.\.</a:t>
-            </a:r>
-            <a:r>
-              <a:rPr lang="en-US" sz="1800" dirty="0" err="1"/>
-              <a:t>venv</a:t>
-            </a:r>
-            <a:r>
-              <a:rPr lang="en-US" sz="1800" dirty="0"/>
-              <a:t>\Scripts\activate (To activate virtual </a:t>
-            </a:r>
-            <a:r>
-              <a:rPr lang="en-US" sz="1800" dirty="0" err="1"/>
-              <a:t>env</a:t>
-            </a:r>
-            <a:r>
-              <a:rPr lang="en-US" sz="1800" dirty="0"/>
-              <a:t>)</a:t>
-            </a:r>
-          </a:p>
-          <a:p>
-            <a:pPr marL="0" indent="0">
-              <a:buNone/>
-            </a:pPr>
-            <a:endParaRPr lang="en-US" sz="1800" dirty="0"/>
-          </a:p>
-        </p:txBody>
-      </p:sp>
-    </p:spTree>
-    <p:extLst>
-      <p:ext uri="{BB962C8B-B14F-4D97-AF65-F5344CB8AC3E}">
-        <p14:creationId xmlns:p14="http://schemas.microsoft.com/office/powerpoint/2010/main" val="3990111825"/>
-      </p:ext>
-    </p:extLst>
-  </p:cSld>
-  <p:clrMapOvr>
-    <a:masterClrMapping/>
-  </p:clrMapOvr>
-</p:sld>
-</file>
-
-<file path=ppt/slides/slide13.xml><?xml version="1.0" encoding="utf-8"?>
-<p:sld xmlns:a="http://schemas.openxmlformats.org/drawingml/2006/main" xmlns:r="http://schemas.openxmlformats.org/officeDocument/2006/relationships" xmlns:p="http://schemas.openxmlformats.org/presentationml/2006/main">
-  <p:cSld>
-    <p:spTree>
-      <p:nvGrpSpPr>
-        <p:cNvPr id="1" name=""/>
-        <p:cNvGrpSpPr/>
-        <p:nvPr/>
-      </p:nvGrpSpPr>
-      <p:grpSpPr>
-        <a:xfrm>
-          <a:off x="0" y="0"/>
-          <a:ext cx="0" cy="0"/>
-          <a:chOff x="0" y="0"/>
-          <a:chExt cx="0" cy="0"/>
-        </a:xfrm>
-      </p:grpSpPr>
-      <p:sp>
-        <p:nvSpPr>
-          <p:cNvPr id="2" name="Title 1"/>
-          <p:cNvSpPr>
-            <a:spLocks noGrp="1"/>
-          </p:cNvSpPr>
-          <p:nvPr>
-            <p:ph type="title"/>
-          </p:nvPr>
-        </p:nvSpPr>
-        <p:spPr>
-          <a:xfrm>
-            <a:off x="207886" y="125428"/>
-            <a:ext cx="4186562" cy="442744"/>
-          </a:xfrm>
-        </p:spPr>
-        <p:txBody>
-          <a:bodyPr>
-            <a:normAutofit/>
-          </a:bodyPr>
-          <a:lstStyle/>
-          <a:p>
-            <a:r>
-              <a:rPr lang="en-US" sz="2400" dirty="0"/>
-              <a:t>Create virtual </a:t>
-            </a:r>
-            <a:r>
-              <a:rPr lang="en-US" sz="2400" dirty="0" err="1"/>
-              <a:t>env</a:t>
-            </a:r>
-            <a:r>
-              <a:rPr lang="en-US" sz="2400" dirty="0"/>
-              <a:t> via </a:t>
-            </a:r>
-            <a:r>
-              <a:rPr lang="en-US" sz="2400" dirty="0" err="1"/>
-              <a:t>cmd</a:t>
-            </a:r>
-            <a:r>
-              <a:rPr lang="en-US" sz="2400" dirty="0"/>
-              <a:t> line:</a:t>
-            </a:r>
-          </a:p>
-        </p:txBody>
-      </p:sp>
-      <p:sp>
-        <p:nvSpPr>
-          <p:cNvPr id="3" name="Content Placeholder 2"/>
-          <p:cNvSpPr>
-            <a:spLocks noGrp="1"/>
-          </p:cNvSpPr>
-          <p:nvPr>
-            <p:ph idx="1"/>
-          </p:nvPr>
-        </p:nvSpPr>
-        <p:spPr>
-          <a:xfrm>
-            <a:off x="186427" y="760299"/>
-            <a:ext cx="4888493" cy="1772589"/>
-          </a:xfrm>
-        </p:spPr>
-        <p:txBody>
-          <a:bodyPr>
-            <a:noAutofit/>
-          </a:bodyPr>
-          <a:lstStyle/>
-          <a:p>
-            <a:pPr marL="0" indent="0">
-              <a:buNone/>
-            </a:pPr>
-            <a:r>
-              <a:rPr lang="en-US" sz="1200" dirty="0"/>
-              <a:t>To find all python on your computer:</a:t>
-            </a:r>
-          </a:p>
-          <a:p>
-            <a:pPr>
-              <a:buFont typeface="Wingdings" panose="05000000000000000000" pitchFamily="2" charset="2"/>
-              <a:buChar char="Ø"/>
-            </a:pPr>
-            <a:r>
-              <a:rPr lang="en-US" sz="1200" b="1" dirty="0" err="1"/>
-              <a:t>py</a:t>
-            </a:r>
-            <a:r>
-              <a:rPr lang="en-US" sz="1200" b="1" dirty="0"/>
-              <a:t> -0</a:t>
-            </a:r>
-            <a:r>
-              <a:rPr lang="en-US" sz="1200" dirty="0"/>
-              <a:t>   (lists all installed versions, * in front of default)</a:t>
-            </a:r>
-          </a:p>
-          <a:p>
-            <a:pPr>
-              <a:buFont typeface="Wingdings" panose="05000000000000000000" pitchFamily="2" charset="2"/>
-              <a:buChar char="Ø"/>
-            </a:pPr>
-            <a:r>
-              <a:rPr lang="en-US" sz="1200" b="1" dirty="0"/>
-              <a:t>where python</a:t>
-            </a:r>
-            <a:r>
-              <a:rPr lang="en-US" sz="1200" dirty="0"/>
-              <a:t> (lists all Python executables in your system PATH)</a:t>
-            </a:r>
-          </a:p>
-          <a:p>
-            <a:pPr>
-              <a:buFont typeface="Wingdings" panose="05000000000000000000" pitchFamily="2" charset="2"/>
-              <a:buChar char="Ø"/>
-            </a:pPr>
-            <a:r>
-              <a:rPr lang="en-US" sz="1200" b="1" dirty="0"/>
-              <a:t>cd C:\Users\&lt;YourUsername&gt;\AppData\Local\Programs\Python</a:t>
-            </a:r>
-          </a:p>
-          <a:p>
-            <a:pPr marL="0" indent="0">
-              <a:buNone/>
-            </a:pPr>
-            <a:r>
-              <a:rPr lang="en-US" sz="1200" dirty="0"/>
-              <a:t> and then run ‘</a:t>
-            </a:r>
-            <a:r>
-              <a:rPr lang="en-US" sz="1200" b="1" dirty="0" err="1"/>
-              <a:t>dir</a:t>
-            </a:r>
-            <a:r>
-              <a:rPr lang="en-US" sz="1200" dirty="0"/>
-              <a:t>’. Here all python versions will be listed</a:t>
-            </a:r>
-          </a:p>
-          <a:p>
-            <a:pPr marL="0" indent="0">
-              <a:buNone/>
-            </a:pPr>
-            <a:r>
-              <a:rPr lang="en-US" sz="1200" dirty="0"/>
-              <a:t>-------------------------------------------------------------------------------------------------------</a:t>
-            </a:r>
-          </a:p>
-        </p:txBody>
-      </p:sp>
-      <p:sp>
-        <p:nvSpPr>
-          <p:cNvPr id="5" name="TextBox 4"/>
-          <p:cNvSpPr txBox="1"/>
-          <p:nvPr/>
-        </p:nvSpPr>
-        <p:spPr>
-          <a:xfrm>
-            <a:off x="5883766" y="887767"/>
-            <a:ext cx="6098958" cy="4893647"/>
-          </a:xfrm>
-          <a:prstGeom prst="rect">
-            <a:avLst/>
-          </a:prstGeom>
-          <a:noFill/>
-        </p:spPr>
-        <p:txBody>
-          <a:bodyPr wrap="square" rtlCol="0">
-            <a:spAutoFit/>
-          </a:bodyPr>
-          <a:lstStyle/>
-          <a:p>
-            <a:r>
-              <a:rPr lang="en-US" sz="1200" dirty="0"/>
-              <a:t>To create virtual environ,. open </a:t>
-            </a:r>
-            <a:r>
-              <a:rPr lang="en-US" sz="1200" b="1" dirty="0"/>
-              <a:t>Window </a:t>
-            </a:r>
-            <a:r>
-              <a:rPr lang="en-US" sz="1200" b="1" dirty="0" err="1"/>
-              <a:t>Powershell</a:t>
-            </a:r>
-            <a:r>
-              <a:rPr lang="en-US" sz="1200" dirty="0"/>
-              <a:t>:</a:t>
-            </a:r>
-          </a:p>
-          <a:p>
-            <a:pPr marL="342900" indent="-342900">
-              <a:buFont typeface="+mj-lt"/>
-              <a:buAutoNum type="arabicPeriod"/>
-            </a:pPr>
-            <a:r>
-              <a:rPr lang="en-US" sz="1200" dirty="0"/>
-              <a:t>PS C:\Users\hi&gt; </a:t>
-            </a:r>
-            <a:r>
-              <a:rPr lang="en-US" sz="1200" b="1" dirty="0" err="1"/>
-              <a:t>mkdir</a:t>
-            </a:r>
-            <a:r>
-              <a:rPr lang="en-US" sz="1200" b="1" dirty="0"/>
-              <a:t> </a:t>
-            </a:r>
-            <a:r>
-              <a:rPr lang="en-US" sz="1200" b="1" dirty="0" err="1"/>
-              <a:t>gemini</a:t>
-            </a:r>
-            <a:endParaRPr lang="en-US" sz="1200" b="1" dirty="0"/>
-          </a:p>
-          <a:p>
-            <a:pPr marL="342900" indent="-342900">
-              <a:buFont typeface="+mj-lt"/>
-              <a:buAutoNum type="arabicPeriod"/>
-            </a:pPr>
-            <a:r>
-              <a:rPr lang="en-US" sz="1200" dirty="0"/>
-              <a:t>PS C:\Users\hi&gt; </a:t>
-            </a:r>
-            <a:r>
-              <a:rPr lang="en-US" sz="1200" b="1" dirty="0"/>
-              <a:t>cd </a:t>
-            </a:r>
-            <a:r>
-              <a:rPr lang="en-US" sz="1200" b="1" dirty="0" err="1"/>
-              <a:t>gemini</a:t>
-            </a:r>
-            <a:endParaRPr lang="en-US" sz="1200" b="1" dirty="0"/>
-          </a:p>
-          <a:p>
-            <a:pPr marL="342900" indent="-342900">
-              <a:buFont typeface="+mj-lt"/>
-              <a:buAutoNum type="arabicPeriod"/>
-            </a:pPr>
-            <a:r>
-              <a:rPr lang="en-US" sz="1200" dirty="0"/>
-              <a:t>PS C:\Users\hi\gemini&gt; </a:t>
-            </a:r>
-            <a:r>
-              <a:rPr lang="en-US" sz="1200" b="1" dirty="0"/>
-              <a:t>C:\Users\hi\AppData\Local\Programs\Python\Python311\python.exe -m </a:t>
-            </a:r>
-            <a:r>
-              <a:rPr lang="en-US" sz="1200" b="1" dirty="0" err="1"/>
-              <a:t>venv</a:t>
-            </a:r>
-            <a:r>
-              <a:rPr lang="en-US" sz="1200" b="1" dirty="0"/>
-              <a:t> </a:t>
-            </a:r>
-            <a:r>
-              <a:rPr lang="en-US" sz="1200" b="1" dirty="0" err="1"/>
-              <a:t>env_test</a:t>
-            </a:r>
-            <a:r>
-              <a:rPr lang="en-US" sz="1200" b="1" dirty="0"/>
-              <a:t> </a:t>
-            </a:r>
-          </a:p>
-          <a:p>
-            <a:r>
-              <a:rPr lang="en-US" sz="1200" dirty="0"/>
-              <a:t>Now you would see a new </a:t>
-            </a:r>
-            <a:r>
-              <a:rPr lang="en-US" sz="1200" dirty="0" err="1"/>
-              <a:t>dir</a:t>
-            </a:r>
-            <a:r>
-              <a:rPr lang="en-US" sz="1200" dirty="0"/>
-              <a:t> </a:t>
-            </a:r>
-            <a:r>
-              <a:rPr lang="en-US" sz="1200" dirty="0" err="1"/>
-              <a:t>env_test</a:t>
-            </a:r>
-            <a:r>
-              <a:rPr lang="en-US" sz="1200" dirty="0"/>
-              <a:t> in CWD:</a:t>
-            </a:r>
-          </a:p>
-          <a:p>
-            <a:r>
-              <a:rPr lang="en-US" sz="1200" dirty="0"/>
-              <a:t>4.      PS C:\Users\hi\ </a:t>
-            </a:r>
-            <a:r>
-              <a:rPr lang="en-US" sz="1200" dirty="0" err="1"/>
-              <a:t>gemini</a:t>
-            </a:r>
-            <a:r>
-              <a:rPr lang="en-US" sz="1200" dirty="0"/>
-              <a:t> &gt; </a:t>
-            </a:r>
-            <a:r>
-              <a:rPr lang="en-US" sz="1200" b="1" dirty="0" err="1"/>
-              <a:t>dir</a:t>
-            </a:r>
-            <a:endParaRPr lang="en-US" sz="1200" b="1" dirty="0"/>
-          </a:p>
-          <a:p>
-            <a:endParaRPr lang="en-US" sz="1200" dirty="0"/>
-          </a:p>
-          <a:p>
-            <a:r>
-              <a:rPr lang="en-US" sz="1200" dirty="0"/>
-              <a:t>    Directory: C:\Users\hi\ </a:t>
-            </a:r>
-            <a:r>
-              <a:rPr lang="en-US" sz="1200" dirty="0" err="1"/>
-              <a:t>gemini</a:t>
-            </a:r>
-            <a:endParaRPr lang="en-US" sz="1200" dirty="0"/>
-          </a:p>
-          <a:p>
-            <a:endParaRPr lang="en-US" sz="1200" dirty="0"/>
-          </a:p>
-          <a:p>
-            <a:r>
-              <a:rPr lang="en-US" sz="1200" dirty="0"/>
-              <a:t>Mode                 </a:t>
-            </a:r>
-            <a:r>
-              <a:rPr lang="en-US" sz="1200" dirty="0" err="1"/>
-              <a:t>LastWriteTime</a:t>
-            </a:r>
-            <a:r>
-              <a:rPr lang="en-US" sz="1200" dirty="0"/>
-              <a:t>         Length Name</a:t>
-            </a:r>
-          </a:p>
-          <a:p>
-            <a:r>
-              <a:rPr lang="en-US" sz="1200" dirty="0"/>
-              <a:t>----                 -------------         ------ ----</a:t>
-            </a:r>
-          </a:p>
-          <a:p>
-            <a:r>
-              <a:rPr lang="en-US" sz="1200" dirty="0"/>
-              <a:t>d-----          5/5/2025  11:34 AM                </a:t>
-            </a:r>
-            <a:r>
-              <a:rPr lang="en-US" sz="1200" dirty="0" err="1"/>
-              <a:t>env_test</a:t>
-            </a:r>
-            <a:endParaRPr lang="en-US" sz="1200" dirty="0"/>
-          </a:p>
-          <a:p>
-            <a:endParaRPr lang="en-US" sz="1200" dirty="0"/>
-          </a:p>
-          <a:p>
-            <a:endParaRPr lang="en-US" sz="1200" dirty="0"/>
-          </a:p>
-          <a:p>
-            <a:r>
-              <a:rPr lang="en-US" sz="1200" dirty="0"/>
-              <a:t>5. Now we activate </a:t>
-            </a:r>
-            <a:r>
-              <a:rPr lang="en-US" sz="1200" dirty="0" err="1"/>
-              <a:t>virt</a:t>
-            </a:r>
-            <a:r>
-              <a:rPr lang="en-US" sz="1200" dirty="0"/>
-              <a:t> </a:t>
-            </a:r>
-            <a:r>
-              <a:rPr lang="en-US" sz="1200" dirty="0" err="1"/>
-              <a:t>env</a:t>
-            </a:r>
-            <a:r>
-              <a:rPr lang="en-US" sz="1200" dirty="0"/>
-              <a:t>.: </a:t>
-            </a:r>
-          </a:p>
-          <a:p>
-            <a:r>
-              <a:rPr lang="en-US" sz="1200" dirty="0"/>
-              <a:t>PS C:\Users\hi\ </a:t>
-            </a:r>
-            <a:r>
-              <a:rPr lang="en-US" sz="1200" dirty="0" err="1"/>
-              <a:t>gemini</a:t>
-            </a:r>
-            <a:r>
-              <a:rPr lang="en-US" sz="1200" dirty="0"/>
-              <a:t> &gt; </a:t>
-            </a:r>
-            <a:r>
-              <a:rPr lang="en-US" sz="1200" b="1" dirty="0"/>
-              <a:t>.\</a:t>
-            </a:r>
-            <a:r>
-              <a:rPr lang="en-US" sz="1200" b="1" dirty="0" err="1"/>
-              <a:t>env_test</a:t>
-            </a:r>
-            <a:r>
-              <a:rPr lang="en-US" sz="1200" b="1" dirty="0"/>
-              <a:t>\Scripts\activate </a:t>
-            </a:r>
-          </a:p>
-          <a:p>
-            <a:r>
-              <a:rPr lang="en-US" sz="1200" dirty="0"/>
-              <a:t>(</a:t>
-            </a:r>
-            <a:r>
-              <a:rPr lang="en-US" sz="1200" dirty="0" err="1"/>
-              <a:t>env_test</a:t>
-            </a:r>
-            <a:r>
-              <a:rPr lang="en-US" sz="1200" dirty="0"/>
-              <a:t>) PS C:\Users\hi\ </a:t>
-            </a:r>
-            <a:r>
-              <a:rPr lang="en-US" sz="1200" dirty="0" err="1"/>
-              <a:t>gemini</a:t>
-            </a:r>
-            <a:r>
-              <a:rPr lang="en-US" sz="1200" dirty="0"/>
-              <a:t> &gt;</a:t>
-            </a:r>
-          </a:p>
-          <a:p>
-            <a:endParaRPr lang="en-US" sz="1200" dirty="0"/>
-          </a:p>
-          <a:p>
-            <a:r>
-              <a:rPr lang="en-US" sz="1200" dirty="0"/>
-              <a:t>6. Now you can install packages and open </a:t>
-            </a:r>
-            <a:r>
-              <a:rPr lang="en-US" sz="1200" dirty="0" err="1"/>
-              <a:t>jupyter</a:t>
-            </a:r>
-            <a:r>
-              <a:rPr lang="en-US" sz="1200" dirty="0"/>
-              <a:t> notebook:</a:t>
-            </a:r>
-          </a:p>
-          <a:p>
-            <a:endParaRPr lang="en-US" sz="1200" dirty="0"/>
-          </a:p>
-          <a:p>
-            <a:r>
-              <a:rPr lang="en-US" sz="1200" dirty="0"/>
-              <a:t>(</a:t>
-            </a:r>
-            <a:r>
-              <a:rPr lang="en-US" sz="1200" dirty="0" err="1"/>
-              <a:t>env_test</a:t>
-            </a:r>
-            <a:r>
-              <a:rPr lang="en-US" sz="1200" dirty="0"/>
-              <a:t>) PS C:\Users\hi\ </a:t>
-            </a:r>
-            <a:r>
-              <a:rPr lang="en-US" sz="1200" dirty="0" err="1"/>
-              <a:t>gemini</a:t>
-            </a:r>
-            <a:r>
-              <a:rPr lang="en-US" sz="1200" dirty="0"/>
-              <a:t> &gt; </a:t>
-            </a:r>
-            <a:r>
-              <a:rPr lang="en-US" sz="1200" b="1" dirty="0"/>
-              <a:t>.\</a:t>
-            </a:r>
-            <a:r>
-              <a:rPr lang="en-US" sz="1200" b="1" dirty="0" err="1"/>
-              <a:t>env_test</a:t>
-            </a:r>
-            <a:r>
-              <a:rPr lang="en-US" sz="1200" b="1" dirty="0"/>
-              <a:t>\Scripts\python.exe -m </a:t>
-            </a:r>
-            <a:r>
-              <a:rPr lang="en-US" sz="1200" b="1" dirty="0" err="1"/>
-              <a:t>jupyter</a:t>
-            </a:r>
-            <a:r>
-              <a:rPr lang="en-US" sz="1200" b="1" dirty="0"/>
-              <a:t> notebook</a:t>
-            </a:r>
-          </a:p>
-          <a:p>
-            <a:r>
-              <a:rPr lang="en-US" sz="1200" dirty="0"/>
-              <a:t>C:\Users\hi\gemini\env_test\Scripts\python.exe: No module named </a:t>
-            </a:r>
-            <a:r>
-              <a:rPr lang="en-US" sz="1200" dirty="0" err="1"/>
-              <a:t>jupyter</a:t>
-            </a:r>
-            <a:endParaRPr lang="en-US" sz="1200" dirty="0"/>
-          </a:p>
-          <a:p>
-            <a:endParaRPr lang="en-US" sz="1200" dirty="0"/>
-          </a:p>
-          <a:p>
-            <a:r>
-              <a:rPr lang="en-US" sz="1200" dirty="0"/>
-              <a:t>(</a:t>
-            </a:r>
-            <a:r>
-              <a:rPr lang="en-US" sz="1200" dirty="0" err="1"/>
-              <a:t>env_test</a:t>
-            </a:r>
-            <a:r>
-              <a:rPr lang="en-US" sz="1200" dirty="0"/>
-              <a:t>) PS C:\Users\hi\gemini&gt; </a:t>
-            </a:r>
-            <a:r>
-              <a:rPr lang="en-US" sz="1200" b="1" dirty="0"/>
-              <a:t>.\</a:t>
-            </a:r>
-            <a:r>
-              <a:rPr lang="en-US" sz="1200" b="1" dirty="0" err="1"/>
-              <a:t>env_test</a:t>
-            </a:r>
-            <a:r>
-              <a:rPr lang="en-US" sz="1200" b="1" dirty="0"/>
-              <a:t>\Scripts\python.exe -m pip install </a:t>
-            </a:r>
-            <a:r>
-              <a:rPr lang="en-US" sz="1200" b="1" dirty="0" err="1"/>
-              <a:t>jupyter</a:t>
-            </a:r>
-            <a:endParaRPr lang="en-US" sz="1200" b="1" dirty="0"/>
-          </a:p>
-          <a:p>
-            <a:endParaRPr lang="en-US" sz="1200" dirty="0"/>
-          </a:p>
-        </p:txBody>
-      </p:sp>
-    </p:spTree>
-    <p:extLst>
-      <p:ext uri="{BB962C8B-B14F-4D97-AF65-F5344CB8AC3E}">
-        <p14:creationId xmlns:p14="http://schemas.microsoft.com/office/powerpoint/2010/main" val="439642580"/>
-      </p:ext>
-    </p:extLst>
-  </p:cSld>
-  <p:clrMapOvr>
-    <a:masterClrMapping/>
-  </p:clrMapOvr>
-</p:sld>
-</file>
-
-<file path=ppt/slides/slide14.xml><?xml version="1.0" encoding="utf-8"?>
-<p:sld xmlns:a="http://schemas.openxmlformats.org/drawingml/2006/main" xmlns:r="http://schemas.openxmlformats.org/officeDocument/2006/relationships" xmlns:p="http://schemas.openxmlformats.org/presentationml/2006/main">
-  <p:cSld>
-    <p:spTree>
-      <p:nvGrpSpPr>
-        <p:cNvPr id="1" name=""/>
-        <p:cNvGrpSpPr/>
-        <p:nvPr/>
-      </p:nvGrpSpPr>
-      <p:grpSpPr>
-        <a:xfrm>
-          <a:off x="0" y="0"/>
-          <a:ext cx="0" cy="0"/>
-          <a:chOff x="0" y="0"/>
-          <a:chExt cx="0" cy="0"/>
-        </a:xfrm>
-      </p:grpSpPr>
-      <p:sp>
-        <p:nvSpPr>
-          <p:cNvPr id="2" name="Title 1"/>
-          <p:cNvSpPr>
-            <a:spLocks noGrp="1"/>
-          </p:cNvSpPr>
-          <p:nvPr>
-            <p:ph type="title"/>
-          </p:nvPr>
-        </p:nvSpPr>
-        <p:spPr>
-          <a:xfrm>
-            <a:off x="207885" y="63282"/>
-            <a:ext cx="4239827" cy="558153"/>
-          </a:xfrm>
-        </p:spPr>
-        <p:txBody>
-          <a:bodyPr>
-            <a:noAutofit/>
-          </a:bodyPr>
-          <a:lstStyle/>
-          <a:p>
-            <a:r>
-              <a:rPr lang="en-US" sz="2800" dirty="0"/>
-              <a:t>Common </a:t>
-            </a:r>
-            <a:r>
-              <a:rPr lang="en-US" sz="2800" dirty="0" err="1"/>
-              <a:t>conda</a:t>
-            </a:r>
-            <a:r>
-              <a:rPr lang="en-US" sz="2800" dirty="0"/>
-              <a:t> commands</a:t>
-            </a:r>
-          </a:p>
-        </p:txBody>
-      </p:sp>
-      <p:sp>
-        <p:nvSpPr>
-          <p:cNvPr id="3" name="Content Placeholder 2"/>
-          <p:cNvSpPr>
-            <a:spLocks noGrp="1"/>
-          </p:cNvSpPr>
-          <p:nvPr>
-            <p:ph idx="1"/>
-          </p:nvPr>
-        </p:nvSpPr>
-        <p:spPr>
-          <a:xfrm>
-            <a:off x="470518" y="621435"/>
-            <a:ext cx="5628442" cy="3204842"/>
-          </a:xfrm>
-        </p:spPr>
-        <p:txBody>
-          <a:bodyPr>
-            <a:normAutofit fontScale="40000" lnSpcReduction="20000"/>
-          </a:bodyPr>
-          <a:lstStyle/>
-          <a:p>
-            <a:r>
-              <a:rPr lang="en-US" dirty="0" err="1"/>
-              <a:t>conda</a:t>
-            </a:r>
-            <a:r>
-              <a:rPr lang="en-US" dirty="0"/>
-              <a:t> info</a:t>
-            </a:r>
-          </a:p>
-          <a:p>
-            <a:r>
-              <a:rPr lang="en-US" dirty="0" err="1"/>
-              <a:t>conda</a:t>
-            </a:r>
-            <a:r>
-              <a:rPr lang="en-US" dirty="0"/>
-              <a:t> create --name ENV_NAME</a:t>
-            </a:r>
-          </a:p>
-          <a:p>
-            <a:r>
-              <a:rPr lang="en-US" dirty="0" err="1"/>
-              <a:t>conda</a:t>
-            </a:r>
-            <a:r>
-              <a:rPr lang="en-US" dirty="0"/>
-              <a:t> create -n ENVNAME python=3.10 (create </a:t>
-            </a:r>
-            <a:r>
-              <a:rPr lang="en-US" dirty="0" err="1"/>
-              <a:t>env</a:t>
-            </a:r>
-            <a:r>
-              <a:rPr lang="en-US" dirty="0"/>
-              <a:t> with specific python)</a:t>
-            </a:r>
-          </a:p>
-          <a:p>
-            <a:r>
-              <a:rPr lang="pt-BR" dirty="0"/>
-              <a:t>conda rename -n ENV_NAME NEW_ENVNAME</a:t>
-            </a:r>
-            <a:endParaRPr lang="en-US" dirty="0"/>
-          </a:p>
-          <a:p>
-            <a:r>
-              <a:rPr lang="pt-BR" dirty="0"/>
-              <a:t>conda remove -n ENVNAME –all  (remove env)</a:t>
-            </a:r>
-            <a:endParaRPr lang="en-US" dirty="0"/>
-          </a:p>
-          <a:p>
-            <a:r>
-              <a:rPr lang="en-US" dirty="0" err="1"/>
-              <a:t>conda</a:t>
-            </a:r>
-            <a:r>
-              <a:rPr lang="en-US" dirty="0"/>
-              <a:t> activate ENV_NAME</a:t>
-            </a:r>
-          </a:p>
-          <a:p>
-            <a:r>
-              <a:rPr lang="en-US" dirty="0" err="1"/>
-              <a:t>conda</a:t>
-            </a:r>
-            <a:r>
-              <a:rPr lang="en-US" dirty="0"/>
-              <a:t> list</a:t>
-            </a:r>
-          </a:p>
-          <a:p>
-            <a:r>
-              <a:rPr lang="en-US" dirty="0" err="1"/>
-              <a:t>conda</a:t>
-            </a:r>
-            <a:r>
-              <a:rPr lang="en-US" dirty="0"/>
-              <a:t> </a:t>
-            </a:r>
-            <a:r>
-              <a:rPr lang="en-US" dirty="0" err="1"/>
-              <a:t>env</a:t>
-            </a:r>
-            <a:r>
-              <a:rPr lang="en-US" dirty="0"/>
-              <a:t> list</a:t>
-            </a:r>
-          </a:p>
-          <a:p>
-            <a:r>
-              <a:rPr lang="en-US" dirty="0" err="1"/>
-              <a:t>conda</a:t>
-            </a:r>
-            <a:r>
-              <a:rPr lang="en-US" dirty="0"/>
-              <a:t> install PKGNAME</a:t>
-            </a:r>
-          </a:p>
-          <a:p>
-            <a:r>
-              <a:rPr lang="en-US" dirty="0" err="1"/>
-              <a:t>conda</a:t>
-            </a:r>
-            <a:r>
-              <a:rPr lang="en-US" dirty="0"/>
-              <a:t> uninstall PKGNAME</a:t>
-            </a:r>
-          </a:p>
-          <a:p>
-            <a:r>
-              <a:rPr lang="en-US" dirty="0" err="1"/>
-              <a:t>conda</a:t>
-            </a:r>
-            <a:r>
-              <a:rPr lang="en-US" dirty="0"/>
-              <a:t> export ENV_NAME&gt;</a:t>
-            </a:r>
-            <a:r>
-              <a:rPr lang="en-US" dirty="0" err="1"/>
-              <a:t>ENV.yml</a:t>
-            </a:r>
-            <a:r>
-              <a:rPr lang="en-US" dirty="0"/>
-              <a:t> </a:t>
-            </a:r>
-          </a:p>
-          <a:p>
-            <a:r>
-              <a:rPr lang="pt-BR" dirty="0"/>
-              <a:t>conda env create -n ENV_NAME --file ENV.yml   (for importing the env)</a:t>
-            </a:r>
-            <a:endParaRPr lang="en-US" dirty="0"/>
-          </a:p>
-          <a:p>
-            <a:r>
-              <a:rPr lang="en-US" dirty="0"/>
-              <a:t>where python (gives the path of python)</a:t>
-            </a:r>
-          </a:p>
-        </p:txBody>
-      </p:sp>
-      <p:sp>
-        <p:nvSpPr>
-          <p:cNvPr id="5" name="TextBox 4"/>
-          <p:cNvSpPr txBox="1"/>
-          <p:nvPr/>
-        </p:nvSpPr>
-        <p:spPr>
-          <a:xfrm>
-            <a:off x="4287916" y="133161"/>
-            <a:ext cx="7863884" cy="276999"/>
-          </a:xfrm>
-          <a:prstGeom prst="rect">
-            <a:avLst/>
-          </a:prstGeom>
-          <a:noFill/>
-        </p:spPr>
-        <p:txBody>
-          <a:bodyPr wrap="none" rtlCol="0">
-            <a:spAutoFit/>
-          </a:bodyPr>
-          <a:lstStyle/>
-          <a:p>
-            <a:r>
-              <a:rPr lang="en-US" sz="1200" dirty="0"/>
-              <a:t>https://docs.conda.io/projects/conda/en/latest/_downloads/843d9e0198f2a193a3484886fa28163c/conda-cheatsheet.pdf</a:t>
-            </a:r>
-          </a:p>
-        </p:txBody>
-      </p:sp>
-      <p:sp>
-        <p:nvSpPr>
-          <p:cNvPr id="6" name="TextBox 5"/>
-          <p:cNvSpPr txBox="1"/>
-          <p:nvPr/>
-        </p:nvSpPr>
-        <p:spPr>
-          <a:xfrm>
-            <a:off x="6826946" y="514897"/>
-            <a:ext cx="4224233" cy="3539430"/>
-          </a:xfrm>
-          <a:prstGeom prst="rect">
-            <a:avLst/>
-          </a:prstGeom>
-          <a:noFill/>
-        </p:spPr>
-        <p:txBody>
-          <a:bodyPr wrap="none" rtlCol="0">
-            <a:spAutoFit/>
-          </a:bodyPr>
-          <a:lstStyle/>
-          <a:p>
-            <a:r>
-              <a:rPr lang="en-US" sz="1400" dirty="0"/>
-              <a:t>Steps to create a new environ:</a:t>
-            </a:r>
-          </a:p>
-          <a:p>
-            <a:r>
-              <a:rPr lang="en-US" sz="1400" dirty="0"/>
-              <a:t>Go inside the </a:t>
-            </a:r>
-            <a:r>
-              <a:rPr lang="en-US" sz="1400" dirty="0" err="1"/>
-              <a:t>project_dir</a:t>
-            </a:r>
-            <a:r>
-              <a:rPr lang="en-US" sz="1400" dirty="0"/>
-              <a:t>(e.g. </a:t>
-            </a:r>
-            <a:r>
-              <a:rPr lang="en-US" sz="1400" dirty="0" err="1"/>
-              <a:t>gen_ai</a:t>
-            </a:r>
-            <a:r>
-              <a:rPr lang="en-US" sz="1400" dirty="0"/>
-              <a:t>)</a:t>
-            </a:r>
-          </a:p>
-          <a:p>
-            <a:pPr marL="342900" indent="-342900">
-              <a:buFont typeface="+mj-lt"/>
-              <a:buAutoNum type="arabicPeriod"/>
-            </a:pPr>
-            <a:r>
-              <a:rPr lang="en-US" sz="1400" dirty="0" err="1"/>
-              <a:t>conda</a:t>
-            </a:r>
-            <a:r>
-              <a:rPr lang="en-US" sz="1400" dirty="0"/>
-              <a:t> create --name </a:t>
-            </a:r>
-            <a:r>
-              <a:rPr lang="en-US" sz="1400" dirty="0" err="1"/>
-              <a:t>env_genai</a:t>
-            </a:r>
-            <a:endParaRPr lang="en-US" sz="1400" dirty="0"/>
-          </a:p>
-          <a:p>
-            <a:pPr marL="342900" indent="-342900">
-              <a:buFont typeface="+mj-lt"/>
-              <a:buAutoNum type="arabicPeriod"/>
-            </a:pPr>
-            <a:r>
-              <a:rPr lang="en-US" sz="1400" dirty="0" err="1"/>
-              <a:t>conda</a:t>
-            </a:r>
-            <a:r>
-              <a:rPr lang="en-US" sz="1400" dirty="0"/>
-              <a:t> activate </a:t>
-            </a:r>
-            <a:r>
-              <a:rPr lang="en-US" sz="1400" dirty="0" err="1"/>
-              <a:t>env_genai</a:t>
-            </a:r>
-            <a:endParaRPr lang="en-US" sz="1400" dirty="0"/>
-          </a:p>
-          <a:p>
-            <a:pPr marL="342900" indent="-342900">
-              <a:buFont typeface="+mj-lt"/>
-              <a:buAutoNum type="arabicPeriod"/>
-            </a:pPr>
-            <a:r>
-              <a:rPr lang="en-US" sz="1400" dirty="0" err="1"/>
-              <a:t>conda</a:t>
-            </a:r>
-            <a:r>
-              <a:rPr lang="en-US" sz="1400" dirty="0"/>
-              <a:t> list python   (showed no python </a:t>
-            </a:r>
-            <a:r>
-              <a:rPr lang="en-US" sz="1400" dirty="0" err="1"/>
-              <a:t>interpretor</a:t>
-            </a:r>
-            <a:r>
-              <a:rPr lang="en-US" sz="1400" dirty="0"/>
-              <a:t>)</a:t>
-            </a:r>
-          </a:p>
-          <a:p>
-            <a:pPr marL="342900" indent="-342900">
-              <a:buFont typeface="+mj-lt"/>
-              <a:buAutoNum type="arabicPeriod"/>
-            </a:pPr>
-            <a:r>
-              <a:rPr lang="en-US" sz="1400" dirty="0" err="1"/>
-              <a:t>conda</a:t>
-            </a:r>
-            <a:r>
-              <a:rPr lang="en-US" sz="1400" dirty="0"/>
-              <a:t> install python=3.12</a:t>
-            </a:r>
-          </a:p>
-          <a:p>
-            <a:pPr marL="342900" indent="-342900">
-              <a:buFont typeface="+mj-lt"/>
-              <a:buAutoNum type="arabicPeriod"/>
-            </a:pPr>
-            <a:r>
-              <a:rPr lang="en-US" sz="1400" dirty="0" err="1"/>
-              <a:t>conda</a:t>
-            </a:r>
-            <a:r>
-              <a:rPr lang="en-US" sz="1400" dirty="0"/>
-              <a:t> install </a:t>
-            </a:r>
-            <a:r>
-              <a:rPr lang="en-US" sz="1400" dirty="0" err="1"/>
-              <a:t>jupyter</a:t>
-            </a:r>
-            <a:endParaRPr lang="en-US" sz="1400" dirty="0"/>
-          </a:p>
-          <a:p>
-            <a:pPr marL="342900" indent="-342900">
-              <a:buFont typeface="+mj-lt"/>
-              <a:buAutoNum type="arabicPeriod"/>
-            </a:pPr>
-            <a:r>
-              <a:rPr lang="en-US" sz="1400" dirty="0" err="1"/>
-              <a:t>conda</a:t>
-            </a:r>
-            <a:r>
-              <a:rPr lang="en-US" sz="1400" dirty="0"/>
-              <a:t> list python   (showed python </a:t>
-            </a:r>
-            <a:r>
-              <a:rPr lang="en-US" sz="1400" dirty="0" err="1"/>
-              <a:t>interpretor</a:t>
-            </a:r>
-            <a:r>
-              <a:rPr lang="en-US" sz="1400" dirty="0"/>
-              <a:t>)</a:t>
-            </a:r>
-          </a:p>
-          <a:p>
-            <a:pPr marL="342900" indent="-342900">
-              <a:buFont typeface="+mj-lt"/>
-              <a:buAutoNum type="arabicPeriod"/>
-            </a:pPr>
-            <a:r>
-              <a:rPr lang="en-US" sz="1400" dirty="0" err="1"/>
-              <a:t>conda</a:t>
-            </a:r>
-            <a:r>
-              <a:rPr lang="en-US" sz="1400" dirty="0"/>
-              <a:t> list </a:t>
-            </a:r>
-            <a:r>
-              <a:rPr lang="en-US" sz="1400" dirty="0" err="1"/>
-              <a:t>jupyter</a:t>
-            </a:r>
-            <a:r>
-              <a:rPr lang="en-US" sz="1400" dirty="0"/>
-              <a:t> (showed </a:t>
-            </a:r>
-            <a:r>
-              <a:rPr lang="en-US" sz="1400" dirty="0" err="1"/>
-              <a:t>jupyter</a:t>
-            </a:r>
-            <a:r>
-              <a:rPr lang="en-US" sz="1400" dirty="0"/>
-              <a:t> installed)</a:t>
-            </a:r>
-          </a:p>
-          <a:p>
-            <a:pPr marL="342900" indent="-342900">
-              <a:buFont typeface="+mj-lt"/>
-              <a:buAutoNum type="arabicPeriod"/>
-            </a:pPr>
-            <a:r>
-              <a:rPr lang="en-US" sz="1400" dirty="0"/>
-              <a:t>python (make sure its python3.12)</a:t>
-            </a:r>
-          </a:p>
-          <a:p>
-            <a:pPr marL="342900" indent="-342900">
-              <a:buFont typeface="+mj-lt"/>
-              <a:buAutoNum type="arabicPeriod"/>
-            </a:pPr>
-            <a:r>
-              <a:rPr lang="en-US" sz="1400" dirty="0"/>
-              <a:t>python –m </a:t>
-            </a:r>
-            <a:r>
-              <a:rPr lang="en-US" sz="1400" dirty="0" err="1"/>
-              <a:t>jupyter</a:t>
-            </a:r>
-            <a:r>
-              <a:rPr lang="en-US" sz="1400" dirty="0"/>
-              <a:t> notebook</a:t>
-            </a:r>
-          </a:p>
-          <a:p>
-            <a:pPr marL="342900" indent="-342900">
-              <a:buFont typeface="+mj-lt"/>
-              <a:buAutoNum type="arabicPeriod"/>
-            </a:pPr>
-            <a:endParaRPr lang="en-US" sz="1400" dirty="0"/>
-          </a:p>
-          <a:p>
-            <a:r>
-              <a:rPr lang="en-US" sz="1400" dirty="0"/>
-              <a:t>Now you can install packages from </a:t>
-            </a:r>
-            <a:r>
-              <a:rPr lang="en-US" sz="1400" dirty="0" err="1"/>
-              <a:t>jupyter</a:t>
-            </a:r>
-            <a:r>
-              <a:rPr lang="en-US" sz="1400" dirty="0"/>
-              <a:t> cells:</a:t>
-            </a:r>
-          </a:p>
-          <a:p>
-            <a:r>
-              <a:rPr lang="en-US" sz="1400" dirty="0"/>
-              <a:t>pip install pandas, </a:t>
-            </a:r>
-            <a:r>
-              <a:rPr lang="en-US" sz="1400" dirty="0" err="1"/>
-              <a:t>etc</a:t>
-            </a:r>
-            <a:endParaRPr lang="en-US" sz="1400" dirty="0"/>
-          </a:p>
-          <a:p>
-            <a:pPr marL="342900" indent="-342900">
-              <a:buFont typeface="+mj-lt"/>
-              <a:buAutoNum type="arabicPeriod"/>
-            </a:pPr>
-            <a:endParaRPr lang="en-US" sz="1400" dirty="0"/>
-          </a:p>
-          <a:p>
-            <a:endParaRPr lang="en-US" sz="1400" dirty="0"/>
-          </a:p>
-        </p:txBody>
-      </p:sp>
-    </p:spTree>
-    <p:extLst>
-      <p:ext uri="{BB962C8B-B14F-4D97-AF65-F5344CB8AC3E}">
-        <p14:creationId xmlns:p14="http://schemas.microsoft.com/office/powerpoint/2010/main" val="2751914193"/>
-      </p:ext>
-    </p:extLst>
-  </p:cSld>
-  <p:clrMapOvr>
-    <a:masterClrMapping/>
-  </p:clrMapOvr>
-</p:sld>
-</file>
-
-<file path=ppt/slides/slide15.xml><?xml version="1.0" encoding="utf-8"?>
-<p:sld xmlns:a="http://schemas.openxmlformats.org/drawingml/2006/main" xmlns:r="http://schemas.openxmlformats.org/officeDocument/2006/relationships" xmlns:p="http://schemas.openxmlformats.org/presentationml/2006/main">
-  <p:cSld>
-    <p:spTree>
-      <p:nvGrpSpPr>
-        <p:cNvPr id="1" name=""/>
-        <p:cNvGrpSpPr/>
-        <p:nvPr/>
-      </p:nvGrpSpPr>
-      <p:grpSpPr>
-        <a:xfrm>
-          <a:off x="0" y="0"/>
-          <a:ext cx="0" cy="0"/>
-          <a:chOff x="0" y="0"/>
-          <a:chExt cx="0" cy="0"/>
-        </a:xfrm>
-      </p:grpSpPr>
-      <p:sp>
-        <p:nvSpPr>
-          <p:cNvPr id="3" name="Content Placeholder 2"/>
-          <p:cNvSpPr>
-            <a:spLocks noGrp="1"/>
-          </p:cNvSpPr>
-          <p:nvPr>
-            <p:ph idx="1"/>
-          </p:nvPr>
-        </p:nvSpPr>
-        <p:spPr>
-          <a:xfrm>
-            <a:off x="292963" y="1825625"/>
-            <a:ext cx="11745157" cy="4351338"/>
-          </a:xfrm>
-        </p:spPr>
-        <p:txBody>
-          <a:bodyPr>
-            <a:normAutofit/>
-          </a:bodyPr>
-          <a:lstStyle/>
-          <a:p>
-            <a:pPr marL="0" indent="0">
-              <a:buNone/>
-            </a:pPr>
-            <a:r>
-              <a:rPr lang="en-US" sz="1200" b="1" dirty="0"/>
-              <a:t>1) Open </a:t>
-            </a:r>
-            <a:r>
-              <a:rPr lang="en-US" sz="1200" b="1" dirty="0" err="1"/>
-              <a:t>powershell</a:t>
-            </a:r>
-            <a:r>
-              <a:rPr lang="en-US" sz="1200" b="1" dirty="0"/>
-              <a:t> as Administrator:</a:t>
-            </a:r>
-            <a:br>
-              <a:rPr lang="en-US" sz="1200" b="1" dirty="0"/>
-            </a:br>
-            <a:endParaRPr lang="en-US" sz="1200" b="1" dirty="0"/>
-          </a:p>
-          <a:p>
-            <a:pPr marL="0" indent="0">
-              <a:buNone/>
-            </a:pPr>
-            <a:r>
-              <a:rPr lang="en-US" sz="1200" dirty="0"/>
-              <a:t>2) C:\Users\Admin\Documents\WindowsPowerShell\profile.ps1 cannot be loaded because running scripts is disabled on this system. For more information, see </a:t>
-            </a:r>
-            <a:r>
-              <a:rPr lang="en-US" sz="1200" dirty="0" err="1"/>
-              <a:t>about_Execution_Policies</a:t>
-            </a:r>
-            <a:r>
-              <a:rPr lang="en-US" sz="1200" dirty="0"/>
-              <a:t> at https:/go.microsoft.com/</a:t>
-            </a:r>
-            <a:r>
-              <a:rPr lang="en-US" sz="1200" dirty="0" err="1"/>
-              <a:t>fwlink</a:t>
-            </a:r>
-            <a:r>
-              <a:rPr lang="en-US" sz="1200" dirty="0"/>
-              <a:t>/?</a:t>
-            </a:r>
-            <a:r>
-              <a:rPr lang="en-US" sz="1200" dirty="0" err="1"/>
-              <a:t>LinkID</a:t>
-            </a:r>
-            <a:r>
-              <a:rPr lang="en-US" sz="1200" dirty="0"/>
-              <a:t>=135170. At line:1 char:3 + . 'C:\Users\Admin\Documents\</a:t>
-            </a:r>
-            <a:r>
-              <a:rPr lang="en-US" sz="1200" dirty="0" err="1"/>
-              <a:t>WindowsPowerShell</a:t>
-            </a:r>
-            <a:r>
-              <a:rPr lang="en-US" sz="1200" dirty="0"/>
-              <a:t>\profile.ps1' + ~~~~~~~~~~~~~~~~~~~~~~~~~~~~~~~~~~~~~~~~~~~~~~~~~~~~~~~~ + </a:t>
-            </a:r>
-            <a:r>
-              <a:rPr lang="en-US" sz="1200" dirty="0" err="1"/>
-              <a:t>CategoryInfo</a:t>
-            </a:r>
-            <a:r>
-              <a:rPr lang="en-US" sz="1200" dirty="0"/>
-              <a:t> : </a:t>
-            </a:r>
-            <a:r>
-              <a:rPr lang="en-US" sz="1200" dirty="0" err="1"/>
-              <a:t>SecurityError</a:t>
-            </a:r>
-            <a:r>
-              <a:rPr lang="en-US" sz="1200" dirty="0"/>
-              <a:t>: (:) [], </a:t>
-            </a:r>
-            <a:r>
-              <a:rPr lang="en-US" sz="1200" dirty="0" err="1"/>
-              <a:t>PSSecurityException</a:t>
-            </a:r>
-            <a:r>
-              <a:rPr lang="en-US" sz="1200" dirty="0"/>
-              <a:t> + </a:t>
-            </a:r>
-            <a:r>
-              <a:rPr lang="en-US" sz="1200" dirty="0" err="1"/>
-              <a:t>FullyQualifiedErrorId</a:t>
-            </a:r>
-            <a:r>
-              <a:rPr lang="en-US" sz="1200" dirty="0"/>
-              <a:t> : </a:t>
-            </a:r>
-            <a:r>
-              <a:rPr lang="en-US" sz="1200" dirty="0" err="1"/>
-              <a:t>UnauthorizedAccess</a:t>
-            </a:r>
-            <a:r>
-              <a:rPr lang="en-US" sz="1200" dirty="0"/>
-              <a:t> . : Fi</a:t>
-            </a:r>
-          </a:p>
-          <a:p>
-            <a:pPr marL="0" indent="0">
-              <a:buNone/>
-            </a:pPr>
-            <a:r>
-              <a:rPr lang="en-US" sz="1200" dirty="0"/>
-              <a:t>PS C:\WINDOWS\system32&gt; </a:t>
-            </a:r>
-            <a:r>
-              <a:rPr lang="en-US" sz="1200" b="1" dirty="0"/>
-              <a:t>Set-</a:t>
-            </a:r>
-            <a:r>
-              <a:rPr lang="en-US" sz="1200" b="1" dirty="0" err="1"/>
-              <a:t>ExecutionPolicy</a:t>
-            </a:r>
-            <a:r>
-              <a:rPr lang="en-US" sz="1200" b="1" dirty="0"/>
-              <a:t> </a:t>
-            </a:r>
-            <a:r>
-              <a:rPr lang="en-US" sz="1200" b="1" dirty="0" err="1"/>
-              <a:t>RemoteSigned</a:t>
-            </a:r>
-            <a:r>
-              <a:rPr lang="en-US" sz="1200" b="1" dirty="0"/>
-              <a:t> -Scope </a:t>
-            </a:r>
-            <a:r>
-              <a:rPr lang="en-US" sz="1200" b="1" dirty="0" err="1"/>
-              <a:t>LocalMachine</a:t>
-            </a:r>
-            <a:endParaRPr lang="en-US" sz="1200" b="1" dirty="0"/>
-          </a:p>
-          <a:p>
-            <a:pPr marL="0" indent="0">
-              <a:buNone/>
-            </a:pPr>
-            <a:r>
-              <a:rPr lang="en-US" sz="1200" dirty="0"/>
-              <a:t>Execution Policy Change The execution policy helps protect you from scripts that you do not trust. Changing the execution policy might expose you to the security risks described in the </a:t>
-            </a:r>
-            <a:r>
-              <a:rPr lang="en-US" sz="1200" dirty="0" err="1"/>
-              <a:t>about_Execution_Policies</a:t>
-            </a:r>
-            <a:r>
-              <a:rPr lang="en-US" sz="1200" dirty="0"/>
-              <a:t> help topic at https:/go.microsoft.com/</a:t>
-            </a:r>
-            <a:r>
-              <a:rPr lang="en-US" sz="1200" dirty="0" err="1"/>
-              <a:t>fwlink</a:t>
-            </a:r>
-            <a:r>
-              <a:rPr lang="en-US" sz="1200" dirty="0"/>
-              <a:t>/?</a:t>
-            </a:r>
-            <a:r>
-              <a:rPr lang="en-US" sz="1200" dirty="0" err="1"/>
-              <a:t>LinkID</a:t>
-            </a:r>
-            <a:r>
-              <a:rPr lang="en-US" sz="1200" dirty="0"/>
-              <a:t>=135170.</a:t>
-            </a:r>
-          </a:p>
-          <a:p>
-            <a:pPr marL="0" indent="0">
-              <a:buNone/>
-            </a:pPr>
-            <a:r>
-              <a:rPr lang="en-US" sz="1200" dirty="0"/>
-              <a:t>Do you want to change the execution policy? [Y] Yes [A] Yes to All [N] No [L] No to All [S] Suspend [?] Help (default is "N"): </a:t>
-            </a:r>
-            <a:r>
-              <a:rPr lang="en-US" sz="1200" b="1" dirty="0"/>
-              <a:t>Y </a:t>
-            </a:r>
-          </a:p>
-          <a:p>
-            <a:pPr marL="0" indent="0">
-              <a:buNone/>
-            </a:pPr>
-            <a:endParaRPr lang="en-US" sz="1200" dirty="0"/>
-          </a:p>
-          <a:p>
-            <a:pPr marL="0" indent="0">
-              <a:buNone/>
-            </a:pPr>
-            <a:r>
-              <a:rPr lang="en-US" sz="1200" dirty="0"/>
-              <a:t>Following is </a:t>
-            </a:r>
-            <a:r>
-              <a:rPr lang="en-US" sz="1200"/>
-              <a:t>NOT needed:</a:t>
-            </a:r>
-          </a:p>
-          <a:p>
-            <a:pPr marL="0" indent="0">
-              <a:buNone/>
-            </a:pPr>
-            <a:r>
-              <a:rPr lang="en-US" sz="1200" dirty="0"/>
-              <a:t>3) PS C:\WINDOWS\system32&gt; </a:t>
-            </a:r>
-            <a:r>
-              <a:rPr lang="en-US" sz="1200" b="1" dirty="0"/>
-              <a:t>Get-</a:t>
-            </a:r>
-            <a:r>
-              <a:rPr lang="en-US" sz="1200" b="1" dirty="0" err="1"/>
-              <a:t>ExecutionPolicy</a:t>
-            </a:r>
-            <a:r>
-              <a:rPr lang="en-US" sz="1200" b="1" dirty="0"/>
-              <a:t> -Scope </a:t>
-            </a:r>
-            <a:r>
-              <a:rPr lang="en-US" sz="1200" b="1" dirty="0" err="1"/>
-              <a:t>LocalMachine</a:t>
-            </a:r>
-            <a:r>
-              <a:rPr lang="en-US" sz="1200" b="1" dirty="0"/>
-              <a:t> </a:t>
-            </a:r>
-            <a:r>
-              <a:rPr lang="en-US" sz="1200" b="1" dirty="0" err="1"/>
-              <a:t>RemoteSigned</a:t>
-            </a:r>
-            <a:endParaRPr lang="en-US" sz="1200" b="1" dirty="0"/>
-          </a:p>
-        </p:txBody>
-      </p:sp>
-      <p:sp>
-        <p:nvSpPr>
-          <p:cNvPr id="4" name="TextBox 3"/>
-          <p:cNvSpPr txBox="1"/>
-          <p:nvPr/>
-        </p:nvSpPr>
-        <p:spPr>
-          <a:xfrm>
-            <a:off x="417250" y="594804"/>
-            <a:ext cx="2417137" cy="369332"/>
-          </a:xfrm>
-          <a:prstGeom prst="rect">
-            <a:avLst/>
-          </a:prstGeom>
-          <a:noFill/>
-        </p:spPr>
-        <p:txBody>
-          <a:bodyPr wrap="none" rtlCol="0">
-            <a:spAutoFit/>
-          </a:bodyPr>
-          <a:lstStyle/>
-          <a:p>
-            <a:r>
-              <a:rPr lang="en-US" dirty="0"/>
-              <a:t>Issues with </a:t>
-            </a:r>
-            <a:r>
-              <a:rPr lang="en-US" dirty="0" err="1"/>
-              <a:t>powershell</a:t>
-            </a:r>
-            <a:r>
-              <a:rPr lang="en-US" dirty="0"/>
-              <a:t>: </a:t>
-            </a:r>
-          </a:p>
-        </p:txBody>
-      </p:sp>
-    </p:spTree>
-    <p:extLst>
-      <p:ext uri="{BB962C8B-B14F-4D97-AF65-F5344CB8AC3E}">
-        <p14:creationId xmlns:p14="http://schemas.microsoft.com/office/powerpoint/2010/main" val="102008807"/>
-      </p:ext>
-    </p:extLst>
-  </p:cSld>
-  <p:clrMapOvr>
-    <a:masterClrMapping/>
-  </p:clrMapOvr>
-</p:sld>
-</file>
-
-<file path=ppt/slides/slide16.xml><?xml version="1.0" encoding="utf-8"?>
-<p:sld xmlns:a="http://schemas.openxmlformats.org/drawingml/2006/main" xmlns:r="http://schemas.openxmlformats.org/officeDocument/2006/relationships" xmlns:p="http://schemas.openxmlformats.org/presentationml/2006/main">
-  <p:cSld>
-    <p:spTree>
-      <p:nvGrpSpPr>
-        <p:cNvPr id="1" name=""/>
-        <p:cNvGrpSpPr/>
-        <p:nvPr/>
-      </p:nvGrpSpPr>
-      <p:grpSpPr>
-        <a:xfrm>
-          <a:off x="0" y="0"/>
-          <a:ext cx="0" cy="0"/>
-          <a:chOff x="0" y="0"/>
-          <a:chExt cx="0" cy="0"/>
-        </a:xfrm>
-      </p:grpSpPr>
-      <p:sp>
-        <p:nvSpPr>
-          <p:cNvPr id="2" name="Title 1"/>
-          <p:cNvSpPr>
-            <a:spLocks noGrp="1"/>
-          </p:cNvSpPr>
-          <p:nvPr>
-            <p:ph type="title"/>
-          </p:nvPr>
-        </p:nvSpPr>
-        <p:spPr>
-          <a:xfrm>
-            <a:off x="376560" y="45528"/>
-            <a:ext cx="4257583" cy="602541"/>
-          </a:xfrm>
-        </p:spPr>
-        <p:txBody>
-          <a:bodyPr>
-            <a:normAutofit/>
-          </a:bodyPr>
-          <a:lstStyle/>
-          <a:p>
-            <a:r>
-              <a:rPr lang="en-US" sz="2800" dirty="0"/>
-              <a:t>Anaconda</a:t>
-            </a:r>
-            <a:r>
-              <a:rPr lang="en-US" sz="2800" dirty="0">
-                <a:sym typeface="Wingdings" panose="05000000000000000000" pitchFamily="2" charset="2"/>
-              </a:rPr>
-              <a:t>(p1)</a:t>
-            </a:r>
-            <a:endParaRPr lang="en-US" sz="2800" dirty="0"/>
-          </a:p>
-        </p:txBody>
-      </p:sp>
-      <p:pic>
-        <p:nvPicPr>
-          <p:cNvPr id="4" name="Picture 3"/>
-          <p:cNvPicPr>
-            <a:picLocks noChangeAspect="1"/>
-          </p:cNvPicPr>
-          <p:nvPr/>
-        </p:nvPicPr>
-        <p:blipFill>
-          <a:blip r:embed="rId2">
-            <a:extLst>
-              <a:ext uri="{28A0092B-C50C-407E-A947-70E740481C1C}">
-                <a14:useLocalDpi xmlns:a14="http://schemas.microsoft.com/office/drawing/2010/main" val="0"/>
-              </a:ext>
-            </a:extLst>
-          </a:blip>
-          <a:stretch>
-            <a:fillRect/>
-          </a:stretch>
-        </p:blipFill>
-        <p:spPr>
-          <a:xfrm>
-            <a:off x="976544" y="1621405"/>
-            <a:ext cx="10688714" cy="4678179"/>
-          </a:xfrm>
-          <a:prstGeom prst="rect">
-            <a:avLst/>
-          </a:prstGeom>
-        </p:spPr>
-      </p:pic>
-      <p:sp>
-        <p:nvSpPr>
-          <p:cNvPr id="5" name="TextBox 4"/>
-          <p:cNvSpPr txBox="1"/>
-          <p:nvPr/>
-        </p:nvSpPr>
-        <p:spPr>
-          <a:xfrm>
-            <a:off x="7226423" y="666395"/>
-            <a:ext cx="1748492" cy="369332"/>
-          </a:xfrm>
-          <a:prstGeom prst="rect">
-            <a:avLst/>
-          </a:prstGeom>
-          <a:noFill/>
-        </p:spPr>
-        <p:txBody>
-          <a:bodyPr wrap="none" rtlCol="0">
-            <a:spAutoFit/>
-          </a:bodyPr>
-          <a:lstStyle/>
-          <a:p>
-            <a:r>
-              <a:rPr lang="en-US" dirty="0"/>
-              <a:t>Step1: Click here</a:t>
-            </a:r>
-          </a:p>
-        </p:txBody>
-      </p:sp>
-      <p:cxnSp>
-        <p:nvCxnSpPr>
-          <p:cNvPr id="7" name="Straight Arrow Connector 6"/>
-          <p:cNvCxnSpPr/>
-          <p:nvPr/>
-        </p:nvCxnSpPr>
-        <p:spPr>
-          <a:xfrm>
-            <a:off x="7910004" y="1035727"/>
-            <a:ext cx="692458" cy="1165935"/>
-          </a:xfrm>
-          <a:prstGeom prst="straightConnector1">
-            <a:avLst/>
-          </a:prstGeom>
-          <a:ln>
-            <a:tailEnd type="triangle"/>
-          </a:ln>
-        </p:spPr>
-        <p:style>
-          <a:lnRef idx="1">
-            <a:schemeClr val="accent1"/>
-          </a:lnRef>
-          <a:fillRef idx="0">
-            <a:schemeClr val="accent1"/>
-          </a:fillRef>
-          <a:effectRef idx="0">
-            <a:schemeClr val="accent1"/>
-          </a:effectRef>
-          <a:fontRef idx="minor">
-            <a:schemeClr val="tx1"/>
-          </a:fontRef>
-        </p:style>
-      </p:cxnSp>
-    </p:spTree>
-    <p:extLst>
-      <p:ext uri="{BB962C8B-B14F-4D97-AF65-F5344CB8AC3E}">
-        <p14:creationId xmlns:p14="http://schemas.microsoft.com/office/powerpoint/2010/main" val="1751883193"/>
-      </p:ext>
-    </p:extLst>
-  </p:cSld>
-  <p:clrMapOvr>
-    <a:masterClrMapping/>
-  </p:clrMapOvr>
-</p:sld>
-</file>
-
-<file path=ppt/slides/slide17.xml><?xml version="1.0" encoding="utf-8"?>
-<p:sld xmlns:a="http://schemas.openxmlformats.org/drawingml/2006/main" xmlns:r="http://schemas.openxmlformats.org/officeDocument/2006/relationships" xmlns:p="http://schemas.openxmlformats.org/presentationml/2006/main">
-  <p:cSld>
-    <p:spTree>
-      <p:nvGrpSpPr>
-        <p:cNvPr id="1" name=""/>
-        <p:cNvGrpSpPr/>
-        <p:nvPr/>
-      </p:nvGrpSpPr>
-      <p:grpSpPr>
-        <a:xfrm>
-          <a:off x="0" y="0"/>
-          <a:ext cx="0" cy="0"/>
-          <a:chOff x="0" y="0"/>
-          <a:chExt cx="0" cy="0"/>
-        </a:xfrm>
-      </p:grpSpPr>
-      <p:sp>
-        <p:nvSpPr>
-          <p:cNvPr id="2" name="Title 1"/>
-          <p:cNvSpPr>
-            <a:spLocks noGrp="1"/>
-          </p:cNvSpPr>
-          <p:nvPr>
-            <p:ph type="title"/>
-          </p:nvPr>
-        </p:nvSpPr>
-        <p:spPr>
-          <a:xfrm>
-            <a:off x="376560" y="45528"/>
-            <a:ext cx="4257583" cy="602541"/>
-          </a:xfrm>
-        </p:spPr>
-        <p:txBody>
-          <a:bodyPr>
-            <a:normAutofit/>
-          </a:bodyPr>
-          <a:lstStyle/>
-          <a:p>
-            <a:r>
-              <a:rPr lang="en-US" sz="2800" dirty="0"/>
-              <a:t>Anaconda</a:t>
-            </a:r>
-            <a:r>
-              <a:rPr lang="en-US" sz="2800" dirty="0">
-                <a:sym typeface="Wingdings" panose="05000000000000000000" pitchFamily="2" charset="2"/>
-              </a:rPr>
-              <a:t>(p2)</a:t>
-            </a:r>
-            <a:endParaRPr lang="en-US" sz="2800" dirty="0"/>
-          </a:p>
-        </p:txBody>
-      </p:sp>
-      <p:pic>
-        <p:nvPicPr>
-          <p:cNvPr id="4" name="Picture 3"/>
-          <p:cNvPicPr>
-            <a:picLocks noChangeAspect="1"/>
-          </p:cNvPicPr>
-          <p:nvPr/>
-        </p:nvPicPr>
-        <p:blipFill>
-          <a:blip r:embed="rId2">
-            <a:extLst>
-              <a:ext uri="{28A0092B-C50C-407E-A947-70E740481C1C}">
-                <a14:useLocalDpi xmlns:a14="http://schemas.microsoft.com/office/drawing/2010/main" val="0"/>
-              </a:ext>
-            </a:extLst>
-          </a:blip>
-          <a:stretch>
-            <a:fillRect/>
-          </a:stretch>
-        </p:blipFill>
-        <p:spPr>
-          <a:xfrm>
-            <a:off x="1984003" y="1346196"/>
-            <a:ext cx="8673795" cy="4678179"/>
-          </a:xfrm>
-          <a:prstGeom prst="rect">
-            <a:avLst/>
-          </a:prstGeom>
-        </p:spPr>
-      </p:pic>
-      <p:sp>
-        <p:nvSpPr>
-          <p:cNvPr id="5" name="TextBox 4"/>
-          <p:cNvSpPr txBox="1"/>
-          <p:nvPr/>
-        </p:nvSpPr>
-        <p:spPr>
-          <a:xfrm>
-            <a:off x="5397621" y="6401385"/>
-            <a:ext cx="3517694" cy="369332"/>
-          </a:xfrm>
-          <a:prstGeom prst="rect">
-            <a:avLst/>
-          </a:prstGeom>
-          <a:noFill/>
-        </p:spPr>
-        <p:txBody>
-          <a:bodyPr wrap="none" rtlCol="0">
-            <a:spAutoFit/>
-          </a:bodyPr>
-          <a:lstStyle/>
-          <a:p>
-            <a:r>
-              <a:rPr lang="en-US" dirty="0"/>
-              <a:t>Step2: Click here…skip registration</a:t>
-            </a:r>
-          </a:p>
-        </p:txBody>
-      </p:sp>
-      <p:cxnSp>
-        <p:nvCxnSpPr>
-          <p:cNvPr id="8" name="Straight Arrow Connector 7"/>
-          <p:cNvCxnSpPr/>
-          <p:nvPr/>
-        </p:nvCxnSpPr>
-        <p:spPr>
-          <a:xfrm flipV="1">
-            <a:off x="6853561" y="4980373"/>
-            <a:ext cx="870012" cy="1349406"/>
-          </a:xfrm>
-          <a:prstGeom prst="straightConnector1">
-            <a:avLst/>
-          </a:prstGeom>
-          <a:ln>
-            <a:tailEnd type="triangle"/>
-          </a:ln>
-        </p:spPr>
-        <p:style>
-          <a:lnRef idx="1">
-            <a:schemeClr val="accent1"/>
-          </a:lnRef>
-          <a:fillRef idx="0">
-            <a:schemeClr val="accent1"/>
-          </a:fillRef>
-          <a:effectRef idx="0">
-            <a:schemeClr val="accent1"/>
-          </a:effectRef>
-          <a:fontRef idx="minor">
-            <a:schemeClr val="tx1"/>
-          </a:fontRef>
-        </p:style>
-      </p:cxnSp>
-    </p:spTree>
-    <p:extLst>
-      <p:ext uri="{BB962C8B-B14F-4D97-AF65-F5344CB8AC3E}">
-        <p14:creationId xmlns:p14="http://schemas.microsoft.com/office/powerpoint/2010/main" val="2776308636"/>
-      </p:ext>
-    </p:extLst>
-  </p:cSld>
-  <p:clrMapOvr>
-    <a:masterClrMapping/>
-  </p:clrMapOvr>
-</p:sld>
-</file>
-
-<file path=ppt/slides/slide18.xml><?xml version="1.0" encoding="utf-8"?>
-<p:sld xmlns:a="http://schemas.openxmlformats.org/drawingml/2006/main" xmlns:r="http://schemas.openxmlformats.org/officeDocument/2006/relationships" xmlns:p="http://schemas.openxmlformats.org/presentationml/2006/main">
-  <p:cSld>
-    <p:spTree>
-      <p:nvGrpSpPr>
-        <p:cNvPr id="1" name=""/>
-        <p:cNvGrpSpPr/>
-        <p:nvPr/>
-      </p:nvGrpSpPr>
-      <p:grpSpPr>
-        <a:xfrm>
-          <a:off x="0" y="0"/>
-          <a:ext cx="0" cy="0"/>
-          <a:chOff x="0" y="0"/>
-          <a:chExt cx="0" cy="0"/>
-        </a:xfrm>
-      </p:grpSpPr>
-      <p:sp>
-        <p:nvSpPr>
-          <p:cNvPr id="2" name="Title 1"/>
-          <p:cNvSpPr>
-            <a:spLocks noGrp="1"/>
-          </p:cNvSpPr>
-          <p:nvPr>
-            <p:ph type="title"/>
-          </p:nvPr>
-        </p:nvSpPr>
-        <p:spPr>
-          <a:xfrm>
-            <a:off x="376560" y="45528"/>
-            <a:ext cx="4257583" cy="602541"/>
-          </a:xfrm>
-        </p:spPr>
-        <p:txBody>
-          <a:bodyPr>
-            <a:normAutofit/>
-          </a:bodyPr>
-          <a:lstStyle/>
-          <a:p>
-            <a:r>
-              <a:rPr lang="en-US" sz="2800" dirty="0"/>
-              <a:t>Anaconda</a:t>
-            </a:r>
-            <a:r>
-              <a:rPr lang="en-US" sz="2800" dirty="0">
-                <a:sym typeface="Wingdings" panose="05000000000000000000" pitchFamily="2" charset="2"/>
-              </a:rPr>
-              <a:t>(p3)</a:t>
-            </a:r>
-            <a:endParaRPr lang="en-US" sz="2800" dirty="0"/>
-          </a:p>
-        </p:txBody>
-      </p:sp>
-      <p:pic>
-        <p:nvPicPr>
-          <p:cNvPr id="4" name="Picture 3"/>
-          <p:cNvPicPr>
-            <a:picLocks noChangeAspect="1"/>
-          </p:cNvPicPr>
-          <p:nvPr/>
-        </p:nvPicPr>
-        <p:blipFill>
-          <a:blip r:embed="rId2">
-            <a:extLst>
-              <a:ext uri="{28A0092B-C50C-407E-A947-70E740481C1C}">
-                <a14:useLocalDpi xmlns:a14="http://schemas.microsoft.com/office/drawing/2010/main" val="0"/>
-              </a:ext>
-            </a:extLst>
-          </a:blip>
-          <a:stretch>
-            <a:fillRect/>
-          </a:stretch>
-        </p:blipFill>
-        <p:spPr>
-          <a:xfrm>
-            <a:off x="2484511" y="1346196"/>
-            <a:ext cx="7672779" cy="4678179"/>
-          </a:xfrm>
-          <a:prstGeom prst="rect">
-            <a:avLst/>
-          </a:prstGeom>
-        </p:spPr>
-      </p:pic>
-      <p:sp>
-        <p:nvSpPr>
-          <p:cNvPr id="5" name="TextBox 4"/>
-          <p:cNvSpPr txBox="1"/>
-          <p:nvPr/>
-        </p:nvSpPr>
-        <p:spPr>
-          <a:xfrm>
-            <a:off x="5397621" y="6401385"/>
-            <a:ext cx="6524222" cy="369332"/>
-          </a:xfrm>
-          <a:prstGeom prst="rect">
-            <a:avLst/>
-          </a:prstGeom>
-          <a:noFill/>
-        </p:spPr>
-        <p:txBody>
-          <a:bodyPr wrap="none" rtlCol="0">
-            <a:spAutoFit/>
-          </a:bodyPr>
-          <a:lstStyle/>
-          <a:p>
-            <a:r>
-              <a:rPr lang="en-US" dirty="0"/>
-              <a:t>Step3: Click here…download. It took me 3 minutes. File size=950MB</a:t>
-            </a:r>
-          </a:p>
-        </p:txBody>
-      </p:sp>
-      <p:cxnSp>
-        <p:nvCxnSpPr>
-          <p:cNvPr id="8" name="Straight Arrow Connector 7"/>
-          <p:cNvCxnSpPr/>
-          <p:nvPr/>
-        </p:nvCxnSpPr>
-        <p:spPr>
-          <a:xfrm flipH="1" flipV="1">
-            <a:off x="4003829" y="4394447"/>
-            <a:ext cx="1997476" cy="2006938"/>
-          </a:xfrm>
-          <a:prstGeom prst="straightConnector1">
-            <a:avLst/>
-          </a:prstGeom>
-          <a:ln>
-            <a:tailEnd type="triangle"/>
-          </a:ln>
-        </p:spPr>
-        <p:style>
-          <a:lnRef idx="1">
-            <a:schemeClr val="accent1"/>
-          </a:lnRef>
-          <a:fillRef idx="0">
-            <a:schemeClr val="accent1"/>
-          </a:fillRef>
-          <a:effectRef idx="0">
-            <a:schemeClr val="accent1"/>
-          </a:effectRef>
-          <a:fontRef idx="minor">
-            <a:schemeClr val="tx1"/>
-          </a:fontRef>
-        </p:style>
-      </p:cxnSp>
-    </p:spTree>
-    <p:extLst>
-      <p:ext uri="{BB962C8B-B14F-4D97-AF65-F5344CB8AC3E}">
-        <p14:creationId xmlns:p14="http://schemas.microsoft.com/office/powerpoint/2010/main" val="895692056"/>
-      </p:ext>
-    </p:extLst>
-  </p:cSld>
-  <p:clrMapOvr>
-    <a:masterClrMapping/>
-  </p:clrMapOvr>
-</p:sld>
-</file>
-
-<file path=ppt/slides/slide19.xml><?xml version="1.0" encoding="utf-8"?>
 <p:sld xmlns:a="http://schemas.openxmlformats.org/drawingml/2006/main" xmlns:r="http://schemas.openxmlformats.org/officeDocument/2006/relationships" xmlns:p="http://schemas.openxmlformats.org/presentationml/2006/main">
   <p:cSld>
     <p:spTree>
@@ -6368,229 +3702,7 @@
 </p:sld>
 </file>
 
-<file path=ppt/slides/slide2.xml><?xml version="1.0" encoding="utf-8"?>
-<p:sld xmlns:a="http://schemas.openxmlformats.org/drawingml/2006/main" xmlns:r="http://schemas.openxmlformats.org/officeDocument/2006/relationships" xmlns:p="http://schemas.openxmlformats.org/presentationml/2006/main">
-  <p:cSld>
-    <p:spTree>
-      <p:nvGrpSpPr>
-        <p:cNvPr id="1" name=""/>
-        <p:cNvGrpSpPr/>
-        <p:nvPr/>
-      </p:nvGrpSpPr>
-      <p:grpSpPr>
-        <a:xfrm>
-          <a:off x="0" y="0"/>
-          <a:ext cx="0" cy="0"/>
-          <a:chOff x="0" y="0"/>
-          <a:chExt cx="0" cy="0"/>
-        </a:xfrm>
-      </p:grpSpPr>
-      <p:sp>
-        <p:nvSpPr>
-          <p:cNvPr id="2" name="Title 1">
-            <a:extLst>
-              <a:ext uri="{FF2B5EF4-FFF2-40B4-BE49-F238E27FC236}">
-                <a16:creationId xmlns:a16="http://schemas.microsoft.com/office/drawing/2014/main" id="{8C8ACCF2-CE1C-5890-CF3F-724937C40D73}"/>
-              </a:ext>
-            </a:extLst>
-          </p:cNvPr>
-          <p:cNvSpPr>
-            <a:spLocks noGrp="1"/>
-          </p:cNvSpPr>
-          <p:nvPr>
-            <p:ph type="title"/>
-          </p:nvPr>
-        </p:nvSpPr>
-        <p:spPr>
-          <a:xfrm>
-            <a:off x="838200" y="266806"/>
-            <a:ext cx="4559710" cy="637762"/>
-          </a:xfrm>
-        </p:spPr>
-        <p:txBody>
-          <a:bodyPr>
-            <a:normAutofit/>
-          </a:bodyPr>
-          <a:lstStyle/>
-          <a:p>
-            <a:r>
-              <a:rPr lang="en-US" sz="3200" b="1" dirty="0"/>
-              <a:t>Installation of Python(p1)</a:t>
-            </a:r>
-            <a:endParaRPr lang="en-IN" sz="3200" b="1" dirty="0"/>
-          </a:p>
-        </p:txBody>
-      </p:sp>
-      <p:sp>
-        <p:nvSpPr>
-          <p:cNvPr id="3" name="Content Placeholder 2">
-            <a:extLst>
-              <a:ext uri="{FF2B5EF4-FFF2-40B4-BE49-F238E27FC236}">
-                <a16:creationId xmlns:a16="http://schemas.microsoft.com/office/drawing/2014/main" id="{41926D24-2076-9724-E6BC-2C7A076588BA}"/>
-              </a:ext>
-            </a:extLst>
-          </p:cNvPr>
-          <p:cNvSpPr>
-            <a:spLocks noGrp="1"/>
-          </p:cNvSpPr>
-          <p:nvPr>
-            <p:ph idx="1"/>
-          </p:nvPr>
-        </p:nvSpPr>
-        <p:spPr>
-          <a:xfrm>
-            <a:off x="356420" y="1009549"/>
-            <a:ext cx="5129981" cy="1517343"/>
-          </a:xfrm>
-        </p:spPr>
-        <p:txBody>
-          <a:bodyPr>
-            <a:normAutofit/>
-          </a:bodyPr>
-          <a:lstStyle/>
-          <a:p>
-            <a:pPr marL="514350" indent="-514350">
-              <a:buAutoNum type="arabicPeriod"/>
-            </a:pPr>
-            <a:r>
-              <a:rPr lang="en-US" sz="1600" dirty="0"/>
-              <a:t>Goto </a:t>
-            </a:r>
-            <a:r>
-              <a:rPr lang="en-US" sz="1600" dirty="0">
-                <a:hlinkClick r:id="rId2"/>
-              </a:rPr>
-              <a:t>https://www.python.org/downloads/</a:t>
-            </a:r>
-            <a:endParaRPr lang="en-US" sz="1600" dirty="0"/>
-          </a:p>
-          <a:p>
-            <a:pPr marL="0" indent="0">
-              <a:buNone/>
-            </a:pPr>
-            <a:r>
-              <a:rPr lang="en-US" sz="1600" dirty="0"/>
-              <a:t>- You can click on download python(on top) and it will download </a:t>
-            </a:r>
-            <a:r>
-              <a:rPr lang="en-US" sz="1600" b="1" dirty="0"/>
-              <a:t>latest</a:t>
-            </a:r>
-            <a:r>
-              <a:rPr lang="en-US" sz="1600" dirty="0"/>
-              <a:t> python.</a:t>
-            </a:r>
-            <a:r>
-              <a:rPr lang="en-US" sz="1600" b="1" dirty="0"/>
-              <a:t> We would not do that here</a:t>
-            </a:r>
-          </a:p>
-          <a:p>
-            <a:pPr marL="0" indent="0">
-              <a:buNone/>
-            </a:pPr>
-            <a:r>
-              <a:rPr lang="en-US" sz="1600" dirty="0"/>
-              <a:t>- Here I will download an older version: python3.12. Scroll down and click on </a:t>
-            </a:r>
-            <a:r>
-              <a:rPr lang="en-US" sz="1600" b="1" dirty="0"/>
-              <a:t>download</a:t>
-            </a:r>
-            <a:r>
-              <a:rPr lang="en-US" sz="1600" dirty="0"/>
-              <a:t> Python3.12.X</a:t>
-            </a:r>
-            <a:endParaRPr lang="en-IN" sz="1600" dirty="0"/>
-          </a:p>
-        </p:txBody>
-      </p:sp>
-      <p:pic>
-        <p:nvPicPr>
-          <p:cNvPr id="5" name="Picture 4">
-            <a:extLst>
-              <a:ext uri="{FF2B5EF4-FFF2-40B4-BE49-F238E27FC236}">
-                <a16:creationId xmlns:a16="http://schemas.microsoft.com/office/drawing/2014/main" id="{047EF04A-ABAE-8499-DF67-BCCBA6982EF1}"/>
-              </a:ext>
-            </a:extLst>
-          </p:cNvPr>
-          <p:cNvPicPr>
-            <a:picLocks noChangeAspect="1"/>
-          </p:cNvPicPr>
-          <p:nvPr/>
-        </p:nvPicPr>
-        <p:blipFill>
-          <a:blip r:embed="rId3">
-            <a:extLst>
-              <a:ext uri="{28A0092B-C50C-407E-A947-70E740481C1C}">
-                <a14:useLocalDpi xmlns:a14="http://schemas.microsoft.com/office/drawing/2010/main" val="0"/>
-              </a:ext>
-            </a:extLst>
-          </a:blip>
-          <a:stretch>
-            <a:fillRect/>
-          </a:stretch>
-        </p:blipFill>
-        <p:spPr>
-          <a:xfrm>
-            <a:off x="6870607" y="350618"/>
-            <a:ext cx="5129981" cy="2964350"/>
-          </a:xfrm>
-          <a:prstGeom prst="rect">
-            <a:avLst/>
-          </a:prstGeom>
-        </p:spPr>
-      </p:pic>
-      <p:pic>
-        <p:nvPicPr>
-          <p:cNvPr id="7" name="Picture 6">
-            <a:extLst>
-              <a:ext uri="{FF2B5EF4-FFF2-40B4-BE49-F238E27FC236}">
-                <a16:creationId xmlns:a16="http://schemas.microsoft.com/office/drawing/2014/main" id="{61DAB774-9705-CC25-9690-1054E716880E}"/>
-              </a:ext>
-            </a:extLst>
-          </p:cNvPr>
-          <p:cNvPicPr>
-            <a:picLocks noChangeAspect="1"/>
-          </p:cNvPicPr>
-          <p:nvPr/>
-        </p:nvPicPr>
-        <p:blipFill>
-          <a:blip r:embed="rId4">
-            <a:extLst>
-              <a:ext uri="{28A0092B-C50C-407E-A947-70E740481C1C}">
-                <a14:useLocalDpi xmlns:a14="http://schemas.microsoft.com/office/drawing/2010/main" val="0"/>
-              </a:ext>
-            </a:extLst>
-          </a:blip>
-          <a:stretch>
-            <a:fillRect/>
-          </a:stretch>
-        </p:blipFill>
-        <p:spPr>
-          <a:xfrm>
-            <a:off x="171628" y="2861188"/>
-            <a:ext cx="6507453" cy="3928524"/>
-          </a:xfrm>
-          <a:prstGeom prst="rect">
-            <a:avLst/>
-          </a:prstGeom>
-        </p:spPr>
-      </p:pic>
-    </p:spTree>
-    <p:extLst>
-      <p:ext uri="{BB962C8B-B14F-4D97-AF65-F5344CB8AC3E}">
-        <p14:creationId xmlns:p14="http://schemas.microsoft.com/office/powerpoint/2010/main" val="2967608133"/>
-      </p:ext>
-    </p:extLst>
-  </p:cSld>
-  <p:clrMapOvr>
-    <a:masterClrMapping/>
-  </p:clrMapOvr>
-</p:sld>
-</file>
-
-<file path=ppt/slides/slide20.xml><?xml version="1.0" encoding="utf-8"?>
+<file path=ppt/slides/slide11.xml><?xml version="1.0" encoding="utf-8"?>
 <p:sld xmlns:a="http://schemas.openxmlformats.org/drawingml/2006/main" xmlns:r="http://schemas.openxmlformats.org/officeDocument/2006/relationships" xmlns:p="http://schemas.openxmlformats.org/presentationml/2006/main">
   <p:cSld>
     <p:spTree>
@@ -6889,7 +4001,7 @@
 </p:sld>
 </file>
 
-<file path=ppt/slides/slide21.xml><?xml version="1.0" encoding="utf-8"?>
+<file path=ppt/slides/slide12.xml><?xml version="1.0" encoding="utf-8"?>
 <p:sld xmlns:a="http://schemas.openxmlformats.org/drawingml/2006/main" xmlns:r="http://schemas.openxmlformats.org/officeDocument/2006/relationships" xmlns:p="http://schemas.openxmlformats.org/presentationml/2006/main">
   <p:cSld>
     <p:spTree>
@@ -7050,7 +4162,7 @@
 </p:sld>
 </file>
 
-<file path=ppt/slides/slide22.xml><?xml version="1.0" encoding="utf-8"?>
+<file path=ppt/slides/slide13.xml><?xml version="1.0" encoding="utf-8"?>
 <p:sld xmlns:a="http://schemas.openxmlformats.org/drawingml/2006/main" xmlns:r="http://schemas.openxmlformats.org/officeDocument/2006/relationships" xmlns:p="http://schemas.openxmlformats.org/presentationml/2006/main">
   <p:cSld>
     <p:spTree>
@@ -7161,7 +4273,434 @@
 </p:sld>
 </file>
 
+<file path=ppt/slides/slide2.xml><?xml version="1.0" encoding="utf-8"?>
+<p:sld xmlns:a="http://schemas.openxmlformats.org/drawingml/2006/main" xmlns:r="http://schemas.openxmlformats.org/officeDocument/2006/relationships" xmlns:p="http://schemas.openxmlformats.org/presentationml/2006/main">
+  <p:cSld>
+    <p:spTree>
+      <p:nvGrpSpPr>
+        <p:cNvPr id="1" name=""/>
+        <p:cNvGrpSpPr/>
+        <p:nvPr/>
+      </p:nvGrpSpPr>
+      <p:grpSpPr>
+        <a:xfrm>
+          <a:off x="0" y="0"/>
+          <a:ext cx="0" cy="0"/>
+          <a:chOff x="0" y="0"/>
+          <a:chExt cx="0" cy="0"/>
+        </a:xfrm>
+      </p:grpSpPr>
+      <p:sp>
+        <p:nvSpPr>
+          <p:cNvPr id="2" name="Title 1"/>
+          <p:cNvSpPr>
+            <a:spLocks noGrp="1"/>
+          </p:cNvSpPr>
+          <p:nvPr>
+            <p:ph type="title"/>
+          </p:nvPr>
+        </p:nvSpPr>
+        <p:spPr>
+          <a:xfrm>
+            <a:off x="838200" y="365125"/>
+            <a:ext cx="10515600" cy="717951"/>
+          </a:xfrm>
+        </p:spPr>
+        <p:txBody>
+          <a:bodyPr/>
+          <a:lstStyle/>
+          <a:p>
+            <a:r>
+              <a:rPr lang="en-US" dirty="0"/>
+              <a:t>Common </a:t>
+            </a:r>
+            <a:r>
+              <a:rPr lang="en-US" dirty="0" err="1"/>
+              <a:t>venv</a:t>
+            </a:r>
+            <a:r>
+              <a:rPr lang="en-US" dirty="0"/>
+              <a:t> commands:</a:t>
+            </a:r>
+          </a:p>
+        </p:txBody>
+      </p:sp>
+      <p:sp>
+        <p:nvSpPr>
+          <p:cNvPr id="5" name="TextBox 4">
+            <a:extLst>
+              <a:ext uri="{FF2B5EF4-FFF2-40B4-BE49-F238E27FC236}">
+                <a16:creationId xmlns:a16="http://schemas.microsoft.com/office/drawing/2014/main" id="{D42CC7D4-A85B-FD92-3CA1-C60883743D22}"/>
+              </a:ext>
+            </a:extLst>
+          </p:cNvPr>
+          <p:cNvSpPr txBox="1"/>
+          <p:nvPr/>
+        </p:nvSpPr>
+        <p:spPr>
+          <a:xfrm>
+            <a:off x="658368" y="2161092"/>
+            <a:ext cx="10808208" cy="3693319"/>
+          </a:xfrm>
+          <a:prstGeom prst="rect">
+            <a:avLst/>
+          </a:prstGeom>
+          <a:noFill/>
+        </p:spPr>
+        <p:txBody>
+          <a:bodyPr wrap="square">
+            <a:spAutoFit/>
+          </a:bodyPr>
+          <a:lstStyle/>
+          <a:p>
+            <a:endParaRPr lang="en-US" sz="1800" dirty="0"/>
+          </a:p>
+          <a:p>
+            <a:pPr marL="285750" indent="-285750">
+              <a:buFont typeface="Arial" panose="020B0604020202020204" pitchFamily="34" charset="0"/>
+              <a:buChar char="•"/>
+            </a:pPr>
+            <a:r>
+              <a:rPr lang="en-US" sz="1800" dirty="0"/>
+              <a:t>.\.</a:t>
+            </a:r>
+            <a:r>
+              <a:rPr lang="en-US" sz="1800" dirty="0" err="1"/>
+              <a:t>venv</a:t>
+            </a:r>
+            <a:r>
+              <a:rPr lang="en-US" sz="1800" dirty="0"/>
+              <a:t>\Scripts\python.exe -m pip install </a:t>
+            </a:r>
+            <a:r>
+              <a:rPr lang="en-US" sz="1800" dirty="0" err="1"/>
+              <a:t>jupyter</a:t>
+            </a:r>
+            <a:r>
+              <a:rPr lang="en-US" sz="1800" dirty="0"/>
+              <a:t>         (To install </a:t>
+            </a:r>
+            <a:r>
+              <a:rPr lang="en-US" sz="1800" dirty="0" err="1"/>
+              <a:t>jupyter</a:t>
+            </a:r>
+            <a:r>
+              <a:rPr lang="en-US" sz="1800" dirty="0"/>
+              <a:t> n/b)</a:t>
+            </a:r>
+          </a:p>
+          <a:p>
+            <a:pPr marL="285750" indent="-285750">
+              <a:buFont typeface="Arial" panose="020B0604020202020204" pitchFamily="34" charset="0"/>
+              <a:buChar char="•"/>
+            </a:pPr>
+            <a:r>
+              <a:rPr lang="en-US" sz="1800" dirty="0"/>
+              <a:t>.\.</a:t>
+            </a:r>
+            <a:r>
+              <a:rPr lang="en-US" sz="1800" dirty="0" err="1"/>
+              <a:t>venv</a:t>
+            </a:r>
+            <a:r>
+              <a:rPr lang="en-US" sz="1800" dirty="0"/>
+              <a:t>\Scripts\python.exe -m pip install &lt;package&gt;   (To install via virtual env)</a:t>
+            </a:r>
+          </a:p>
+          <a:p>
+            <a:pPr marL="285750" indent="-285750">
+              <a:buFont typeface="Arial" panose="020B0604020202020204" pitchFamily="34" charset="0"/>
+              <a:buChar char="•"/>
+            </a:pPr>
+            <a:endParaRPr lang="en-US" sz="1800" dirty="0"/>
+          </a:p>
+          <a:p>
+            <a:pPr marL="285750" indent="-285750">
+              <a:buFont typeface="Arial" panose="020B0604020202020204" pitchFamily="34" charset="0"/>
+              <a:buChar char="•"/>
+            </a:pPr>
+            <a:r>
+              <a:rPr lang="en-US" sz="1800" dirty="0"/>
+              <a:t>.\.</a:t>
+            </a:r>
+            <a:r>
+              <a:rPr lang="en-US" sz="1800" dirty="0" err="1"/>
+              <a:t>venv</a:t>
+            </a:r>
+            <a:r>
+              <a:rPr lang="en-US" sz="1800" dirty="0"/>
+              <a:t>\Scripts\python.exe -m pip install -r requirements.txt (To install from requirements file)</a:t>
+            </a:r>
+          </a:p>
+          <a:p>
+            <a:pPr marL="285750" indent="-285750">
+              <a:buFont typeface="Arial" panose="020B0604020202020204" pitchFamily="34" charset="0"/>
+              <a:buChar char="•"/>
+            </a:pPr>
+            <a:r>
+              <a:rPr lang="en-US" dirty="0"/>
+              <a:t>.\.</a:t>
+            </a:r>
+            <a:r>
+              <a:rPr lang="en-US" dirty="0" err="1"/>
+              <a:t>venv</a:t>
+            </a:r>
+            <a:r>
+              <a:rPr lang="en-US" dirty="0"/>
+              <a:t>\Scripts\python.exe -m pip freeze &gt; requirements.txt (To create requirements file)</a:t>
+            </a:r>
+            <a:endParaRPr lang="en-US" sz="1800" dirty="0"/>
+          </a:p>
+          <a:p>
+            <a:endParaRPr lang="en-US" sz="1800" dirty="0"/>
+          </a:p>
+          <a:p>
+            <a:endParaRPr lang="en-US" dirty="0"/>
+          </a:p>
+          <a:p>
+            <a:endParaRPr lang="en-US" sz="1800" dirty="0"/>
+          </a:p>
+          <a:p>
+            <a:pPr marL="285750" indent="-285750">
+              <a:buFont typeface="Arial" panose="020B0604020202020204" pitchFamily="34" charset="0"/>
+              <a:buChar char="•"/>
+            </a:pPr>
+            <a:r>
+              <a:rPr lang="en-US" dirty="0"/>
+              <a:t>.\.</a:t>
+            </a:r>
+            <a:r>
+              <a:rPr lang="en-US" dirty="0" err="1"/>
+              <a:t>venv</a:t>
+            </a:r>
+            <a:r>
+              <a:rPr lang="en-US" dirty="0"/>
+              <a:t>\Scripts\python.exe -m </a:t>
+            </a:r>
+            <a:r>
+              <a:rPr lang="en-US" dirty="0" err="1"/>
+              <a:t>jupyter</a:t>
+            </a:r>
+            <a:r>
+              <a:rPr lang="en-US" dirty="0"/>
+              <a:t> notebook  (To start </a:t>
+            </a:r>
+            <a:r>
+              <a:rPr lang="en-US" dirty="0" err="1"/>
+              <a:t>jupyter</a:t>
+            </a:r>
+            <a:r>
+              <a:rPr lang="en-US" dirty="0"/>
+              <a:t> n/b via virtual env)</a:t>
+            </a:r>
+          </a:p>
+          <a:p>
+            <a:pPr marL="285750" indent="-285750">
+              <a:buFont typeface="Arial" panose="020B0604020202020204" pitchFamily="34" charset="0"/>
+              <a:buChar char="•"/>
+            </a:pPr>
+            <a:endParaRPr lang="en-US" sz="1800" dirty="0"/>
+          </a:p>
+          <a:p>
+            <a:pPr marL="285750" indent="-285750">
+              <a:buFont typeface="Arial" panose="020B0604020202020204" pitchFamily="34" charset="0"/>
+              <a:buChar char="•"/>
+            </a:pPr>
+            <a:r>
+              <a:rPr lang="en-US" sz="1800" dirty="0"/>
+              <a:t>.\.</a:t>
+            </a:r>
+            <a:r>
+              <a:rPr lang="en-US" sz="1800" dirty="0" err="1"/>
+              <a:t>venv</a:t>
+            </a:r>
+            <a:r>
+              <a:rPr lang="en-US" sz="1800" dirty="0"/>
+              <a:t>\Scripts\activate (To activate virtual env)</a:t>
+            </a:r>
+          </a:p>
+          <a:p>
+            <a:pPr marL="285750" indent="-285750">
+              <a:buFont typeface="Arial" panose="020B0604020202020204" pitchFamily="34" charset="0"/>
+              <a:buChar char="•"/>
+            </a:pPr>
+            <a:endParaRPr lang="en-US" sz="1800" dirty="0"/>
+          </a:p>
+        </p:txBody>
+      </p:sp>
+    </p:spTree>
+    <p:extLst>
+      <p:ext uri="{BB962C8B-B14F-4D97-AF65-F5344CB8AC3E}">
+        <p14:creationId xmlns:p14="http://schemas.microsoft.com/office/powerpoint/2010/main" val="3990111825"/>
+      </p:ext>
+    </p:extLst>
+  </p:cSld>
+  <p:clrMapOvr>
+    <a:masterClrMapping/>
+  </p:clrMapOvr>
+</p:sld>
+</file>
+
 <file path=ppt/slides/slide3.xml><?xml version="1.0" encoding="utf-8"?>
+<p:sld xmlns:a="http://schemas.openxmlformats.org/drawingml/2006/main" xmlns:r="http://schemas.openxmlformats.org/officeDocument/2006/relationships" xmlns:p="http://schemas.openxmlformats.org/presentationml/2006/main">
+  <p:cSld>
+    <p:spTree>
+      <p:nvGrpSpPr>
+        <p:cNvPr id="1" name=""/>
+        <p:cNvGrpSpPr/>
+        <p:nvPr/>
+      </p:nvGrpSpPr>
+      <p:grpSpPr>
+        <a:xfrm>
+          <a:off x="0" y="0"/>
+          <a:ext cx="0" cy="0"/>
+          <a:chOff x="0" y="0"/>
+          <a:chExt cx="0" cy="0"/>
+        </a:xfrm>
+      </p:grpSpPr>
+      <p:sp>
+        <p:nvSpPr>
+          <p:cNvPr id="2" name="Title 1"/>
+          <p:cNvSpPr>
+            <a:spLocks noGrp="1"/>
+          </p:cNvSpPr>
+          <p:nvPr>
+            <p:ph type="title"/>
+          </p:nvPr>
+        </p:nvSpPr>
+        <p:spPr>
+          <a:xfrm>
+            <a:off x="207886" y="125428"/>
+            <a:ext cx="4186562" cy="442744"/>
+          </a:xfrm>
+        </p:spPr>
+        <p:txBody>
+          <a:bodyPr>
+            <a:normAutofit/>
+          </a:bodyPr>
+          <a:lstStyle/>
+          <a:p>
+            <a:r>
+              <a:rPr lang="en-US" sz="2400" dirty="0"/>
+              <a:t>find all python</a:t>
+            </a:r>
+          </a:p>
+        </p:txBody>
+      </p:sp>
+      <p:sp>
+        <p:nvSpPr>
+          <p:cNvPr id="3" name="Content Placeholder 2"/>
+          <p:cNvSpPr>
+            <a:spLocks noGrp="1"/>
+          </p:cNvSpPr>
+          <p:nvPr>
+            <p:ph idx="1"/>
+          </p:nvPr>
+        </p:nvSpPr>
+        <p:spPr>
+          <a:xfrm>
+            <a:off x="186427" y="760299"/>
+            <a:ext cx="5235965" cy="1772589"/>
+          </a:xfrm>
+        </p:spPr>
+        <p:txBody>
+          <a:bodyPr>
+            <a:noAutofit/>
+          </a:bodyPr>
+          <a:lstStyle/>
+          <a:p>
+            <a:pPr marL="0" indent="0">
+              <a:buNone/>
+            </a:pPr>
+            <a:r>
+              <a:rPr lang="en-US" sz="1400" dirty="0"/>
+              <a:t>To find all python on your computer:</a:t>
+            </a:r>
+          </a:p>
+          <a:p>
+            <a:pPr>
+              <a:buFont typeface="Wingdings" panose="05000000000000000000" pitchFamily="2" charset="2"/>
+              <a:buChar char="Ø"/>
+            </a:pPr>
+            <a:r>
+              <a:rPr lang="en-US" sz="1400" b="1" dirty="0" err="1"/>
+              <a:t>py</a:t>
+            </a:r>
+            <a:r>
+              <a:rPr lang="en-US" sz="1400" b="1" dirty="0"/>
+              <a:t> -0</a:t>
+            </a:r>
+            <a:r>
+              <a:rPr lang="en-US" sz="1400" dirty="0"/>
+              <a:t>   (lists all installed versions, * in front of default)</a:t>
+            </a:r>
+          </a:p>
+          <a:p>
+            <a:pPr>
+              <a:buFont typeface="Wingdings" panose="05000000000000000000" pitchFamily="2" charset="2"/>
+              <a:buChar char="Ø"/>
+            </a:pPr>
+            <a:r>
+              <a:rPr lang="en-US" sz="1400" b="1" dirty="0"/>
+              <a:t>where python</a:t>
+            </a:r>
+            <a:r>
+              <a:rPr lang="en-US" sz="1400" dirty="0"/>
+              <a:t> (lists all Python executables in your system PATH)</a:t>
+            </a:r>
+          </a:p>
+          <a:p>
+            <a:pPr>
+              <a:buFont typeface="Wingdings" panose="05000000000000000000" pitchFamily="2" charset="2"/>
+              <a:buChar char="Ø"/>
+            </a:pPr>
+            <a:r>
+              <a:rPr lang="en-US" sz="1400" b="1" dirty="0"/>
+              <a:t>cd C:\Users\&lt;YourUsername&gt;\AppData\Local\Programs\Python</a:t>
+            </a:r>
+          </a:p>
+          <a:p>
+            <a:pPr marL="0" indent="0">
+              <a:buNone/>
+            </a:pPr>
+            <a:r>
+              <a:rPr lang="en-US" sz="1400" dirty="0"/>
+              <a:t> and then run ‘</a:t>
+            </a:r>
+            <a:r>
+              <a:rPr lang="en-US" sz="1400" b="1" dirty="0" err="1"/>
+              <a:t>dir</a:t>
+            </a:r>
+            <a:r>
+              <a:rPr lang="en-US" sz="1400" dirty="0"/>
+              <a:t>’. Here all python versions will be listed</a:t>
+            </a:r>
+          </a:p>
+          <a:p>
+            <a:pPr marL="0" indent="0">
+              <a:buNone/>
+            </a:pPr>
+            <a:r>
+              <a:rPr lang="en-US" sz="1400" dirty="0"/>
+              <a:t>-------------------------------------------------------------------------------------------------------</a:t>
+            </a:r>
+          </a:p>
+        </p:txBody>
+      </p:sp>
+    </p:spTree>
+    <p:extLst>
+      <p:ext uri="{BB962C8B-B14F-4D97-AF65-F5344CB8AC3E}">
+        <p14:creationId xmlns:p14="http://schemas.microsoft.com/office/powerpoint/2010/main" val="439642580"/>
+      </p:ext>
+    </p:extLst>
+  </p:cSld>
+  <p:clrMapOvr>
+    <a:masterClrMapping/>
+  </p:clrMapOvr>
+</p:sld>
+</file>
+
+<file path=ppt/slides/slide4.xml><?xml version="1.0" encoding="utf-8"?>
 <p:sld xmlns:a="http://schemas.openxmlformats.org/drawingml/2006/main" xmlns:r="http://schemas.openxmlformats.org/officeDocument/2006/relationships" xmlns:p="http://schemas.openxmlformats.org/presentationml/2006/main">
   <p:cSld>
     <p:spTree>
@@ -7169,7 +4708,7 @@
         <p:cNvPr id="1" name="">
           <a:extLst>
             <a:ext uri="{FF2B5EF4-FFF2-40B4-BE49-F238E27FC236}">
-              <a16:creationId xmlns:a16="http://schemas.microsoft.com/office/drawing/2014/main" id="{387870EE-C0DD-8C39-68A0-2318094418D7}"/>
+              <a16:creationId xmlns:a16="http://schemas.microsoft.com/office/drawing/2014/main" id="{2C3D7B05-36A9-3ED3-EB7F-5A1DA2D86A54}"/>
             </a:ext>
           </a:extLst>
         </p:cNvPr>
@@ -7189,7 +4728,7 @@
           <p:cNvPr id="2" name="Title 1">
             <a:extLst>
               <a:ext uri="{FF2B5EF4-FFF2-40B4-BE49-F238E27FC236}">
-                <a16:creationId xmlns:a16="http://schemas.microsoft.com/office/drawing/2014/main" id="{344BD56E-4DAF-01B1-AA22-409164CD4BD4}"/>
+                <a16:creationId xmlns:a16="http://schemas.microsoft.com/office/drawing/2014/main" id="{7D998ACC-9CF6-4E58-D05F-DA62FFB53827}"/>
               </a:ext>
             </a:extLst>
           </p:cNvPr>
@@ -7202,44 +4741,8 @@
         </p:nvSpPr>
         <p:spPr>
           <a:xfrm>
-            <a:off x="207886" y="266806"/>
-            <a:ext cx="3218896" cy="637762"/>
-          </a:xfrm>
-        </p:spPr>
-        <p:txBody>
-          <a:bodyPr>
-            <a:normAutofit fontScale="90000"/>
-          </a:bodyPr>
-          <a:lstStyle/>
-          <a:p>
-            <a:r>
-              <a:rPr lang="en-US" sz="2400" b="1" dirty="0"/>
-              <a:t>Installation of Python(p2)</a:t>
-            </a:r>
-            <a:endParaRPr lang="en-IN" sz="2400" b="1" dirty="0"/>
-          </a:p>
-        </p:txBody>
-      </p:sp>
-      <p:sp>
-        <p:nvSpPr>
-          <p:cNvPr id="3" name="Content Placeholder 2">
-            <a:extLst>
-              <a:ext uri="{FF2B5EF4-FFF2-40B4-BE49-F238E27FC236}">
-                <a16:creationId xmlns:a16="http://schemas.microsoft.com/office/drawing/2014/main" id="{D87D6534-69AB-936F-1468-62E878FC268D}"/>
-              </a:ext>
-            </a:extLst>
-          </p:cNvPr>
-          <p:cNvSpPr>
-            <a:spLocks noGrp="1"/>
-          </p:cNvSpPr>
-          <p:nvPr>
-            <p:ph idx="1"/>
-          </p:nvPr>
-        </p:nvSpPr>
-        <p:spPr>
-          <a:xfrm>
-            <a:off x="356421" y="1009549"/>
-            <a:ext cx="2413412" cy="2497131"/>
+            <a:off x="207886" y="125428"/>
+            <a:ext cx="4186562" cy="442744"/>
           </a:xfrm>
         </p:spPr>
         <p:txBody>
@@ -7248,87 +4751,1400 @@
           </a:bodyPr>
           <a:lstStyle/>
           <a:p>
+            <a:r>
+              <a:rPr lang="en-US" sz="2400" dirty="0"/>
+              <a:t>Create virtual </a:t>
+            </a:r>
+            <a:r>
+              <a:rPr lang="en-US" sz="2400" dirty="0" err="1"/>
+              <a:t>env</a:t>
+            </a:r>
+            <a:r>
+              <a:rPr lang="en-US" sz="2400" dirty="0"/>
+              <a:t> via </a:t>
+            </a:r>
+            <a:r>
+              <a:rPr lang="en-US" sz="2400" dirty="0" err="1"/>
+              <a:t>cmd</a:t>
+            </a:r>
+            <a:r>
+              <a:rPr lang="en-US" sz="2400" dirty="0"/>
+              <a:t> line:</a:t>
+            </a:r>
+          </a:p>
+        </p:txBody>
+      </p:sp>
+      <p:sp>
+        <p:nvSpPr>
+          <p:cNvPr id="5" name="TextBox 4">
+            <a:extLst>
+              <a:ext uri="{FF2B5EF4-FFF2-40B4-BE49-F238E27FC236}">
+                <a16:creationId xmlns:a16="http://schemas.microsoft.com/office/drawing/2014/main" id="{B087191A-B0E3-C9EF-CC0C-2CF135C35192}"/>
+              </a:ext>
+            </a:extLst>
+          </p:cNvPr>
+          <p:cNvSpPr txBox="1"/>
+          <p:nvPr/>
+        </p:nvSpPr>
+        <p:spPr>
+          <a:xfrm>
+            <a:off x="960120" y="887767"/>
+            <a:ext cx="10099060" cy="5693866"/>
+          </a:xfrm>
+          <a:prstGeom prst="rect">
+            <a:avLst/>
+          </a:prstGeom>
+          <a:noFill/>
+        </p:spPr>
+        <p:txBody>
+          <a:bodyPr wrap="square" rtlCol="0">
+            <a:spAutoFit/>
+          </a:bodyPr>
+          <a:lstStyle/>
+          <a:p>
+            <a:r>
+              <a:rPr lang="en-US" sz="1400" dirty="0"/>
+              <a:t>To create virtual environ,. open </a:t>
+            </a:r>
+            <a:r>
+              <a:rPr lang="en-US" sz="1400" b="1" dirty="0"/>
+              <a:t>Window </a:t>
+            </a:r>
+            <a:r>
+              <a:rPr lang="en-US" sz="1400" b="1" dirty="0" err="1"/>
+              <a:t>Powershell</a:t>
+            </a:r>
+            <a:r>
+              <a:rPr lang="en-US" sz="1400" dirty="0"/>
+              <a:t>:</a:t>
+            </a:r>
+          </a:p>
+          <a:p>
             <a:pPr marL="342900" indent="-342900">
-              <a:buAutoNum type="arabicPeriod" startAt="2"/>
+              <a:buFont typeface="+mj-lt"/>
+              <a:buAutoNum type="arabicPeriod"/>
             </a:pPr>
             <a:r>
+              <a:rPr lang="en-US" sz="1400" dirty="0"/>
+              <a:t>PS C:\Users\hi&gt; </a:t>
+            </a:r>
+            <a:r>
+              <a:rPr lang="en-US" sz="1400" b="1" dirty="0" err="1"/>
+              <a:t>mkdir</a:t>
+            </a:r>
+            <a:r>
+              <a:rPr lang="en-US" sz="1400" b="1" dirty="0"/>
+              <a:t> </a:t>
+            </a:r>
+            <a:r>
+              <a:rPr lang="en-US" sz="1400" b="1" dirty="0" err="1"/>
+              <a:t>gemini</a:t>
+            </a:r>
+            <a:endParaRPr lang="en-US" sz="1400" b="1" dirty="0"/>
+          </a:p>
+          <a:p>
+            <a:pPr marL="342900" indent="-342900">
+              <a:buFont typeface="+mj-lt"/>
+              <a:buAutoNum type="arabicPeriod"/>
+            </a:pPr>
+            <a:r>
+              <a:rPr lang="en-US" sz="1400" dirty="0"/>
+              <a:t>PS C:\Users\hi&gt; </a:t>
+            </a:r>
+            <a:r>
+              <a:rPr lang="en-US" sz="1400" b="1" dirty="0"/>
+              <a:t>cd </a:t>
+            </a:r>
+            <a:r>
+              <a:rPr lang="en-US" sz="1400" b="1" dirty="0" err="1"/>
+              <a:t>gemini</a:t>
+            </a:r>
+            <a:endParaRPr lang="en-US" sz="1400" b="1" dirty="0"/>
+          </a:p>
+          <a:p>
+            <a:pPr marL="342900" indent="-342900">
+              <a:buFont typeface="+mj-lt"/>
+              <a:buAutoNum type="arabicPeriod"/>
+            </a:pPr>
+            <a:r>
+              <a:rPr lang="en-US" sz="1400" dirty="0"/>
+              <a:t>PS C:\Users\hi\gemini&gt; </a:t>
+            </a:r>
+            <a:r>
+              <a:rPr lang="en-US" sz="1400" b="1" dirty="0"/>
+              <a:t>C:\Users\hi\AppData\Local\Programs\Python\Python311\python.exe -m </a:t>
+            </a:r>
+            <a:r>
+              <a:rPr lang="en-US" sz="1400" b="1" dirty="0" err="1"/>
+              <a:t>venv</a:t>
+            </a:r>
+            <a:r>
+              <a:rPr lang="en-US" sz="1400" b="1" dirty="0"/>
+              <a:t> </a:t>
+            </a:r>
+            <a:r>
+              <a:rPr lang="en-US" sz="1400" b="1" dirty="0" err="1"/>
+              <a:t>env_test</a:t>
+            </a:r>
+            <a:r>
+              <a:rPr lang="en-US" sz="1400" b="1" dirty="0"/>
+              <a:t> </a:t>
+            </a:r>
+          </a:p>
+          <a:p>
+            <a:r>
+              <a:rPr lang="en-US" sz="1400" dirty="0"/>
+              <a:t>Now you would see a new </a:t>
+            </a:r>
+            <a:r>
+              <a:rPr lang="en-US" sz="1400" dirty="0" err="1"/>
+              <a:t>dir</a:t>
+            </a:r>
+            <a:r>
+              <a:rPr lang="en-US" sz="1400" dirty="0"/>
+              <a:t> </a:t>
+            </a:r>
+            <a:r>
+              <a:rPr lang="en-US" sz="1400" dirty="0" err="1"/>
+              <a:t>env_test</a:t>
+            </a:r>
+            <a:r>
+              <a:rPr lang="en-US" sz="1400" dirty="0"/>
+              <a:t> in CWD:</a:t>
+            </a:r>
+          </a:p>
+          <a:p>
+            <a:r>
+              <a:rPr lang="en-US" sz="1400" dirty="0"/>
+              <a:t>4.      PS C:\Users\hi\ </a:t>
+            </a:r>
+            <a:r>
+              <a:rPr lang="en-US" sz="1400" dirty="0" err="1"/>
+              <a:t>gemini</a:t>
+            </a:r>
+            <a:r>
+              <a:rPr lang="en-US" sz="1400" dirty="0"/>
+              <a:t> &gt; </a:t>
+            </a:r>
+            <a:r>
+              <a:rPr lang="en-US" sz="1400" b="1" dirty="0" err="1"/>
+              <a:t>dir</a:t>
+            </a:r>
+            <a:endParaRPr lang="en-US" sz="1400" b="1" dirty="0"/>
+          </a:p>
+          <a:p>
+            <a:endParaRPr lang="en-US" sz="1400" dirty="0"/>
+          </a:p>
+          <a:p>
+            <a:r>
+              <a:rPr lang="en-US" sz="1400" dirty="0"/>
+              <a:t>    Directory: C:\Users\hi\ </a:t>
+            </a:r>
+            <a:r>
+              <a:rPr lang="en-US" sz="1400" dirty="0" err="1"/>
+              <a:t>gemini</a:t>
+            </a:r>
+            <a:endParaRPr lang="en-US" sz="1400" dirty="0"/>
+          </a:p>
+          <a:p>
+            <a:endParaRPr lang="en-US" sz="1400" dirty="0"/>
+          </a:p>
+          <a:p>
+            <a:r>
+              <a:rPr lang="en-US" sz="1400" dirty="0"/>
+              <a:t>Mode                 </a:t>
+            </a:r>
+            <a:r>
+              <a:rPr lang="en-US" sz="1400" dirty="0" err="1"/>
+              <a:t>LastWriteTime</a:t>
+            </a:r>
+            <a:r>
+              <a:rPr lang="en-US" sz="1400" dirty="0"/>
+              <a:t>         Length Name</a:t>
+            </a:r>
+          </a:p>
+          <a:p>
+            <a:r>
+              <a:rPr lang="en-US" sz="1400" dirty="0"/>
+              <a:t>----                 -------------         ------ ----</a:t>
+            </a:r>
+          </a:p>
+          <a:p>
+            <a:r>
+              <a:rPr lang="en-US" sz="1400" dirty="0"/>
+              <a:t>d-----          5/5/2025  11:34 AM                </a:t>
+            </a:r>
+            <a:r>
+              <a:rPr lang="en-US" sz="1400" dirty="0" err="1"/>
+              <a:t>env_test</a:t>
+            </a:r>
+            <a:endParaRPr lang="en-US" sz="1400" dirty="0"/>
+          </a:p>
+          <a:p>
+            <a:endParaRPr lang="en-US" sz="1400" dirty="0"/>
+          </a:p>
+          <a:p>
+            <a:endParaRPr lang="en-US" sz="1400" dirty="0"/>
+          </a:p>
+          <a:p>
+            <a:r>
+              <a:rPr lang="en-US" sz="1400" dirty="0"/>
+              <a:t>5. Now we activate </a:t>
+            </a:r>
+            <a:r>
+              <a:rPr lang="en-US" sz="1400" dirty="0" err="1"/>
+              <a:t>virt</a:t>
+            </a:r>
+            <a:r>
+              <a:rPr lang="en-US" sz="1400" dirty="0"/>
+              <a:t> </a:t>
+            </a:r>
+            <a:r>
+              <a:rPr lang="en-US" sz="1400" dirty="0" err="1"/>
+              <a:t>env</a:t>
+            </a:r>
+            <a:r>
+              <a:rPr lang="en-US" sz="1400" dirty="0"/>
+              <a:t>.: </a:t>
+            </a:r>
+          </a:p>
+          <a:p>
+            <a:r>
+              <a:rPr lang="en-US" sz="1400" dirty="0"/>
+              <a:t>PS C:\Users\hi\ </a:t>
+            </a:r>
+            <a:r>
+              <a:rPr lang="en-US" sz="1400" dirty="0" err="1"/>
+              <a:t>gemini</a:t>
+            </a:r>
+            <a:r>
+              <a:rPr lang="en-US" sz="1400" dirty="0"/>
+              <a:t> &gt; </a:t>
+            </a:r>
+            <a:r>
+              <a:rPr lang="en-US" sz="1400" b="1" dirty="0"/>
+              <a:t>.\</a:t>
+            </a:r>
+            <a:r>
+              <a:rPr lang="en-US" sz="1400" b="1" dirty="0" err="1"/>
+              <a:t>env_test</a:t>
+            </a:r>
+            <a:r>
+              <a:rPr lang="en-US" sz="1400" b="1" dirty="0"/>
+              <a:t>\Scripts\activate </a:t>
+            </a:r>
+          </a:p>
+          <a:p>
+            <a:r>
+              <a:rPr lang="en-US" sz="1400" dirty="0"/>
+              <a:t>(</a:t>
+            </a:r>
+            <a:r>
+              <a:rPr lang="en-US" sz="1400" dirty="0" err="1"/>
+              <a:t>env_test</a:t>
+            </a:r>
+            <a:r>
+              <a:rPr lang="en-US" sz="1400" dirty="0"/>
+              <a:t>) PS C:\Users\hi\ </a:t>
+            </a:r>
+            <a:r>
+              <a:rPr lang="en-US" sz="1400" dirty="0" err="1"/>
+              <a:t>gemini</a:t>
+            </a:r>
+            <a:r>
+              <a:rPr lang="en-US" sz="1400" dirty="0"/>
+              <a:t> &gt;</a:t>
+            </a:r>
+          </a:p>
+          <a:p>
+            <a:endParaRPr lang="en-US" sz="1400" dirty="0"/>
+          </a:p>
+          <a:p>
+            <a:r>
+              <a:rPr lang="en-US" sz="1400" dirty="0"/>
+              <a:t>6. Now you can install packages and open </a:t>
+            </a:r>
+            <a:r>
+              <a:rPr lang="en-US" sz="1400" dirty="0" err="1"/>
+              <a:t>jupyter</a:t>
+            </a:r>
+            <a:r>
+              <a:rPr lang="en-US" sz="1400" dirty="0"/>
+              <a:t> notebook:</a:t>
+            </a:r>
+          </a:p>
+          <a:p>
+            <a:endParaRPr lang="en-US" sz="1400" dirty="0"/>
+          </a:p>
+          <a:p>
+            <a:r>
+              <a:rPr lang="en-US" sz="1400" dirty="0"/>
+              <a:t>(</a:t>
+            </a:r>
+            <a:r>
+              <a:rPr lang="en-US" sz="1400" dirty="0" err="1"/>
+              <a:t>env_test</a:t>
+            </a:r>
+            <a:r>
+              <a:rPr lang="en-US" sz="1400" dirty="0"/>
+              <a:t>) PS C:\Users\hi\ </a:t>
+            </a:r>
+            <a:r>
+              <a:rPr lang="en-US" sz="1400" dirty="0" err="1"/>
+              <a:t>gemini</a:t>
+            </a:r>
+            <a:r>
+              <a:rPr lang="en-US" sz="1400" dirty="0"/>
+              <a:t> &gt; </a:t>
+            </a:r>
+            <a:r>
+              <a:rPr lang="en-US" sz="1400" b="1" dirty="0"/>
+              <a:t>.\</a:t>
+            </a:r>
+            <a:r>
+              <a:rPr lang="en-US" sz="1400" b="1" dirty="0" err="1"/>
+              <a:t>env_test</a:t>
+            </a:r>
+            <a:r>
+              <a:rPr lang="en-US" sz="1400" b="1" dirty="0"/>
+              <a:t>\Scripts\python.exe -m </a:t>
+            </a:r>
+            <a:r>
+              <a:rPr lang="en-US" sz="1400" b="1" dirty="0" err="1"/>
+              <a:t>jupyter</a:t>
+            </a:r>
+            <a:r>
+              <a:rPr lang="en-US" sz="1400" b="1" dirty="0"/>
+              <a:t> notebook</a:t>
+            </a:r>
+          </a:p>
+          <a:p>
+            <a:r>
+              <a:rPr lang="en-US" sz="1400" dirty="0"/>
+              <a:t>C:\Users\hi\gemini\env_test\Scripts\python.exe: No module named </a:t>
+            </a:r>
+            <a:r>
+              <a:rPr lang="en-US" sz="1400" dirty="0" err="1"/>
+              <a:t>jupyter</a:t>
+            </a:r>
+            <a:endParaRPr lang="en-US" sz="1400" dirty="0"/>
+          </a:p>
+          <a:p>
+            <a:endParaRPr lang="en-US" sz="1400" dirty="0"/>
+          </a:p>
+          <a:p>
+            <a:r>
+              <a:rPr lang="en-US" sz="1400" dirty="0"/>
+              <a:t>(</a:t>
+            </a:r>
+            <a:r>
+              <a:rPr lang="en-US" sz="1400" dirty="0" err="1"/>
+              <a:t>env_test</a:t>
+            </a:r>
+            <a:r>
+              <a:rPr lang="en-US" sz="1400" dirty="0"/>
+              <a:t>) PS C:\Users\hi\gemini&gt; </a:t>
+            </a:r>
+            <a:r>
+              <a:rPr lang="en-US" sz="1400" b="1" dirty="0"/>
+              <a:t>.\</a:t>
+            </a:r>
+            <a:r>
+              <a:rPr lang="en-US" sz="1400" b="1" dirty="0" err="1"/>
+              <a:t>env_test</a:t>
+            </a:r>
+            <a:r>
+              <a:rPr lang="en-US" sz="1400" b="1" dirty="0"/>
+              <a:t>\Scripts\python.exe -m pip install </a:t>
+            </a:r>
+            <a:r>
+              <a:rPr lang="en-US" sz="1400" b="1" dirty="0" err="1"/>
+              <a:t>jupyter</a:t>
+            </a:r>
+            <a:endParaRPr lang="en-US" sz="1400" b="1" dirty="0"/>
+          </a:p>
+          <a:p>
+            <a:endParaRPr lang="en-US" sz="1400" dirty="0"/>
+          </a:p>
+        </p:txBody>
+      </p:sp>
+    </p:spTree>
+    <p:extLst>
+      <p:ext uri="{BB962C8B-B14F-4D97-AF65-F5344CB8AC3E}">
+        <p14:creationId xmlns:p14="http://schemas.microsoft.com/office/powerpoint/2010/main" val="3271080707"/>
+      </p:ext>
+    </p:extLst>
+  </p:cSld>
+  <p:clrMapOvr>
+    <a:masterClrMapping/>
+  </p:clrMapOvr>
+</p:sld>
+</file>
+
+<file path=ppt/slides/slide5.xml><?xml version="1.0" encoding="utf-8"?>
+<p:sld xmlns:a="http://schemas.openxmlformats.org/drawingml/2006/main" xmlns:r="http://schemas.openxmlformats.org/officeDocument/2006/relationships" xmlns:p="http://schemas.openxmlformats.org/presentationml/2006/main">
+  <p:cSld>
+    <p:spTree>
+      <p:nvGrpSpPr>
+        <p:cNvPr id="1" name=""/>
+        <p:cNvGrpSpPr/>
+        <p:nvPr/>
+      </p:nvGrpSpPr>
+      <p:grpSpPr>
+        <a:xfrm>
+          <a:off x="0" y="0"/>
+          <a:ext cx="0" cy="0"/>
+          <a:chOff x="0" y="0"/>
+          <a:chExt cx="0" cy="0"/>
+        </a:xfrm>
+      </p:grpSpPr>
+      <p:sp>
+        <p:nvSpPr>
+          <p:cNvPr id="2" name="Title 1"/>
+          <p:cNvSpPr>
+            <a:spLocks noGrp="1"/>
+          </p:cNvSpPr>
+          <p:nvPr>
+            <p:ph type="title"/>
+          </p:nvPr>
+        </p:nvSpPr>
+        <p:spPr>
+          <a:xfrm>
+            <a:off x="207885" y="63282"/>
+            <a:ext cx="4239827" cy="558153"/>
+          </a:xfrm>
+        </p:spPr>
+        <p:txBody>
+          <a:bodyPr>
+            <a:noAutofit/>
+          </a:bodyPr>
+          <a:lstStyle/>
+          <a:p>
+            <a:r>
+              <a:rPr lang="en-US" sz="2800" dirty="0"/>
+              <a:t>Common </a:t>
+            </a:r>
+            <a:r>
+              <a:rPr lang="en-US" sz="2800" dirty="0" err="1"/>
+              <a:t>conda</a:t>
+            </a:r>
+            <a:r>
+              <a:rPr lang="en-US" sz="2800" dirty="0"/>
+              <a:t> commands</a:t>
+            </a:r>
+          </a:p>
+        </p:txBody>
+      </p:sp>
+      <p:sp>
+        <p:nvSpPr>
+          <p:cNvPr id="5" name="TextBox 4"/>
+          <p:cNvSpPr txBox="1"/>
+          <p:nvPr/>
+        </p:nvSpPr>
+        <p:spPr>
+          <a:xfrm>
+            <a:off x="4287916" y="133161"/>
+            <a:ext cx="7863884" cy="276999"/>
+          </a:xfrm>
+          <a:prstGeom prst="rect">
+            <a:avLst/>
+          </a:prstGeom>
+          <a:noFill/>
+        </p:spPr>
+        <p:txBody>
+          <a:bodyPr wrap="none" rtlCol="0">
+            <a:spAutoFit/>
+          </a:bodyPr>
+          <a:lstStyle/>
+          <a:p>
+            <a:r>
               <a:rPr lang="en-US" sz="1200" dirty="0"/>
-              <a:t>You will be redirected to</a:t>
-            </a:r>
-          </a:p>
+              <a:t>https://docs.conda.io/projects/conda/en/latest/_downloads/843d9e0198f2a193a3484886fa28163c/conda-cheatsheet.pdf</a:t>
+            </a:r>
+          </a:p>
+        </p:txBody>
+      </p:sp>
+      <p:sp>
+        <p:nvSpPr>
+          <p:cNvPr id="6" name="TextBox 5"/>
+          <p:cNvSpPr txBox="1"/>
+          <p:nvPr/>
+        </p:nvSpPr>
+        <p:spPr>
+          <a:xfrm>
+            <a:off x="6826946" y="1593889"/>
+            <a:ext cx="5282921" cy="4524315"/>
+          </a:xfrm>
+          <a:prstGeom prst="rect">
+            <a:avLst/>
+          </a:prstGeom>
+          <a:noFill/>
+        </p:spPr>
+        <p:txBody>
+          <a:bodyPr wrap="none" rtlCol="0">
+            <a:spAutoFit/>
+          </a:bodyPr>
+          <a:lstStyle/>
+          <a:p>
+            <a:r>
+              <a:rPr lang="en-US" dirty="0"/>
+              <a:t>Steps to create a new environ:</a:t>
+            </a:r>
+          </a:p>
+          <a:p>
+            <a:r>
+              <a:rPr lang="en-US" dirty="0"/>
+              <a:t>Go inside the </a:t>
+            </a:r>
+            <a:r>
+              <a:rPr lang="en-US" dirty="0" err="1"/>
+              <a:t>project_dir</a:t>
+            </a:r>
+            <a:r>
+              <a:rPr lang="en-US" dirty="0"/>
+              <a:t>(e.g. </a:t>
+            </a:r>
+            <a:r>
+              <a:rPr lang="en-US" dirty="0" err="1"/>
+              <a:t>gen_ai</a:t>
+            </a:r>
+            <a:r>
+              <a:rPr lang="en-US" dirty="0"/>
+              <a:t>)</a:t>
+            </a:r>
+          </a:p>
+          <a:p>
+            <a:pPr marL="342900" indent="-342900">
+              <a:buFont typeface="+mj-lt"/>
+              <a:buAutoNum type="arabicPeriod"/>
+            </a:pPr>
+            <a:r>
+              <a:rPr lang="en-US" dirty="0" err="1"/>
+              <a:t>conda</a:t>
+            </a:r>
+            <a:r>
+              <a:rPr lang="en-US" dirty="0"/>
+              <a:t> create --name </a:t>
+            </a:r>
+            <a:r>
+              <a:rPr lang="en-US" dirty="0" err="1"/>
+              <a:t>env_genai</a:t>
+            </a:r>
+            <a:endParaRPr lang="en-US" dirty="0"/>
+          </a:p>
+          <a:p>
+            <a:pPr marL="342900" indent="-342900">
+              <a:buFont typeface="+mj-lt"/>
+              <a:buAutoNum type="arabicPeriod"/>
+            </a:pPr>
+            <a:r>
+              <a:rPr lang="en-US" dirty="0" err="1"/>
+              <a:t>conda</a:t>
+            </a:r>
+            <a:r>
+              <a:rPr lang="en-US" dirty="0"/>
+              <a:t> activate </a:t>
+            </a:r>
+            <a:r>
+              <a:rPr lang="en-US" dirty="0" err="1"/>
+              <a:t>env_genai</a:t>
+            </a:r>
+            <a:endParaRPr lang="en-US" dirty="0"/>
+          </a:p>
+          <a:p>
+            <a:pPr marL="342900" indent="-342900">
+              <a:buFont typeface="+mj-lt"/>
+              <a:buAutoNum type="arabicPeriod"/>
+            </a:pPr>
+            <a:r>
+              <a:rPr lang="en-US" dirty="0" err="1"/>
+              <a:t>conda</a:t>
+            </a:r>
+            <a:r>
+              <a:rPr lang="en-US" dirty="0"/>
+              <a:t> list python   (showed no python </a:t>
+            </a:r>
+            <a:r>
+              <a:rPr lang="en-US" dirty="0" err="1"/>
+              <a:t>interpretor</a:t>
+            </a:r>
+            <a:r>
+              <a:rPr lang="en-US" dirty="0"/>
+              <a:t>)</a:t>
+            </a:r>
+          </a:p>
+          <a:p>
+            <a:pPr marL="342900" indent="-342900">
+              <a:buFont typeface="+mj-lt"/>
+              <a:buAutoNum type="arabicPeriod"/>
+            </a:pPr>
+            <a:r>
+              <a:rPr lang="en-US" dirty="0" err="1"/>
+              <a:t>conda</a:t>
+            </a:r>
+            <a:r>
+              <a:rPr lang="en-US" dirty="0"/>
+              <a:t> install python=3.12</a:t>
+            </a:r>
+          </a:p>
+          <a:p>
+            <a:pPr marL="342900" indent="-342900">
+              <a:buFont typeface="+mj-lt"/>
+              <a:buAutoNum type="arabicPeriod"/>
+            </a:pPr>
+            <a:r>
+              <a:rPr lang="en-US" dirty="0" err="1"/>
+              <a:t>conda</a:t>
+            </a:r>
+            <a:r>
+              <a:rPr lang="en-US" dirty="0"/>
+              <a:t> install </a:t>
+            </a:r>
+            <a:r>
+              <a:rPr lang="en-US" dirty="0" err="1"/>
+              <a:t>jupyter</a:t>
+            </a:r>
+            <a:endParaRPr lang="en-US" dirty="0"/>
+          </a:p>
+          <a:p>
+            <a:pPr marL="342900" indent="-342900">
+              <a:buFont typeface="+mj-lt"/>
+              <a:buAutoNum type="arabicPeriod"/>
+            </a:pPr>
+            <a:r>
+              <a:rPr lang="en-US" dirty="0" err="1"/>
+              <a:t>conda</a:t>
+            </a:r>
+            <a:r>
+              <a:rPr lang="en-US" dirty="0"/>
+              <a:t> list python   (showed python </a:t>
+            </a:r>
+            <a:r>
+              <a:rPr lang="en-US" dirty="0" err="1"/>
+              <a:t>interpretor</a:t>
+            </a:r>
+            <a:r>
+              <a:rPr lang="en-US" dirty="0"/>
+              <a:t>)</a:t>
+            </a:r>
+          </a:p>
+          <a:p>
+            <a:pPr marL="342900" indent="-342900">
+              <a:buFont typeface="+mj-lt"/>
+              <a:buAutoNum type="arabicPeriod"/>
+            </a:pPr>
+            <a:r>
+              <a:rPr lang="en-US" dirty="0" err="1"/>
+              <a:t>conda</a:t>
+            </a:r>
+            <a:r>
+              <a:rPr lang="en-US" dirty="0"/>
+              <a:t> list </a:t>
+            </a:r>
+            <a:r>
+              <a:rPr lang="en-US" dirty="0" err="1"/>
+              <a:t>jupyter</a:t>
+            </a:r>
+            <a:r>
+              <a:rPr lang="en-US" dirty="0"/>
+              <a:t> (showed </a:t>
+            </a:r>
+            <a:r>
+              <a:rPr lang="en-US" dirty="0" err="1"/>
+              <a:t>jupyter</a:t>
+            </a:r>
+            <a:r>
+              <a:rPr lang="en-US" dirty="0"/>
+              <a:t> installed)</a:t>
+            </a:r>
+          </a:p>
+          <a:p>
+            <a:pPr marL="342900" indent="-342900">
+              <a:buFont typeface="+mj-lt"/>
+              <a:buAutoNum type="arabicPeriod"/>
+            </a:pPr>
+            <a:r>
+              <a:rPr lang="en-US" dirty="0"/>
+              <a:t>python (make sure its python3.12)</a:t>
+            </a:r>
+          </a:p>
+          <a:p>
+            <a:pPr marL="342900" indent="-342900">
+              <a:buFont typeface="+mj-lt"/>
+              <a:buAutoNum type="arabicPeriod"/>
+            </a:pPr>
+            <a:r>
+              <a:rPr lang="en-US" dirty="0"/>
+              <a:t>python –m </a:t>
+            </a:r>
+            <a:r>
+              <a:rPr lang="en-US" dirty="0" err="1"/>
+              <a:t>jupyter</a:t>
+            </a:r>
+            <a:r>
+              <a:rPr lang="en-US" dirty="0"/>
+              <a:t> notebook</a:t>
+            </a:r>
+          </a:p>
+          <a:p>
+            <a:pPr marL="342900" indent="-342900">
+              <a:buFont typeface="+mj-lt"/>
+              <a:buAutoNum type="arabicPeriod"/>
+            </a:pPr>
+            <a:endParaRPr lang="en-US" dirty="0"/>
+          </a:p>
+          <a:p>
+            <a:r>
+              <a:rPr lang="en-US" dirty="0"/>
+              <a:t>Now you can install packages from </a:t>
+            </a:r>
+            <a:r>
+              <a:rPr lang="en-US" dirty="0" err="1"/>
+              <a:t>jupyter</a:t>
+            </a:r>
+            <a:r>
+              <a:rPr lang="en-US" dirty="0"/>
+              <a:t> cells:</a:t>
+            </a:r>
+          </a:p>
+          <a:p>
+            <a:r>
+              <a:rPr lang="en-US" dirty="0"/>
+              <a:t>pip install pandas, </a:t>
+            </a:r>
+            <a:r>
+              <a:rPr lang="en-US" dirty="0" err="1"/>
+              <a:t>etc</a:t>
+            </a:r>
+            <a:endParaRPr lang="en-US" dirty="0"/>
+          </a:p>
+          <a:p>
+            <a:pPr marL="342900" indent="-342900">
+              <a:buFont typeface="+mj-lt"/>
+              <a:buAutoNum type="arabicPeriod"/>
+            </a:pPr>
+            <a:endParaRPr lang="en-US" dirty="0"/>
+          </a:p>
+          <a:p>
+            <a:endParaRPr lang="en-US" dirty="0"/>
+          </a:p>
+        </p:txBody>
+      </p:sp>
+      <p:sp>
+        <p:nvSpPr>
+          <p:cNvPr id="9" name="TextBox 8">
+            <a:extLst>
+              <a:ext uri="{FF2B5EF4-FFF2-40B4-BE49-F238E27FC236}">
+                <a16:creationId xmlns:a16="http://schemas.microsoft.com/office/drawing/2014/main" id="{7CC187D1-3006-9051-E340-A297DECDC430}"/>
+              </a:ext>
+            </a:extLst>
+          </p:cNvPr>
+          <p:cNvSpPr txBox="1"/>
+          <p:nvPr/>
+        </p:nvSpPr>
+        <p:spPr>
+          <a:xfrm>
+            <a:off x="548640" y="1305342"/>
+            <a:ext cx="6071616" cy="4247317"/>
+          </a:xfrm>
+          <a:prstGeom prst="rect">
+            <a:avLst/>
+          </a:prstGeom>
+          <a:noFill/>
+        </p:spPr>
+        <p:txBody>
+          <a:bodyPr wrap="square">
+            <a:spAutoFit/>
+          </a:bodyPr>
+          <a:lstStyle/>
+          <a:p>
+            <a:pPr marL="285750" indent="-285750">
+              <a:buFont typeface="Arial" panose="020B0604020202020204" pitchFamily="34" charset="0"/>
+              <a:buChar char="•"/>
+            </a:pPr>
+            <a:r>
+              <a:rPr lang="en-US" sz="1800" dirty="0" err="1"/>
+              <a:t>conda</a:t>
+            </a:r>
+            <a:r>
+              <a:rPr lang="en-US" sz="1800" dirty="0"/>
+              <a:t> info</a:t>
+            </a:r>
+          </a:p>
+          <a:p>
+            <a:pPr marL="285750" indent="-285750">
+              <a:buFont typeface="Arial" panose="020B0604020202020204" pitchFamily="34" charset="0"/>
+              <a:buChar char="•"/>
+            </a:pPr>
+            <a:r>
+              <a:rPr lang="en-US" sz="1800" dirty="0" err="1"/>
+              <a:t>conda</a:t>
+            </a:r>
+            <a:r>
+              <a:rPr lang="en-US" sz="1800" dirty="0"/>
+              <a:t> create --name ENV_NAME</a:t>
+            </a:r>
+          </a:p>
+          <a:p>
+            <a:pPr marL="285750" indent="-285750">
+              <a:buFont typeface="Arial" panose="020B0604020202020204" pitchFamily="34" charset="0"/>
+              <a:buChar char="•"/>
+            </a:pPr>
+            <a:r>
+              <a:rPr lang="en-US" sz="1800" dirty="0" err="1"/>
+              <a:t>conda</a:t>
+            </a:r>
+            <a:r>
+              <a:rPr lang="en-US" sz="1800" dirty="0"/>
+              <a:t> create -n ENVNAME python=3.10 </a:t>
+            </a:r>
+          </a:p>
+          <a:p>
+            <a:r>
+              <a:rPr lang="en-US" sz="1800" dirty="0"/>
+              <a:t>(create env with specific python)</a:t>
+            </a:r>
+          </a:p>
+          <a:p>
+            <a:pPr marL="285750" indent="-285750">
+              <a:buFont typeface="Arial" panose="020B0604020202020204" pitchFamily="34" charset="0"/>
+              <a:buChar char="•"/>
+            </a:pPr>
+            <a:r>
+              <a:rPr lang="pt-BR" sz="1800" dirty="0"/>
+              <a:t>conda rename -n ENV_NAME NEW_ENVNAME</a:t>
+            </a:r>
+            <a:endParaRPr lang="en-US" sz="1800" dirty="0"/>
+          </a:p>
+          <a:p>
+            <a:pPr marL="285750" indent="-285750">
+              <a:buFont typeface="Arial" panose="020B0604020202020204" pitchFamily="34" charset="0"/>
+              <a:buChar char="•"/>
+            </a:pPr>
+            <a:r>
+              <a:rPr lang="pt-BR" sz="1800" dirty="0"/>
+              <a:t>conda remove -n ENVNAME –all  (remove env)</a:t>
+            </a:r>
+            <a:endParaRPr lang="en-US" sz="1800" dirty="0"/>
+          </a:p>
+          <a:p>
+            <a:pPr marL="285750" indent="-285750">
+              <a:buFont typeface="Arial" panose="020B0604020202020204" pitchFamily="34" charset="0"/>
+              <a:buChar char="•"/>
+            </a:pPr>
+            <a:r>
+              <a:rPr lang="en-US" sz="1800" dirty="0" err="1"/>
+              <a:t>conda</a:t>
+            </a:r>
+            <a:r>
+              <a:rPr lang="en-US" sz="1800" dirty="0"/>
+              <a:t> activate ENV_NAME</a:t>
+            </a:r>
+          </a:p>
+          <a:p>
+            <a:pPr marL="285750" indent="-285750">
+              <a:buFont typeface="Arial" panose="020B0604020202020204" pitchFamily="34" charset="0"/>
+              <a:buChar char="•"/>
+            </a:pPr>
+            <a:r>
+              <a:rPr lang="en-US" sz="1800" dirty="0" err="1"/>
+              <a:t>conda</a:t>
+            </a:r>
+            <a:r>
+              <a:rPr lang="en-US" sz="1800" dirty="0"/>
+              <a:t> list</a:t>
+            </a:r>
+          </a:p>
+          <a:p>
+            <a:pPr marL="285750" indent="-285750">
+              <a:buFont typeface="Arial" panose="020B0604020202020204" pitchFamily="34" charset="0"/>
+              <a:buChar char="•"/>
+            </a:pPr>
+            <a:r>
+              <a:rPr lang="en-US" sz="1800" dirty="0" err="1"/>
+              <a:t>conda</a:t>
+            </a:r>
+            <a:r>
+              <a:rPr lang="en-US" sz="1800" dirty="0"/>
+              <a:t> env list</a:t>
+            </a:r>
+          </a:p>
+          <a:p>
+            <a:pPr marL="285750" indent="-285750">
+              <a:buFont typeface="Arial" panose="020B0604020202020204" pitchFamily="34" charset="0"/>
+              <a:buChar char="•"/>
+            </a:pPr>
+            <a:r>
+              <a:rPr lang="en-US" sz="1800" dirty="0" err="1"/>
+              <a:t>conda</a:t>
+            </a:r>
+            <a:r>
+              <a:rPr lang="en-US" sz="1800" dirty="0"/>
+              <a:t> install PKGNAME</a:t>
+            </a:r>
+          </a:p>
+          <a:p>
+            <a:pPr marL="285750" indent="-285750">
+              <a:buFont typeface="Arial" panose="020B0604020202020204" pitchFamily="34" charset="0"/>
+              <a:buChar char="•"/>
+            </a:pPr>
+            <a:r>
+              <a:rPr lang="en-US" sz="1800" dirty="0" err="1"/>
+              <a:t>conda</a:t>
+            </a:r>
+            <a:r>
+              <a:rPr lang="en-US" sz="1800" dirty="0"/>
+              <a:t> uninstall PKGNAME</a:t>
+            </a:r>
+          </a:p>
+          <a:p>
+            <a:pPr marL="285750" indent="-285750">
+              <a:buFont typeface="Arial" panose="020B0604020202020204" pitchFamily="34" charset="0"/>
+              <a:buChar char="•"/>
+            </a:pPr>
+            <a:r>
+              <a:rPr lang="en-US" sz="1800" dirty="0" err="1"/>
+              <a:t>conda</a:t>
+            </a:r>
+            <a:r>
+              <a:rPr lang="en-US" sz="1800" dirty="0"/>
+              <a:t> export ENV_NAME&gt;</a:t>
+            </a:r>
+            <a:r>
+              <a:rPr lang="en-US" sz="1800" dirty="0" err="1"/>
+              <a:t>ENV.yml</a:t>
+            </a:r>
+            <a:r>
+              <a:rPr lang="en-US" sz="1800" dirty="0"/>
+              <a:t> </a:t>
+            </a:r>
+          </a:p>
+          <a:p>
+            <a:pPr marL="285750" indent="-285750">
+              <a:buFont typeface="Arial" panose="020B0604020202020204" pitchFamily="34" charset="0"/>
+              <a:buChar char="•"/>
+            </a:pPr>
+            <a:r>
+              <a:rPr lang="pt-BR" sz="1800" dirty="0"/>
+              <a:t>conda env create -n ENV_NAME --file ENV.yml   </a:t>
+            </a:r>
+          </a:p>
+          <a:p>
+            <a:r>
+              <a:rPr lang="pt-BR" sz="1800" dirty="0"/>
+              <a:t>(for importing the env)</a:t>
+            </a:r>
+            <a:endParaRPr lang="en-US" sz="1800" dirty="0"/>
+          </a:p>
+          <a:p>
+            <a:pPr marL="285750" indent="-285750">
+              <a:buFont typeface="Arial" panose="020B0604020202020204" pitchFamily="34" charset="0"/>
+              <a:buChar char="•"/>
+            </a:pPr>
+            <a:r>
+              <a:rPr lang="en-US" sz="1800" dirty="0"/>
+              <a:t>where python (gives the path of python)</a:t>
+            </a:r>
+          </a:p>
+        </p:txBody>
+      </p:sp>
+    </p:spTree>
+    <p:extLst>
+      <p:ext uri="{BB962C8B-B14F-4D97-AF65-F5344CB8AC3E}">
+        <p14:creationId xmlns:p14="http://schemas.microsoft.com/office/powerpoint/2010/main" val="2751914193"/>
+      </p:ext>
+    </p:extLst>
+  </p:cSld>
+  <p:clrMapOvr>
+    <a:masterClrMapping/>
+  </p:clrMapOvr>
+</p:sld>
+</file>
+
+<file path=ppt/slides/slide6.xml><?xml version="1.0" encoding="utf-8"?>
+<p:sld xmlns:a="http://schemas.openxmlformats.org/drawingml/2006/main" xmlns:r="http://schemas.openxmlformats.org/officeDocument/2006/relationships" xmlns:p="http://schemas.openxmlformats.org/presentationml/2006/main">
+  <p:cSld>
+    <p:spTree>
+      <p:nvGrpSpPr>
+        <p:cNvPr id="1" name=""/>
+        <p:cNvGrpSpPr/>
+        <p:nvPr/>
+      </p:nvGrpSpPr>
+      <p:grpSpPr>
+        <a:xfrm>
+          <a:off x="0" y="0"/>
+          <a:ext cx="0" cy="0"/>
+          <a:chOff x="0" y="0"/>
+          <a:chExt cx="0" cy="0"/>
+        </a:xfrm>
+      </p:grpSpPr>
+      <p:sp>
+        <p:nvSpPr>
+          <p:cNvPr id="3" name="Content Placeholder 2"/>
+          <p:cNvSpPr>
+            <a:spLocks noGrp="1"/>
+          </p:cNvSpPr>
+          <p:nvPr>
+            <p:ph idx="1"/>
+          </p:nvPr>
+        </p:nvSpPr>
+        <p:spPr>
+          <a:xfrm>
+            <a:off x="292963" y="1825625"/>
+            <a:ext cx="11745157" cy="4351338"/>
+          </a:xfrm>
+        </p:spPr>
+        <p:txBody>
+          <a:bodyPr>
+            <a:normAutofit/>
+          </a:bodyPr>
+          <a:lstStyle/>
           <a:p>
             <a:pPr marL="0" indent="0">
               <a:buNone/>
             </a:pPr>
             <a:r>
-              <a:rPr lang="en-US" sz="1200" dirty="0"/>
+              <a:rPr lang="en-US" sz="1400" b="1" dirty="0"/>
+              <a:t>1) Open </a:t>
+            </a:r>
+            <a:r>
+              <a:rPr lang="en-US" sz="1400" b="1" dirty="0" err="1"/>
+              <a:t>powershell</a:t>
+            </a:r>
+            <a:r>
+              <a:rPr lang="en-US" sz="1400" b="1" dirty="0"/>
+              <a:t> as Administrator:</a:t>
+            </a:r>
+            <a:br>
+              <a:rPr lang="en-US" sz="1400" b="1" dirty="0"/>
+            </a:br>
+            <a:endParaRPr lang="en-US" sz="1400" b="1" dirty="0"/>
+          </a:p>
+          <a:p>
+            <a:pPr marL="0" indent="0">
+              <a:buNone/>
+            </a:pPr>
+            <a:r>
+              <a:rPr lang="en-US" sz="1400" dirty="0"/>
+              <a:t>2) C:\Users\Admin\Documents\WindowsPowerShell\profile.ps1 cannot be loaded because running scripts is disabled on this system. For more information, see </a:t>
+            </a:r>
+            <a:r>
+              <a:rPr lang="en-US" sz="1400" dirty="0" err="1"/>
+              <a:t>about_Execution_Policies</a:t>
+            </a:r>
+            <a:r>
+              <a:rPr lang="en-US" sz="1400" dirty="0"/>
+              <a:t> at https:/go.microsoft.com/</a:t>
+            </a:r>
+            <a:r>
+              <a:rPr lang="en-US" sz="1400" dirty="0" err="1"/>
+              <a:t>fwlink</a:t>
+            </a:r>
+            <a:r>
+              <a:rPr lang="en-US" sz="1400" dirty="0"/>
+              <a:t>/?</a:t>
+            </a:r>
+            <a:r>
+              <a:rPr lang="en-US" sz="1400" dirty="0" err="1"/>
+              <a:t>LinkID</a:t>
+            </a:r>
+            <a:r>
+              <a:rPr lang="en-US" sz="1400" dirty="0"/>
+              <a:t>=135170. At line:1 char:3 + . 'C:\Users\Admin\Documents\</a:t>
+            </a:r>
+            <a:r>
+              <a:rPr lang="en-US" sz="1400" dirty="0" err="1"/>
+              <a:t>WindowsPowerShell</a:t>
+            </a:r>
+            <a:r>
+              <a:rPr lang="en-US" sz="1400" dirty="0"/>
+              <a:t>\profile.ps1' + ~~~~~~~~~~~~~~~~~~~~~~~~~~~~~~~~~~~~~~~~~~~~~~~~~~~~~~~~ + </a:t>
+            </a:r>
+            <a:r>
+              <a:rPr lang="en-US" sz="1400" dirty="0" err="1"/>
+              <a:t>CategoryInfo</a:t>
+            </a:r>
+            <a:r>
+              <a:rPr lang="en-US" sz="1400" dirty="0"/>
+              <a:t> : </a:t>
+            </a:r>
+            <a:r>
+              <a:rPr lang="en-US" sz="1400" dirty="0" err="1"/>
+              <a:t>SecurityError</a:t>
+            </a:r>
+            <a:r>
+              <a:rPr lang="en-US" sz="1400" dirty="0"/>
+              <a:t>: (:) [], </a:t>
+            </a:r>
+            <a:r>
+              <a:rPr lang="en-US" sz="1400" dirty="0" err="1"/>
+              <a:t>PSSecurityException</a:t>
+            </a:r>
+            <a:r>
+              <a:rPr lang="en-US" sz="1400" dirty="0"/>
+              <a:t> + </a:t>
+            </a:r>
+            <a:r>
+              <a:rPr lang="en-US" sz="1400" dirty="0" err="1"/>
+              <a:t>FullyQualifiedErrorId</a:t>
+            </a:r>
+            <a:r>
+              <a:rPr lang="en-US" sz="1400" dirty="0"/>
+              <a:t> : </a:t>
+            </a:r>
+            <a:r>
+              <a:rPr lang="en-US" sz="1400" dirty="0" err="1"/>
+              <a:t>UnauthorizedAccess</a:t>
+            </a:r>
+            <a:r>
+              <a:rPr lang="en-US" sz="1400" dirty="0"/>
+              <a:t> . : Fi</a:t>
+            </a:r>
+          </a:p>
+          <a:p>
+            <a:pPr marL="0" indent="0">
+              <a:buNone/>
+            </a:pPr>
+            <a:r>
+              <a:rPr lang="en-US" sz="1400" dirty="0"/>
+              <a:t>PS C:\WINDOWS\system32&gt; </a:t>
+            </a:r>
+            <a:r>
+              <a:rPr lang="en-US" sz="1400" b="1" dirty="0"/>
+              <a:t>Set-</a:t>
+            </a:r>
+            <a:r>
+              <a:rPr lang="en-US" sz="1400" b="1" dirty="0" err="1"/>
+              <a:t>ExecutionPolicy</a:t>
+            </a:r>
+            <a:r>
+              <a:rPr lang="en-US" sz="1400" b="1" dirty="0"/>
               <a:t> </a:t>
             </a:r>
             <a:r>
-              <a:rPr lang="en-US" sz="1200" dirty="0">
-                <a:hlinkClick r:id="rId2"/>
+              <a:rPr lang="en-US" sz="1400" b="1" dirty="0" err="1"/>
+              <a:t>RemoteSigned</a:t>
+            </a:r>
+            <a:r>
+              <a:rPr lang="en-US" sz="1400" b="1" dirty="0"/>
+              <a:t> -Scope </a:t>
+            </a:r>
+            <a:r>
+              <a:rPr lang="en-US" sz="1400" b="1" dirty="0" err="1"/>
+              <a:t>LocalMachine</a:t>
+            </a:r>
+            <a:endParaRPr lang="en-US" sz="1400" b="1" dirty="0"/>
+          </a:p>
+          <a:p>
+            <a:pPr marL="0" indent="0">
+              <a:buNone/>
+            </a:pPr>
+            <a:r>
+              <a:rPr lang="en-US" sz="1400" dirty="0"/>
+              <a:t>Execution Policy Change The execution policy helps protect you from scripts that you do not trust. Changing the execution policy might expose you to the security risks described in the </a:t>
+            </a:r>
+            <a:r>
+              <a:rPr lang="en-US" sz="1400" dirty="0" err="1"/>
+              <a:t>about_Execution_Policies</a:t>
+            </a:r>
+            <a:r>
+              <a:rPr lang="en-US" sz="1400" dirty="0"/>
+              <a:t> help topic at https:/go.microsoft.com/</a:t>
+            </a:r>
+            <a:r>
+              <a:rPr lang="en-US" sz="1400" dirty="0" err="1"/>
+              <a:t>fwlink</a:t>
+            </a:r>
+            <a:r>
+              <a:rPr lang="en-US" sz="1400" dirty="0"/>
+              <a:t>/?</a:t>
+            </a:r>
+            <a:r>
+              <a:rPr lang="en-US" sz="1400" dirty="0" err="1"/>
+              <a:t>LinkID</a:t>
+            </a:r>
+            <a:r>
+              <a:rPr lang="en-US" sz="1400" dirty="0"/>
+              <a:t>=135170.</a:t>
+            </a:r>
+          </a:p>
+          <a:p>
+            <a:pPr marL="0" indent="0">
+              <a:buNone/>
+            </a:pPr>
+            <a:r>
+              <a:rPr lang="en-US" sz="1400" dirty="0"/>
+              <a:t>Do you want to change the execution policy? [Y] Yes [A] Yes to All [N] No [L] No to All [S] Suspend [?] Help (default is "N"): </a:t>
+            </a:r>
+            <a:r>
+              <a:rPr lang="en-US" sz="1400" b="1" dirty="0"/>
+              <a:t>Y </a:t>
+            </a:r>
+          </a:p>
+          <a:p>
+            <a:pPr marL="0" indent="0">
+              <a:buNone/>
+            </a:pPr>
+            <a:endParaRPr lang="en-US" sz="1400" dirty="0"/>
+          </a:p>
+          <a:p>
+            <a:pPr marL="0" indent="0">
+              <a:buNone/>
+            </a:pPr>
+            <a:r>
+              <a:rPr lang="en-US" sz="1400" dirty="0"/>
+              <a:t>Following is NOT needed:</a:t>
+            </a:r>
+          </a:p>
+          <a:p>
+            <a:pPr marL="0" indent="0">
+              <a:buNone/>
+            </a:pPr>
+            <a:r>
+              <a:rPr lang="en-US" sz="1400" dirty="0"/>
+              <a:t>3) PS C:\WINDOWS\system32&gt; </a:t>
+            </a:r>
+            <a:r>
+              <a:rPr lang="en-US" sz="1400" b="1" dirty="0"/>
+              <a:t>Get-</a:t>
+            </a:r>
+            <a:r>
+              <a:rPr lang="en-US" sz="1400" b="1" dirty="0" err="1"/>
+              <a:t>ExecutionPolicy</a:t>
+            </a:r>
+            <a:r>
+              <a:rPr lang="en-US" sz="1400" b="1" dirty="0"/>
+              <a:t> -Scope </a:t>
+            </a:r>
+            <a:r>
+              <a:rPr lang="en-US" sz="1400" b="1" dirty="0" err="1"/>
+              <a:t>LocalMachine</a:t>
+            </a:r>
+            <a:r>
+              <a:rPr lang="en-US" sz="1400" b="1" dirty="0"/>
+              <a:t> </a:t>
+            </a:r>
+            <a:r>
+              <a:rPr lang="en-US" sz="1400" b="1" dirty="0" err="1"/>
+              <a:t>RemoteSigned</a:t>
+            </a:r>
+            <a:endParaRPr lang="en-US" sz="1400" b="1" dirty="0"/>
+          </a:p>
+        </p:txBody>
+      </p:sp>
+      <p:sp>
+        <p:nvSpPr>
+          <p:cNvPr id="4" name="TextBox 3"/>
+          <p:cNvSpPr txBox="1"/>
+          <p:nvPr/>
+        </p:nvSpPr>
+        <p:spPr>
+          <a:xfrm>
+            <a:off x="417250" y="594804"/>
+            <a:ext cx="2417137" cy="369332"/>
+          </a:xfrm>
+          <a:prstGeom prst="rect">
+            <a:avLst/>
+          </a:prstGeom>
+          <a:noFill/>
+        </p:spPr>
+        <p:txBody>
+          <a:bodyPr wrap="none" rtlCol="0">
+            <a:spAutoFit/>
+          </a:bodyPr>
+          <a:lstStyle/>
+          <a:p>
+            <a:r>
+              <a:rPr lang="en-US" dirty="0"/>
+              <a:t>Issues with </a:t>
+            </a:r>
+            <a:r>
+              <a:rPr lang="en-US" dirty="0" err="1"/>
+              <a:t>powershell</a:t>
+            </a:r>
+            <a:r>
+              <a:rPr lang="en-US" dirty="0"/>
+              <a:t>: </a:t>
+            </a:r>
+          </a:p>
+        </p:txBody>
+      </p:sp>
+    </p:spTree>
+    <p:extLst>
+      <p:ext uri="{BB962C8B-B14F-4D97-AF65-F5344CB8AC3E}">
+        <p14:creationId xmlns:p14="http://schemas.microsoft.com/office/powerpoint/2010/main" val="102008807"/>
+      </p:ext>
+    </p:extLst>
+  </p:cSld>
+  <p:clrMapOvr>
+    <a:masterClrMapping/>
+  </p:clrMapOvr>
+</p:sld>
+</file>
+
+<file path=ppt/slides/slide7.xml><?xml version="1.0" encoding="utf-8"?>
+<p:sld xmlns:a="http://schemas.openxmlformats.org/drawingml/2006/main" xmlns:r="http://schemas.openxmlformats.org/officeDocument/2006/relationships" xmlns:p="http://schemas.openxmlformats.org/presentationml/2006/main">
+  <p:cSld>
+    <p:spTree>
+      <p:nvGrpSpPr>
+        <p:cNvPr id="1" name=""/>
+        <p:cNvGrpSpPr/>
+        <p:nvPr/>
+      </p:nvGrpSpPr>
+      <p:grpSpPr>
+        <a:xfrm>
+          <a:off x="0" y="0"/>
+          <a:ext cx="0" cy="0"/>
+          <a:chOff x="0" y="0"/>
+          <a:chExt cx="0" cy="0"/>
+        </a:xfrm>
+      </p:grpSpPr>
+      <p:sp>
+        <p:nvSpPr>
+          <p:cNvPr id="2" name="Title 1"/>
+          <p:cNvSpPr>
+            <a:spLocks noGrp="1"/>
+          </p:cNvSpPr>
+          <p:nvPr>
+            <p:ph type="title"/>
+          </p:nvPr>
+        </p:nvSpPr>
+        <p:spPr>
+          <a:xfrm>
+            <a:off x="376560" y="45528"/>
+            <a:ext cx="4257583" cy="602541"/>
+          </a:xfrm>
+        </p:spPr>
+        <p:txBody>
+          <a:bodyPr>
+            <a:normAutofit/>
+          </a:bodyPr>
+          <a:lstStyle/>
+          <a:p>
+            <a:r>
+              <a:rPr lang="en-US" sz="2800" dirty="0"/>
+              <a:t>Anaconda</a:t>
+            </a:r>
+            <a:r>
+              <a:rPr lang="en-US" sz="2800" dirty="0">
+                <a:sym typeface="Wingdings" panose="05000000000000000000" pitchFamily="2" charset="2"/>
               </a:rPr>
-              <a:t>https://www.python.org/downloads/release/python-3129/</a:t>
-            </a:r>
-            <a:endParaRPr lang="en-US" sz="1200" dirty="0"/>
-          </a:p>
-          <a:p>
-            <a:pPr marL="0" indent="0">
-              <a:buNone/>
-            </a:pPr>
-            <a:endParaRPr lang="en-US" sz="1200" dirty="0"/>
-          </a:p>
-          <a:p>
-            <a:pPr marL="0" indent="0">
-              <a:buNone/>
-            </a:pPr>
-            <a:r>
-              <a:rPr lang="en-US" sz="1200" dirty="0"/>
-              <a:t>Click on </a:t>
-            </a:r>
-            <a:r>
-              <a:rPr lang="en-US" sz="1200" b="1" dirty="0"/>
-              <a:t>Windows Installer (64-bit)</a:t>
-            </a:r>
-            <a:r>
-              <a:rPr lang="en-US" sz="1200" dirty="0"/>
-              <a:t>, this architecture is of my computer.</a:t>
-            </a:r>
-          </a:p>
-          <a:p>
-            <a:pPr marL="0" indent="0">
-              <a:buNone/>
-            </a:pPr>
-            <a:endParaRPr lang="en-US" sz="1200" dirty="0"/>
-          </a:p>
-          <a:p>
-            <a:pPr marL="0" indent="0">
-              <a:buNone/>
-            </a:pPr>
-            <a:r>
-              <a:rPr lang="en-US" sz="1200" dirty="0"/>
-              <a:t>This would download python in your download directory.</a:t>
-            </a:r>
-            <a:endParaRPr lang="en-IN" sz="1200" dirty="0"/>
+              <a:t>(p1)</a:t>
+            </a:r>
+            <a:endParaRPr lang="en-US" sz="2800" dirty="0"/>
           </a:p>
         </p:txBody>
       </p:sp>
       <p:pic>
         <p:nvPicPr>
-          <p:cNvPr id="6" name="Picture 5">
-            <a:extLst>
-              <a:ext uri="{FF2B5EF4-FFF2-40B4-BE49-F238E27FC236}">
-                <a16:creationId xmlns:a16="http://schemas.microsoft.com/office/drawing/2014/main" id="{D0E0360C-2D92-155C-EB27-B789B7BC347A}"/>
-              </a:ext>
-            </a:extLst>
-          </p:cNvPr>
+          <p:cNvPr id="4" name="Picture 3"/>
           <p:cNvPicPr>
             <a:picLocks noChangeAspect="1"/>
           </p:cNvPicPr>
           <p:nvPr/>
         </p:nvPicPr>
         <p:blipFill>
-          <a:blip r:embed="rId3">
+          <a:blip r:embed="rId2">
             <a:extLst>
               <a:ext uri="{28A0092B-C50C-407E-A947-70E740481C1C}">
                 <a14:useLocalDpi xmlns:a14="http://schemas.microsoft.com/office/drawing/2010/main" val="0"/>
@@ -7341,24 +6157,53 @@
         </p:blipFill>
         <p:spPr>
           <a:xfrm>
-            <a:off x="3126916" y="710214"/>
-            <a:ext cx="8918845" cy="4967093"/>
+            <a:off x="976544" y="1621405"/>
+            <a:ext cx="10688714" cy="4678179"/>
           </a:xfrm>
           <a:prstGeom prst="rect">
             <a:avLst/>
           </a:prstGeom>
         </p:spPr>
       </p:pic>
+      <p:sp>
+        <p:nvSpPr>
+          <p:cNvPr id="5" name="TextBox 4"/>
+          <p:cNvSpPr txBox="1"/>
+          <p:nvPr/>
+        </p:nvSpPr>
+        <p:spPr>
+          <a:xfrm>
+            <a:off x="7226423" y="666395"/>
+            <a:ext cx="1748492" cy="369332"/>
+          </a:xfrm>
+          <a:prstGeom prst="rect">
+            <a:avLst/>
+          </a:prstGeom>
+          <a:noFill/>
+        </p:spPr>
+        <p:txBody>
+          <a:bodyPr wrap="none" rtlCol="0">
+            <a:spAutoFit/>
+          </a:bodyPr>
+          <a:lstStyle/>
+          <a:p>
+            <a:r>
+              <a:rPr lang="en-US" dirty="0"/>
+              <a:t>Step1: Click here</a:t>
+            </a:r>
+          </a:p>
+        </p:txBody>
+      </p:sp>
       <p:cxnSp>
         <p:nvCxnSpPr>
-          <p:cNvPr id="5" name="Straight Arrow Connector 4"/>
+          <p:cNvPr id="7" name="Straight Arrow Connector 6"/>
           <p:cNvCxnSpPr/>
           <p:nvPr/>
         </p:nvCxnSpPr>
         <p:spPr>
           <a:xfrm>
-            <a:off x="2210540" y="2636668"/>
-            <a:ext cx="1305017" cy="1544715"/>
+            <a:off x="7910004" y="1035727"/>
+            <a:ext cx="692458" cy="1165935"/>
           </a:xfrm>
           <a:prstGeom prst="straightConnector1">
             <a:avLst/>
@@ -7385,7 +6230,7 @@
     </p:spTree>
     <p:extLst>
       <p:ext uri="{BB962C8B-B14F-4D97-AF65-F5344CB8AC3E}">
-        <p14:creationId xmlns:p14="http://schemas.microsoft.com/office/powerpoint/2010/main" val="2394791422"/>
+        <p14:creationId xmlns:p14="http://schemas.microsoft.com/office/powerpoint/2010/main" val="1751883193"/>
       </p:ext>
     </p:extLst>
   </p:cSld>
@@ -7395,439 +6240,7 @@
 </p:sld>
 </file>
 
-<file path=ppt/slides/slide4.xml><?xml version="1.0" encoding="utf-8"?>
-<p:sld xmlns:a="http://schemas.openxmlformats.org/drawingml/2006/main" xmlns:r="http://schemas.openxmlformats.org/officeDocument/2006/relationships" xmlns:p="http://schemas.openxmlformats.org/presentationml/2006/main">
-  <p:cSld>
-    <p:spTree>
-      <p:nvGrpSpPr>
-        <p:cNvPr id="1" name="">
-          <a:extLst>
-            <a:ext uri="{FF2B5EF4-FFF2-40B4-BE49-F238E27FC236}">
-              <a16:creationId xmlns:a16="http://schemas.microsoft.com/office/drawing/2014/main" id="{6055F883-2850-3F57-52C2-922AEDDEF6CF}"/>
-            </a:ext>
-          </a:extLst>
-        </p:cNvPr>
-        <p:cNvGrpSpPr/>
-        <p:nvPr/>
-      </p:nvGrpSpPr>
-      <p:grpSpPr>
-        <a:xfrm>
-          <a:off x="0" y="0"/>
-          <a:ext cx="0" cy="0"/>
-          <a:chOff x="0" y="0"/>
-          <a:chExt cx="0" cy="0"/>
-        </a:xfrm>
-      </p:grpSpPr>
-      <p:sp>
-        <p:nvSpPr>
-          <p:cNvPr id="2" name="Title 1">
-            <a:extLst>
-              <a:ext uri="{FF2B5EF4-FFF2-40B4-BE49-F238E27FC236}">
-                <a16:creationId xmlns:a16="http://schemas.microsoft.com/office/drawing/2014/main" id="{B10232C8-ED69-2495-16B1-EFCA64C197E8}"/>
-              </a:ext>
-            </a:extLst>
-          </p:cNvPr>
-          <p:cNvSpPr>
-            <a:spLocks noGrp="1"/>
-          </p:cNvSpPr>
-          <p:nvPr>
-            <p:ph type="title"/>
-          </p:nvPr>
-        </p:nvSpPr>
-        <p:spPr>
-          <a:xfrm>
-            <a:off x="838200" y="266806"/>
-            <a:ext cx="4559710" cy="637762"/>
-          </a:xfrm>
-        </p:spPr>
-        <p:txBody>
-          <a:bodyPr>
-            <a:normAutofit/>
-          </a:bodyPr>
-          <a:lstStyle/>
-          <a:p>
-            <a:r>
-              <a:rPr lang="en-US" sz="3200" b="1" dirty="0"/>
-              <a:t>Installation of Python(p3)</a:t>
-            </a:r>
-            <a:endParaRPr lang="en-IN" sz="3200" b="1" dirty="0"/>
-          </a:p>
-        </p:txBody>
-      </p:sp>
-      <p:sp>
-        <p:nvSpPr>
-          <p:cNvPr id="3" name="Content Placeholder 2">
-            <a:extLst>
-              <a:ext uri="{FF2B5EF4-FFF2-40B4-BE49-F238E27FC236}">
-                <a16:creationId xmlns:a16="http://schemas.microsoft.com/office/drawing/2014/main" id="{86314DBB-8D4A-37EB-2B21-5A13F2422447}"/>
-              </a:ext>
-            </a:extLst>
-          </p:cNvPr>
-          <p:cNvSpPr>
-            <a:spLocks noGrp="1"/>
-          </p:cNvSpPr>
-          <p:nvPr>
-            <p:ph idx="1"/>
-          </p:nvPr>
-        </p:nvSpPr>
-        <p:spPr>
-          <a:xfrm>
-            <a:off x="356421" y="1933093"/>
-            <a:ext cx="3114366" cy="3086963"/>
-          </a:xfrm>
-        </p:spPr>
-        <p:txBody>
-          <a:bodyPr>
-            <a:normAutofit/>
-          </a:bodyPr>
-          <a:lstStyle/>
-          <a:p>
-            <a:pPr marL="0" indent="0">
-              <a:buNone/>
-            </a:pPr>
-            <a:r>
-              <a:rPr lang="en-US" sz="1600" dirty="0"/>
-              <a:t>3. After download is complete, double click on the downloaded file.</a:t>
-            </a:r>
-          </a:p>
-          <a:p>
-            <a:pPr marL="0" indent="0">
-              <a:buNone/>
-            </a:pPr>
-            <a:endParaRPr lang="en-US" sz="1600" dirty="0"/>
-          </a:p>
-          <a:p>
-            <a:pPr>
-              <a:buFontTx/>
-              <a:buChar char="-"/>
-            </a:pPr>
-            <a:r>
-              <a:rPr lang="en-US" sz="1600" b="1" dirty="0"/>
-              <a:t>Select the check box: Add python.exe to PATH</a:t>
-            </a:r>
-          </a:p>
-          <a:p>
-            <a:pPr>
-              <a:buFontTx/>
-              <a:buChar char="-"/>
-            </a:pPr>
-            <a:r>
-              <a:rPr lang="en-US" sz="1600" dirty="0"/>
-              <a:t>Click </a:t>
-            </a:r>
-            <a:r>
-              <a:rPr lang="en-US" sz="1600" b="1" dirty="0"/>
-              <a:t>Install Now</a:t>
-            </a:r>
-          </a:p>
-          <a:p>
-            <a:pPr>
-              <a:buFontTx/>
-              <a:buChar char="-"/>
-            </a:pPr>
-            <a:r>
-              <a:rPr lang="en-US" sz="1600" dirty="0"/>
-              <a:t>You will receive message </a:t>
-            </a:r>
-            <a:r>
-              <a:rPr lang="en-US" sz="1600" b="1" dirty="0"/>
-              <a:t>Do you want this app to make changes to your device ? </a:t>
-            </a:r>
-            <a:r>
-              <a:rPr lang="en-US" sz="1600" dirty="0"/>
-              <a:t>Answer is </a:t>
-            </a:r>
-            <a:r>
-              <a:rPr lang="en-US" sz="1600" b="1" dirty="0"/>
-              <a:t>Yes</a:t>
-            </a:r>
-          </a:p>
-          <a:p>
-            <a:pPr marL="0" indent="0">
-              <a:buNone/>
-            </a:pPr>
-            <a:endParaRPr lang="en-US" sz="1600" dirty="0"/>
-          </a:p>
-          <a:p>
-            <a:pPr marL="0" indent="0">
-              <a:buNone/>
-            </a:pPr>
-            <a:endParaRPr lang="en-IN" sz="1600" dirty="0"/>
-          </a:p>
-        </p:txBody>
-      </p:sp>
-      <p:pic>
-        <p:nvPicPr>
-          <p:cNvPr id="8" name="Picture 7">
-            <a:extLst>
-              <a:ext uri="{FF2B5EF4-FFF2-40B4-BE49-F238E27FC236}">
-                <a16:creationId xmlns:a16="http://schemas.microsoft.com/office/drawing/2014/main" id="{306253BF-080F-F698-8BB1-D1D1E2824FDD}"/>
-              </a:ext>
-            </a:extLst>
-          </p:cNvPr>
-          <p:cNvPicPr>
-            <a:picLocks noChangeAspect="1"/>
-          </p:cNvPicPr>
-          <p:nvPr/>
-        </p:nvPicPr>
-        <p:blipFill>
-          <a:blip r:embed="rId2">
-            <a:extLst>
-              <a:ext uri="{28A0092B-C50C-407E-A947-70E740481C1C}">
-                <a14:useLocalDpi xmlns:a14="http://schemas.microsoft.com/office/drawing/2010/main" val="0"/>
-              </a:ext>
-            </a:extLst>
-          </a:blip>
-          <a:stretch>
-            <a:fillRect/>
-          </a:stretch>
-        </p:blipFill>
-        <p:spPr>
-          <a:xfrm>
-            <a:off x="4296060" y="1512404"/>
-            <a:ext cx="7490213" cy="4634166"/>
-          </a:xfrm>
-          <a:prstGeom prst="rect">
-            <a:avLst/>
-          </a:prstGeom>
-        </p:spPr>
-      </p:pic>
-      <p:cxnSp>
-        <p:nvCxnSpPr>
-          <p:cNvPr id="5" name="Straight Arrow Connector 4">
-            <a:extLst>
-              <a:ext uri="{FF2B5EF4-FFF2-40B4-BE49-F238E27FC236}">
-                <a16:creationId xmlns:a16="http://schemas.microsoft.com/office/drawing/2014/main" id="{8A556399-FE55-C181-73C9-2B71A4C38713}"/>
-              </a:ext>
-            </a:extLst>
-          </p:cNvPr>
-          <p:cNvCxnSpPr>
-            <a:cxnSpLocks/>
-          </p:cNvCxnSpPr>
-          <p:nvPr/>
-        </p:nvCxnSpPr>
-        <p:spPr>
-          <a:xfrm>
-            <a:off x="2916936" y="3328416"/>
-            <a:ext cx="3392424" cy="2432304"/>
-          </a:xfrm>
-          <a:prstGeom prst="straightConnector1">
-            <a:avLst/>
-          </a:prstGeom>
-          <a:ln>
-            <a:tailEnd type="triangle"/>
-          </a:ln>
-        </p:spPr>
-        <p:style>
-          <a:lnRef idx="3">
-            <a:schemeClr val="accent2"/>
-          </a:lnRef>
-          <a:fillRef idx="0">
-            <a:schemeClr val="accent2"/>
-          </a:fillRef>
-          <a:effectRef idx="2">
-            <a:schemeClr val="accent2"/>
-          </a:effectRef>
-          <a:fontRef idx="minor">
-            <a:schemeClr val="tx1"/>
-          </a:fontRef>
-        </p:style>
-      </p:cxnSp>
-    </p:spTree>
-    <p:extLst>
-      <p:ext uri="{BB962C8B-B14F-4D97-AF65-F5344CB8AC3E}">
-        <p14:creationId xmlns:p14="http://schemas.microsoft.com/office/powerpoint/2010/main" val="2558433687"/>
-      </p:ext>
-    </p:extLst>
-  </p:cSld>
-  <p:clrMapOvr>
-    <a:masterClrMapping/>
-  </p:clrMapOvr>
-</p:sld>
-</file>
-
-<file path=ppt/slides/slide5.xml><?xml version="1.0" encoding="utf-8"?>
-<p:sld xmlns:a="http://schemas.openxmlformats.org/drawingml/2006/main" xmlns:r="http://schemas.openxmlformats.org/officeDocument/2006/relationships" xmlns:p="http://schemas.openxmlformats.org/presentationml/2006/main">
-  <p:cSld>
-    <p:spTree>
-      <p:nvGrpSpPr>
-        <p:cNvPr id="1" name="">
-          <a:extLst>
-            <a:ext uri="{FF2B5EF4-FFF2-40B4-BE49-F238E27FC236}">
-              <a16:creationId xmlns:a16="http://schemas.microsoft.com/office/drawing/2014/main" id="{FF5B697C-3750-02F5-DC2C-D33BABFAAF8A}"/>
-            </a:ext>
-          </a:extLst>
-        </p:cNvPr>
-        <p:cNvGrpSpPr/>
-        <p:nvPr/>
-      </p:nvGrpSpPr>
-      <p:grpSpPr>
-        <a:xfrm>
-          <a:off x="0" y="0"/>
-          <a:ext cx="0" cy="0"/>
-          <a:chOff x="0" y="0"/>
-          <a:chExt cx="0" cy="0"/>
-        </a:xfrm>
-      </p:grpSpPr>
-      <p:sp>
-        <p:nvSpPr>
-          <p:cNvPr id="2" name="Title 1">
-            <a:extLst>
-              <a:ext uri="{FF2B5EF4-FFF2-40B4-BE49-F238E27FC236}">
-                <a16:creationId xmlns:a16="http://schemas.microsoft.com/office/drawing/2014/main" id="{D5FCEC4B-0192-55D4-F539-F18960CF766E}"/>
-              </a:ext>
-            </a:extLst>
-          </p:cNvPr>
-          <p:cNvSpPr>
-            <a:spLocks noGrp="1"/>
-          </p:cNvSpPr>
-          <p:nvPr>
-            <p:ph type="title"/>
-          </p:nvPr>
-        </p:nvSpPr>
-        <p:spPr>
-          <a:xfrm>
-            <a:off x="838200" y="266806"/>
-            <a:ext cx="4559710" cy="637762"/>
-          </a:xfrm>
-        </p:spPr>
-        <p:txBody>
-          <a:bodyPr>
-            <a:normAutofit/>
-          </a:bodyPr>
-          <a:lstStyle/>
-          <a:p>
-            <a:r>
-              <a:rPr lang="en-US" sz="3200" b="1" dirty="0"/>
-              <a:t>Installation of Python(p4)</a:t>
-            </a:r>
-            <a:endParaRPr lang="en-IN" sz="3200" b="1" dirty="0"/>
-          </a:p>
-        </p:txBody>
-      </p:sp>
-      <p:sp>
-        <p:nvSpPr>
-          <p:cNvPr id="3" name="Content Placeholder 2">
-            <a:extLst>
-              <a:ext uri="{FF2B5EF4-FFF2-40B4-BE49-F238E27FC236}">
-                <a16:creationId xmlns:a16="http://schemas.microsoft.com/office/drawing/2014/main" id="{9F3559BF-98B9-209C-0318-4BE440F6969F}"/>
-              </a:ext>
-            </a:extLst>
-          </p:cNvPr>
-          <p:cNvSpPr>
-            <a:spLocks noGrp="1"/>
-          </p:cNvSpPr>
-          <p:nvPr>
-            <p:ph idx="1"/>
-          </p:nvPr>
-        </p:nvSpPr>
-        <p:spPr>
-          <a:xfrm>
-            <a:off x="356421" y="1009549"/>
-            <a:ext cx="3114366" cy="4634167"/>
-          </a:xfrm>
-        </p:spPr>
-        <p:txBody>
-          <a:bodyPr>
-            <a:normAutofit/>
-          </a:bodyPr>
-          <a:lstStyle/>
-          <a:p>
-            <a:pPr marL="0" indent="0">
-              <a:buNone/>
-            </a:pPr>
-            <a:r>
-              <a:rPr lang="en-US" sz="1600" dirty="0"/>
-              <a:t>4. After successful installation you will see following screen.</a:t>
-            </a:r>
-          </a:p>
-          <a:p>
-            <a:pPr marL="0" indent="0">
-              <a:buNone/>
-            </a:pPr>
-            <a:endParaRPr lang="en-US" sz="1600" b="1" dirty="0"/>
-          </a:p>
-          <a:p>
-            <a:pPr marL="0" indent="0">
-              <a:buNone/>
-            </a:pPr>
-            <a:r>
-              <a:rPr lang="en-US" sz="1600" dirty="0"/>
-              <a:t>You can click on </a:t>
-            </a:r>
-            <a:r>
-              <a:rPr lang="en-US" sz="1600" b="1" dirty="0"/>
-              <a:t>online tutorial</a:t>
-            </a:r>
-            <a:r>
-              <a:rPr lang="en-US" sz="1600" dirty="0"/>
-              <a:t> to explore</a:t>
-            </a:r>
-          </a:p>
-          <a:p>
-            <a:pPr marL="0" indent="0">
-              <a:buNone/>
-            </a:pPr>
-            <a:endParaRPr lang="en-US" sz="1600" dirty="0"/>
-          </a:p>
-          <a:p>
-            <a:pPr marL="0" indent="0">
-              <a:buNone/>
-            </a:pPr>
-            <a:endParaRPr lang="en-IN" sz="1600" dirty="0"/>
-          </a:p>
-        </p:txBody>
-      </p:sp>
-      <p:pic>
-        <p:nvPicPr>
-          <p:cNvPr id="5" name="Picture 4">
-            <a:extLst>
-              <a:ext uri="{FF2B5EF4-FFF2-40B4-BE49-F238E27FC236}">
-                <a16:creationId xmlns:a16="http://schemas.microsoft.com/office/drawing/2014/main" id="{48CB8FDD-3084-52AC-8263-22A49096787B}"/>
-              </a:ext>
-            </a:extLst>
-          </p:cNvPr>
-          <p:cNvPicPr>
-            <a:picLocks noChangeAspect="1"/>
-          </p:cNvPicPr>
-          <p:nvPr/>
-        </p:nvPicPr>
-        <p:blipFill>
-          <a:blip r:embed="rId2">
-            <a:extLst>
-              <a:ext uri="{28A0092B-C50C-407E-A947-70E740481C1C}">
-                <a14:useLocalDpi xmlns:a14="http://schemas.microsoft.com/office/drawing/2010/main" val="0"/>
-              </a:ext>
-            </a:extLst>
-          </a:blip>
-          <a:stretch>
-            <a:fillRect/>
-          </a:stretch>
-        </p:blipFill>
-        <p:spPr>
-          <a:xfrm>
-            <a:off x="4148929" y="1251858"/>
-            <a:ext cx="7669481" cy="4839414"/>
-          </a:xfrm>
-          <a:prstGeom prst="rect">
-            <a:avLst/>
-          </a:prstGeom>
-        </p:spPr>
-      </p:pic>
-    </p:spTree>
-    <p:extLst>
-      <p:ext uri="{BB962C8B-B14F-4D97-AF65-F5344CB8AC3E}">
-        <p14:creationId xmlns:p14="http://schemas.microsoft.com/office/powerpoint/2010/main" val="3552840239"/>
-      </p:ext>
-    </p:extLst>
-  </p:cSld>
-  <p:clrMapOvr>
-    <a:masterClrMapping/>
-  </p:clrMapOvr>
-</p:sld>
-</file>
-
-<file path=ppt/slides/slide6.xml><?xml version="1.0" encoding="utf-8"?>
+<file path=ppt/slides/slide8.xml><?xml version="1.0" encoding="utf-8"?>
 <p:sld xmlns:a="http://schemas.openxmlformats.org/drawingml/2006/main" xmlns:r="http://schemas.openxmlformats.org/officeDocument/2006/relationships" xmlns:p="http://schemas.openxmlformats.org/presentationml/2006/main">
   <p:cSld>
     <p:spTree>
@@ -7846,13 +6259,7 @@
       </p:grpSpPr>
       <p:sp>
         <p:nvSpPr>
-          <p:cNvPr id="2" name="Title 1">
-            <a:extLst>
-              <a:ext uri="{FF2B5EF4-FFF2-40B4-BE49-F238E27FC236}">
-                <a16:creationId xmlns:a16="http://schemas.microsoft.com/office/drawing/2014/main" id="{B1CDC316-F32B-63E4-5E8A-D4540A9D5A0B}"/>
-              </a:ext>
-            </a:extLst>
-          </p:cNvPr>
+          <p:cNvPr id="2" name="Title 1"/>
           <p:cNvSpPr>
             <a:spLocks noGrp="1"/>
           </p:cNvSpPr>
@@ -7862,8 +6269,8 @@
         </p:nvSpPr>
         <p:spPr>
           <a:xfrm>
-            <a:off x="838200" y="2715133"/>
-            <a:ext cx="10515600" cy="1325563"/>
+            <a:off x="376560" y="45528"/>
+            <a:ext cx="4257583" cy="602541"/>
           </a:xfrm>
         </p:spPr>
         <p:txBody>
@@ -7872,18 +6279,116 @@
           </a:bodyPr>
           <a:lstStyle/>
           <a:p>
-            <a:pPr algn="ctr"/>
-            <a:r>
-              <a:rPr lang="en-US" sz="7200" b="1" dirty="0"/>
-              <a:t>VSCODE INSTALL</a:t>
-            </a:r>
-          </a:p>
-        </p:txBody>
-      </p:sp>
+            <a:r>
+              <a:rPr lang="en-US" sz="2800" dirty="0"/>
+              <a:t>Anaconda</a:t>
+            </a:r>
+            <a:r>
+              <a:rPr lang="en-US" sz="2800" dirty="0">
+                <a:sym typeface="Wingdings" panose="05000000000000000000" pitchFamily="2" charset="2"/>
+              </a:rPr>
+              <a:t>(p2)</a:t>
+            </a:r>
+            <a:endParaRPr lang="en-US" sz="2800" dirty="0"/>
+          </a:p>
+        </p:txBody>
+      </p:sp>
+      <p:pic>
+        <p:nvPicPr>
+          <p:cNvPr id="4" name="Picture 3"/>
+          <p:cNvPicPr>
+            <a:picLocks noChangeAspect="1"/>
+          </p:cNvPicPr>
+          <p:nvPr/>
+        </p:nvPicPr>
+        <p:blipFill>
+          <a:blip r:embed="rId2">
+            <a:extLst>
+              <a:ext uri="{28A0092B-C50C-407E-A947-70E740481C1C}">
+                <a14:useLocalDpi xmlns:a14="http://schemas.microsoft.com/office/drawing/2010/main" val="0"/>
+              </a:ext>
+            </a:extLst>
+          </a:blip>
+          <a:stretch>
+            <a:fillRect/>
+          </a:stretch>
+        </p:blipFill>
+        <p:spPr>
+          <a:xfrm>
+            <a:off x="1984003" y="1346196"/>
+            <a:ext cx="8673795" cy="4678179"/>
+          </a:xfrm>
+          <a:prstGeom prst="rect">
+            <a:avLst/>
+          </a:prstGeom>
+        </p:spPr>
+      </p:pic>
+      <p:sp>
+        <p:nvSpPr>
+          <p:cNvPr id="5" name="TextBox 4"/>
+          <p:cNvSpPr txBox="1"/>
+          <p:nvPr/>
+        </p:nvSpPr>
+        <p:spPr>
+          <a:xfrm>
+            <a:off x="5397621" y="6401385"/>
+            <a:ext cx="3517694" cy="369332"/>
+          </a:xfrm>
+          <a:prstGeom prst="rect">
+            <a:avLst/>
+          </a:prstGeom>
+          <a:noFill/>
+        </p:spPr>
+        <p:txBody>
+          <a:bodyPr wrap="none" rtlCol="0">
+            <a:spAutoFit/>
+          </a:bodyPr>
+          <a:lstStyle/>
+          <a:p>
+            <a:r>
+              <a:rPr lang="en-US" dirty="0"/>
+              <a:t>Step2: Click here…skip registration</a:t>
+            </a:r>
+          </a:p>
+        </p:txBody>
+      </p:sp>
+      <p:cxnSp>
+        <p:nvCxnSpPr>
+          <p:cNvPr id="8" name="Straight Arrow Connector 7"/>
+          <p:cNvCxnSpPr/>
+          <p:nvPr/>
+        </p:nvCxnSpPr>
+        <p:spPr>
+          <a:xfrm flipV="1">
+            <a:off x="6853561" y="4980373"/>
+            <a:ext cx="870012" cy="1349406"/>
+          </a:xfrm>
+          <a:prstGeom prst="straightConnector1">
+            <a:avLst/>
+          </a:prstGeom>
+          <a:ln>
+            <a:tailEnd type="triangle"/>
+          </a:ln>
+        </p:spPr>
+        <p:style>
+          <a:lnRef idx="1">
+            <a:schemeClr val="accent1"/>
+          </a:lnRef>
+          <a:fillRef idx="0">
+            <a:schemeClr val="accent1"/>
+          </a:fillRef>
+          <a:effectRef idx="0">
+            <a:schemeClr val="accent1"/>
+          </a:effectRef>
+          <a:fontRef idx="minor">
+            <a:schemeClr val="tx1"/>
+          </a:fontRef>
+        </p:style>
+      </p:cxnSp>
     </p:spTree>
     <p:extLst>
       <p:ext uri="{BB962C8B-B14F-4D97-AF65-F5344CB8AC3E}">
-        <p14:creationId xmlns:p14="http://schemas.microsoft.com/office/powerpoint/2010/main" val="2920785960"/>
+        <p14:creationId xmlns:p14="http://schemas.microsoft.com/office/powerpoint/2010/main" val="2776308636"/>
       </p:ext>
     </p:extLst>
   </p:cSld>
@@ -7893,7 +6398,7 @@
 </p:sld>
 </file>
 
-<file path=ppt/slides/slide7.xml><?xml version="1.0" encoding="utf-8"?>
+<file path=ppt/slides/slide9.xml><?xml version="1.0" encoding="utf-8"?>
 <p:sld xmlns:a="http://schemas.openxmlformats.org/drawingml/2006/main" xmlns:r="http://schemas.openxmlformats.org/officeDocument/2006/relationships" xmlns:p="http://schemas.openxmlformats.org/presentationml/2006/main">
   <p:cSld>
     <p:spTree>
@@ -7912,13 +6417,7 @@
       </p:grpSpPr>
       <p:sp>
         <p:nvSpPr>
-          <p:cNvPr id="2" name="Title 1">
-            <a:extLst>
-              <a:ext uri="{FF2B5EF4-FFF2-40B4-BE49-F238E27FC236}">
-                <a16:creationId xmlns:a16="http://schemas.microsoft.com/office/drawing/2014/main" id="{50F71500-2090-4BD0-84D8-90AD88385C25}"/>
-              </a:ext>
-            </a:extLst>
-          </p:cNvPr>
+          <p:cNvPr id="2" name="Title 1"/>
           <p:cNvSpPr>
             <a:spLocks noGrp="1"/>
           </p:cNvSpPr>
@@ -7928,152 +6427,40 @@
         </p:nvSpPr>
         <p:spPr>
           <a:xfrm>
-            <a:off x="838200" y="197981"/>
-            <a:ext cx="10515600" cy="618101"/>
+            <a:off x="376560" y="45528"/>
+            <a:ext cx="4257583" cy="602541"/>
           </a:xfrm>
         </p:spPr>
         <p:txBody>
           <a:bodyPr>
-            <a:normAutofit fontScale="90000"/>
+            <a:normAutofit/>
           </a:bodyPr>
           <a:lstStyle/>
           <a:p>
             <a:r>
-              <a:rPr lang="en-US" dirty="0"/>
-              <a:t>Installation of </a:t>
-            </a:r>
-            <a:r>
-              <a:rPr lang="en-US" dirty="0" err="1"/>
-              <a:t>VSCode</a:t>
-            </a:r>
-            <a:r>
-              <a:rPr lang="en-US" dirty="0"/>
-              <a:t>(p1)</a:t>
-            </a:r>
-            <a:endParaRPr lang="en-IN" dirty="0"/>
-          </a:p>
-        </p:txBody>
-      </p:sp>
-      <p:sp>
-        <p:nvSpPr>
-          <p:cNvPr id="3" name="Content Placeholder 2">
-            <a:extLst>
-              <a:ext uri="{FF2B5EF4-FFF2-40B4-BE49-F238E27FC236}">
-                <a16:creationId xmlns:a16="http://schemas.microsoft.com/office/drawing/2014/main" id="{F65D4E10-291F-3C1D-4C29-DBD4EA36530D}"/>
-              </a:ext>
-            </a:extLst>
-          </p:cNvPr>
-          <p:cNvSpPr>
-            <a:spLocks noGrp="1"/>
-          </p:cNvSpPr>
-          <p:nvPr>
-            <p:ph idx="1"/>
-          </p:nvPr>
-        </p:nvSpPr>
-        <p:spPr>
-          <a:xfrm>
-            <a:off x="216310" y="980051"/>
-            <a:ext cx="4817806" cy="1507510"/>
-          </a:xfrm>
-        </p:spPr>
-        <p:txBody>
-          <a:bodyPr>
-            <a:normAutofit fontScale="92500" lnSpcReduction="20000"/>
-          </a:bodyPr>
-          <a:lstStyle/>
-          <a:p>
-            <a:pPr marL="0" indent="0">
-              <a:buNone/>
-            </a:pPr>
-            <a:r>
-              <a:rPr lang="en-IN" sz="1600" dirty="0"/>
-              <a:t>First we install </a:t>
-            </a:r>
-            <a:r>
-              <a:rPr lang="en-IN" sz="1600" dirty="0" err="1"/>
-              <a:t>VSCode</a:t>
-            </a:r>
-            <a:r>
-              <a:rPr lang="en-IN" sz="1600" dirty="0"/>
-              <a:t>: </a:t>
-            </a:r>
-            <a:r>
-              <a:rPr lang="en-IN" sz="1600" dirty="0">
-                <a:hlinkClick r:id="rId2"/>
+              <a:rPr lang="en-US" sz="2800" dirty="0"/>
+              <a:t>Anaconda</a:t>
+            </a:r>
+            <a:r>
+              <a:rPr lang="en-US" sz="2800" dirty="0">
+                <a:sym typeface="Wingdings" panose="05000000000000000000" pitchFamily="2" charset="2"/>
               </a:rPr>
-              <a:t>https://code.visualstudio.com/download</a:t>
-            </a:r>
-            <a:endParaRPr lang="en-IN" sz="1600" dirty="0"/>
-          </a:p>
-          <a:p>
-            <a:pPr marL="0" indent="0">
-              <a:buNone/>
-            </a:pPr>
-            <a:r>
-              <a:rPr lang="en-IN" sz="1600" dirty="0"/>
-              <a:t>1. Click on </a:t>
-            </a:r>
-            <a:r>
-              <a:rPr lang="en-IN" sz="1600" b="1" dirty="0"/>
-              <a:t>Download for windows.</a:t>
-            </a:r>
-            <a:r>
-              <a:rPr lang="en-IN" sz="1600" dirty="0"/>
-              <a:t> This would install </a:t>
-            </a:r>
-            <a:r>
-              <a:rPr lang="en-IN" sz="1600" dirty="0" err="1"/>
-              <a:t>Vscode</a:t>
-            </a:r>
-            <a:r>
-              <a:rPr lang="en-IN" sz="1600" dirty="0"/>
-              <a:t> that is approx. 100MB in size. Double click on this downloaded file. </a:t>
-            </a:r>
-          </a:p>
-          <a:p>
-            <a:pPr marL="0" indent="0">
-              <a:buNone/>
-            </a:pPr>
-            <a:r>
-              <a:rPr lang="en-IN" sz="1600" dirty="0"/>
-              <a:t>2. You will see a message that is displayed on RHS. Select </a:t>
-            </a:r>
-            <a:r>
-              <a:rPr lang="en-IN" sz="1600" b="1" dirty="0"/>
-              <a:t>I accept the agreement</a:t>
-            </a:r>
-            <a:r>
-              <a:rPr lang="en-IN" sz="1600" dirty="0"/>
-              <a:t> and then click </a:t>
-            </a:r>
-            <a:r>
-              <a:rPr lang="en-IN" sz="1600" b="1" dirty="0"/>
-              <a:t>Next</a:t>
-            </a:r>
-            <a:r>
-              <a:rPr lang="en-IN" sz="1600" dirty="0"/>
-              <a:t> </a:t>
-            </a:r>
-            <a:endParaRPr lang="en-IN" sz="1600" b="1" dirty="0"/>
+              <a:t>(p3)</a:t>
+            </a:r>
+            <a:endParaRPr lang="en-US" sz="2800" dirty="0"/>
           </a:p>
         </p:txBody>
       </p:sp>
       <p:pic>
         <p:nvPicPr>
-          <p:cNvPr id="5" name="Picture 4">
-            <a:extLst>
-              <a:ext uri="{FF2B5EF4-FFF2-40B4-BE49-F238E27FC236}">
-                <a16:creationId xmlns:a16="http://schemas.microsoft.com/office/drawing/2014/main" id="{DDD8DBAC-4DF3-D5B2-A8BB-D944489F974A}"/>
-              </a:ext>
-            </a:extLst>
-          </p:cNvPr>
+          <p:cNvPr id="4" name="Picture 3"/>
           <p:cNvPicPr>
             <a:picLocks noChangeAspect="1"/>
           </p:cNvPicPr>
           <p:nvPr/>
         </p:nvPicPr>
         <p:blipFill>
-          <a:blip r:embed="rId3">
+          <a:blip r:embed="rId2">
             <a:extLst>
               <a:ext uri="{28A0092B-C50C-407E-A947-70E740481C1C}">
                 <a14:useLocalDpi xmlns:a14="http://schemas.microsoft.com/office/drawing/2010/main" val="0"/>
@@ -8086,334 +6473,80 @@
         </p:blipFill>
         <p:spPr>
           <a:xfrm>
-            <a:off x="5492591" y="1130710"/>
-            <a:ext cx="6227332" cy="5038238"/>
+            <a:off x="2484511" y="1346196"/>
+            <a:ext cx="7672779" cy="4678179"/>
           </a:xfrm>
           <a:prstGeom prst="rect">
             <a:avLst/>
           </a:prstGeom>
         </p:spPr>
       </p:pic>
-    </p:spTree>
-    <p:extLst>
-      <p:ext uri="{BB962C8B-B14F-4D97-AF65-F5344CB8AC3E}">
-        <p14:creationId xmlns:p14="http://schemas.microsoft.com/office/powerpoint/2010/main" val="4178758373"/>
-      </p:ext>
-    </p:extLst>
-  </p:cSld>
-  <p:clrMapOvr>
-    <a:masterClrMapping/>
-  </p:clrMapOvr>
-</p:sld>
-</file>
-
-<file path=ppt/slides/slide8.xml><?xml version="1.0" encoding="utf-8"?>
-<p:sld xmlns:a="http://schemas.openxmlformats.org/drawingml/2006/main" xmlns:r="http://schemas.openxmlformats.org/officeDocument/2006/relationships" xmlns:p="http://schemas.openxmlformats.org/presentationml/2006/main">
-  <p:cSld>
-    <p:spTree>
-      <p:nvGrpSpPr>
-        <p:cNvPr id="1" name="">
-          <a:extLst>
-            <a:ext uri="{FF2B5EF4-FFF2-40B4-BE49-F238E27FC236}">
-              <a16:creationId xmlns:a16="http://schemas.microsoft.com/office/drawing/2014/main" id="{1CA9CDB2-B77C-F024-C467-3D7E48AF6778}"/>
-            </a:ext>
-          </a:extLst>
-        </p:cNvPr>
-        <p:cNvGrpSpPr/>
-        <p:nvPr/>
-      </p:nvGrpSpPr>
-      <p:grpSpPr>
-        <a:xfrm>
-          <a:off x="0" y="0"/>
-          <a:ext cx="0" cy="0"/>
-          <a:chOff x="0" y="0"/>
-          <a:chExt cx="0" cy="0"/>
-        </a:xfrm>
-      </p:grpSpPr>
-      <p:sp>
-        <p:nvSpPr>
-          <p:cNvPr id="2" name="Title 1">
-            <a:extLst>
-              <a:ext uri="{FF2B5EF4-FFF2-40B4-BE49-F238E27FC236}">
-                <a16:creationId xmlns:a16="http://schemas.microsoft.com/office/drawing/2014/main" id="{2FC71C1D-1DA9-5ED8-18E7-1F40508D3110}"/>
-              </a:ext>
-            </a:extLst>
-          </p:cNvPr>
-          <p:cNvSpPr>
-            <a:spLocks noGrp="1"/>
-          </p:cNvSpPr>
-          <p:nvPr>
-            <p:ph type="title"/>
-          </p:nvPr>
+      <p:sp>
+        <p:nvSpPr>
+          <p:cNvPr id="5" name="TextBox 4"/>
+          <p:cNvSpPr txBox="1"/>
+          <p:nvPr/>
         </p:nvSpPr>
         <p:spPr>
           <a:xfrm>
-            <a:off x="838200" y="197981"/>
-            <a:ext cx="10515600" cy="618101"/>
-          </a:xfrm>
-        </p:spPr>
-        <p:txBody>
-          <a:bodyPr>
-            <a:normAutofit fontScale="90000"/>
-          </a:bodyPr>
-          <a:lstStyle/>
-          <a:p>
-            <a:r>
-              <a:rPr lang="en-US" dirty="0"/>
-              <a:t>Installation of </a:t>
-            </a:r>
-            <a:r>
-              <a:rPr lang="en-US" dirty="0" err="1"/>
-              <a:t>VSCode</a:t>
-            </a:r>
-            <a:r>
-              <a:rPr lang="en-US" dirty="0"/>
-              <a:t>(p2)</a:t>
-            </a:r>
-            <a:endParaRPr lang="en-IN" dirty="0"/>
-          </a:p>
-        </p:txBody>
-      </p:sp>
-      <p:sp>
-        <p:nvSpPr>
-          <p:cNvPr id="3" name="Content Placeholder 2">
-            <a:extLst>
-              <a:ext uri="{FF2B5EF4-FFF2-40B4-BE49-F238E27FC236}">
-                <a16:creationId xmlns:a16="http://schemas.microsoft.com/office/drawing/2014/main" id="{35DBA3FA-1ED7-553A-D2A9-A2138E0C0168}"/>
-              </a:ext>
-            </a:extLst>
-          </p:cNvPr>
-          <p:cNvSpPr>
-            <a:spLocks noGrp="1"/>
-          </p:cNvSpPr>
-          <p:nvPr>
-            <p:ph idx="1"/>
-          </p:nvPr>
-        </p:nvSpPr>
-        <p:spPr>
-          <a:xfrm>
-            <a:off x="216310" y="980051"/>
-            <a:ext cx="4817806" cy="1507510"/>
-          </a:xfrm>
-        </p:spPr>
-        <p:txBody>
-          <a:bodyPr>
-            <a:normAutofit/>
-          </a:bodyPr>
-          <a:lstStyle/>
-          <a:p>
-            <a:pPr marL="0" indent="0">
-              <a:buNone/>
-            </a:pPr>
-            <a:r>
-              <a:rPr lang="en-IN" sz="1600" dirty="0"/>
-              <a:t>3. Make sure you select following displayed select-box. Click </a:t>
-            </a:r>
-            <a:r>
-              <a:rPr lang="en-IN" sz="1600" b="1" dirty="0"/>
-              <a:t>Next</a:t>
-            </a:r>
-          </a:p>
-        </p:txBody>
-      </p:sp>
-      <p:pic>
-        <p:nvPicPr>
-          <p:cNvPr id="6" name="Picture 5">
-            <a:extLst>
-              <a:ext uri="{FF2B5EF4-FFF2-40B4-BE49-F238E27FC236}">
-                <a16:creationId xmlns:a16="http://schemas.microsoft.com/office/drawing/2014/main" id="{4928C916-4172-8E0C-FDC1-7DBB7D78342B}"/>
-              </a:ext>
-            </a:extLst>
-          </p:cNvPr>
-          <p:cNvPicPr>
-            <a:picLocks noChangeAspect="1"/>
-          </p:cNvPicPr>
-          <p:nvPr/>
-        </p:nvPicPr>
-        <p:blipFill>
-          <a:blip r:embed="rId2">
-            <a:extLst>
-              <a:ext uri="{28A0092B-C50C-407E-A947-70E740481C1C}">
-                <a14:useLocalDpi xmlns:a14="http://schemas.microsoft.com/office/drawing/2010/main" val="0"/>
-              </a:ext>
-            </a:extLst>
-          </a:blip>
-          <a:stretch>
-            <a:fillRect/>
-          </a:stretch>
-        </p:blipFill>
-        <p:spPr>
-          <a:xfrm>
-            <a:off x="5262052" y="973574"/>
-            <a:ext cx="6554221" cy="5378065"/>
+            <a:off x="5397621" y="6401385"/>
+            <a:ext cx="6524222" cy="369332"/>
           </a:xfrm>
           <a:prstGeom prst="rect">
             <a:avLst/>
           </a:prstGeom>
+          <a:noFill/>
         </p:spPr>
-      </p:pic>
+        <p:txBody>
+          <a:bodyPr wrap="none" rtlCol="0">
+            <a:spAutoFit/>
+          </a:bodyPr>
+          <a:lstStyle/>
+          <a:p>
+            <a:r>
+              <a:rPr lang="en-US" dirty="0"/>
+              <a:t>Step3: Click here…download. It took me 3 minutes. File size=950MB</a:t>
+            </a:r>
+          </a:p>
+        </p:txBody>
+      </p:sp>
+      <p:cxnSp>
+        <p:nvCxnSpPr>
+          <p:cNvPr id="8" name="Straight Arrow Connector 7"/>
+          <p:cNvCxnSpPr/>
+          <p:nvPr/>
+        </p:nvCxnSpPr>
+        <p:spPr>
+          <a:xfrm flipH="1" flipV="1">
+            <a:off x="4003829" y="4394447"/>
+            <a:ext cx="1997476" cy="2006938"/>
+          </a:xfrm>
+          <a:prstGeom prst="straightConnector1">
+            <a:avLst/>
+          </a:prstGeom>
+          <a:ln>
+            <a:tailEnd type="triangle"/>
+          </a:ln>
+        </p:spPr>
+        <p:style>
+          <a:lnRef idx="1">
+            <a:schemeClr val="accent1"/>
+          </a:lnRef>
+          <a:fillRef idx="0">
+            <a:schemeClr val="accent1"/>
+          </a:fillRef>
+          <a:effectRef idx="0">
+            <a:schemeClr val="accent1"/>
+          </a:effectRef>
+          <a:fontRef idx="minor">
+            <a:schemeClr val="tx1"/>
+          </a:fontRef>
+        </p:style>
+      </p:cxnSp>
     </p:spTree>
     <p:extLst>
       <p:ext uri="{BB962C8B-B14F-4D97-AF65-F5344CB8AC3E}">
-        <p14:creationId xmlns:p14="http://schemas.microsoft.com/office/powerpoint/2010/main" val="67882128"/>
-      </p:ext>
-    </p:extLst>
-  </p:cSld>
-  <p:clrMapOvr>
-    <a:masterClrMapping/>
-  </p:clrMapOvr>
-</p:sld>
-</file>
-
-<file path=ppt/slides/slide9.xml><?xml version="1.0" encoding="utf-8"?>
-<p:sld xmlns:a="http://schemas.openxmlformats.org/drawingml/2006/main" xmlns:r="http://schemas.openxmlformats.org/officeDocument/2006/relationships" xmlns:p="http://schemas.openxmlformats.org/presentationml/2006/main">
-  <p:cSld>
-    <p:spTree>
-      <p:nvGrpSpPr>
-        <p:cNvPr id="1" name="">
-          <a:extLst>
-            <a:ext uri="{FF2B5EF4-FFF2-40B4-BE49-F238E27FC236}">
-              <a16:creationId xmlns:a16="http://schemas.microsoft.com/office/drawing/2014/main" id="{23208DF6-1E03-0B2C-2693-9745D68F21E5}"/>
-            </a:ext>
-          </a:extLst>
-        </p:cNvPr>
-        <p:cNvGrpSpPr/>
-        <p:nvPr/>
-      </p:nvGrpSpPr>
-      <p:grpSpPr>
-        <a:xfrm>
-          <a:off x="0" y="0"/>
-          <a:ext cx="0" cy="0"/>
-          <a:chOff x="0" y="0"/>
-          <a:chExt cx="0" cy="0"/>
-        </a:xfrm>
-      </p:grpSpPr>
-      <p:sp>
-        <p:nvSpPr>
-          <p:cNvPr id="2" name="Title 1">
-            <a:extLst>
-              <a:ext uri="{FF2B5EF4-FFF2-40B4-BE49-F238E27FC236}">
-                <a16:creationId xmlns:a16="http://schemas.microsoft.com/office/drawing/2014/main" id="{FC46F192-24F1-6BE6-3FDC-CF5F73B64F62}"/>
-              </a:ext>
-            </a:extLst>
-          </p:cNvPr>
-          <p:cNvSpPr>
-            <a:spLocks noGrp="1"/>
-          </p:cNvSpPr>
-          <p:nvPr>
-            <p:ph type="title"/>
-          </p:nvPr>
-        </p:nvSpPr>
-        <p:spPr>
-          <a:xfrm>
-            <a:off x="838200" y="197981"/>
-            <a:ext cx="10515600" cy="618101"/>
-          </a:xfrm>
-        </p:spPr>
-        <p:txBody>
-          <a:bodyPr>
-            <a:normAutofit fontScale="90000"/>
-          </a:bodyPr>
-          <a:lstStyle/>
-          <a:p>
-            <a:r>
-              <a:rPr lang="en-US" dirty="0"/>
-              <a:t>Installation of </a:t>
-            </a:r>
-            <a:r>
-              <a:rPr lang="en-US" dirty="0" err="1"/>
-              <a:t>VSCode</a:t>
-            </a:r>
-            <a:r>
-              <a:rPr lang="en-US" dirty="0"/>
-              <a:t>(p3)</a:t>
-            </a:r>
-            <a:endParaRPr lang="en-IN" dirty="0"/>
-          </a:p>
-        </p:txBody>
-      </p:sp>
-      <p:sp>
-        <p:nvSpPr>
-          <p:cNvPr id="3" name="Content Placeholder 2">
-            <a:extLst>
-              <a:ext uri="{FF2B5EF4-FFF2-40B4-BE49-F238E27FC236}">
-                <a16:creationId xmlns:a16="http://schemas.microsoft.com/office/drawing/2014/main" id="{4CDB4C9B-B553-63B1-0CEB-934A3C44B6B1}"/>
-              </a:ext>
-            </a:extLst>
-          </p:cNvPr>
-          <p:cNvSpPr>
-            <a:spLocks noGrp="1"/>
-          </p:cNvSpPr>
-          <p:nvPr>
-            <p:ph idx="1"/>
-          </p:nvPr>
-        </p:nvSpPr>
-        <p:spPr>
-          <a:xfrm>
-            <a:off x="216310" y="980051"/>
-            <a:ext cx="4817806" cy="1507510"/>
-          </a:xfrm>
-        </p:spPr>
-        <p:txBody>
-          <a:bodyPr>
-            <a:normAutofit/>
-          </a:bodyPr>
-          <a:lstStyle/>
-          <a:p>
-            <a:pPr marL="0" indent="0">
-              <a:buNone/>
-            </a:pPr>
-            <a:r>
-              <a:rPr lang="en-IN" sz="1600" dirty="0"/>
-              <a:t>4. Now you would see following screen. Click </a:t>
-            </a:r>
-            <a:r>
-              <a:rPr lang="en-IN" sz="1600" b="1" dirty="0"/>
-              <a:t>Install</a:t>
-            </a:r>
-          </a:p>
-        </p:txBody>
-      </p:sp>
-      <p:pic>
-        <p:nvPicPr>
-          <p:cNvPr id="5" name="Picture 4">
-            <a:extLst>
-              <a:ext uri="{FF2B5EF4-FFF2-40B4-BE49-F238E27FC236}">
-                <a16:creationId xmlns:a16="http://schemas.microsoft.com/office/drawing/2014/main" id="{10EA31FD-5EA7-AAE7-8E85-3BA50D6586AF}"/>
-              </a:ext>
-            </a:extLst>
-          </p:cNvPr>
-          <p:cNvPicPr>
-            <a:picLocks noChangeAspect="1"/>
-          </p:cNvPicPr>
-          <p:nvPr/>
-        </p:nvPicPr>
-        <p:blipFill>
-          <a:blip r:embed="rId2">
-            <a:extLst>
-              <a:ext uri="{28A0092B-C50C-407E-A947-70E740481C1C}">
-                <a14:useLocalDpi xmlns:a14="http://schemas.microsoft.com/office/drawing/2010/main" val="0"/>
-              </a:ext>
-            </a:extLst>
-          </a:blip>
-          <a:stretch>
-            <a:fillRect/>
-          </a:stretch>
-        </p:blipFill>
-        <p:spPr>
-          <a:xfrm>
-            <a:off x="5258300" y="934067"/>
-            <a:ext cx="6615397" cy="5241138"/>
-          </a:xfrm>
-          <a:prstGeom prst="rect">
-            <a:avLst/>
-          </a:prstGeom>
-        </p:spPr>
-      </p:pic>
-    </p:spTree>
-    <p:extLst>
-      <p:ext uri="{BB962C8B-B14F-4D97-AF65-F5344CB8AC3E}">
-        <p14:creationId xmlns:p14="http://schemas.microsoft.com/office/powerpoint/2010/main" val="1878081615"/>
+        <p14:creationId xmlns:p14="http://schemas.microsoft.com/office/powerpoint/2010/main" val="895692056"/>
       </p:ext>
     </p:extLst>
   </p:cSld>
